--- a/PPT/Presentation - Hardware.pptx
+++ b/PPT/Presentation - Hardware.pptx
@@ -5,23 +5,22 @@
     <p:sldMasterId id="2147483648" r:id="rId1"/>
   </p:sldMasterIdLst>
   <p:notesMasterIdLst>
-    <p:notesMasterId r:id="rId13"/>
+    <p:notesMasterId r:id="rId12"/>
   </p:notesMasterIdLst>
   <p:handoutMasterIdLst>
-    <p:handoutMasterId r:id="rId14"/>
+    <p:handoutMasterId r:id="rId13"/>
   </p:handoutMasterIdLst>
   <p:sldIdLst>
     <p:sldId id="678" r:id="rId2"/>
     <p:sldId id="679" r:id="rId3"/>
     <p:sldId id="680" r:id="rId4"/>
     <p:sldId id="681" r:id="rId5"/>
-    <p:sldId id="682" r:id="rId6"/>
-    <p:sldId id="683" r:id="rId7"/>
-    <p:sldId id="684" r:id="rId8"/>
-    <p:sldId id="685" r:id="rId9"/>
-    <p:sldId id="686" r:id="rId10"/>
-    <p:sldId id="676" r:id="rId11"/>
-    <p:sldId id="445" r:id="rId12"/>
+    <p:sldId id="684" r:id="rId6"/>
+    <p:sldId id="687" r:id="rId7"/>
+    <p:sldId id="685" r:id="rId8"/>
+    <p:sldId id="686" r:id="rId9"/>
+    <p:sldId id="676" r:id="rId10"/>
+    <p:sldId id="445" r:id="rId11"/>
   </p:sldIdLst>
   <p:sldSz cx="9144000" cy="6858000" type="screen4x3"/>
   <p:notesSz cx="6858000" cy="9144000"/>
@@ -165,6 +164,9 @@
         </p15:guide>
       </p15:sldGuideLst>
     </p:ext>
+    <p:ext uri="{2D200454-40CA-4A62-9FC3-DE9A4176ACB9}">
+      <p15:notesGuideLst xmlns:p15="http://schemas.microsoft.com/office/powerpoint/2012/main"/>
+    </p:ext>
   </p:extLst>
 </p:presentation>
 </file>
@@ -266,7 +268,7 @@
               <a:pPr>
                 <a:defRPr/>
               </a:pPr>
-              <a:t>13.10.2018</a:t>
+              <a:t>14.10.2018</a:t>
             </a:fld>
             <a:endParaRPr lang="de-DE" dirty="0"/>
           </a:p>
@@ -477,7 +479,7 @@
               <a:pPr>
                 <a:defRPr/>
               </a:pPr>
-              <a:t>13.10.2018</a:t>
+              <a:t>14.10.2018</a:t>
             </a:fld>
             <a:endParaRPr lang="de-DE" dirty="0"/>
           </a:p>
@@ -876,6 +878,1298 @@
     <p:extLst>
       <p:ext uri="{BB962C8B-B14F-4D97-AF65-F5344CB8AC3E}">
         <p14:creationId xmlns:p14="http://schemas.microsoft.com/office/powerpoint/2010/main" val="4223290580"/>
+      </p:ext>
+    </p:extLst>
+  </p:cSld>
+  <p:clrMapOvr>
+    <a:masterClrMapping/>
+  </p:clrMapOvr>
+</p:notes>
+</file>
+
+<file path=ppt/notesSlides/notesSlide2.xml><?xml version="1.0" encoding="utf-8"?>
+<p:notes xmlns:a="http://schemas.openxmlformats.org/drawingml/2006/main" xmlns:r="http://schemas.openxmlformats.org/officeDocument/2006/relationships" xmlns:p="http://schemas.openxmlformats.org/presentationml/2006/main">
+  <p:cSld>
+    <p:spTree>
+      <p:nvGrpSpPr>
+        <p:cNvPr id="1" name=""/>
+        <p:cNvGrpSpPr/>
+        <p:nvPr/>
+      </p:nvGrpSpPr>
+      <p:grpSpPr>
+        <a:xfrm>
+          <a:off x="0" y="0"/>
+          <a:ext cx="0" cy="0"/>
+          <a:chOff x="0" y="0"/>
+          <a:chExt cx="0" cy="0"/>
+        </a:xfrm>
+      </p:grpSpPr>
+      <p:sp>
+        <p:nvSpPr>
+          <p:cNvPr id="2" name="幻灯片图像占位符 1"/>
+          <p:cNvSpPr>
+            <a:spLocks noGrp="1" noRot="1" noChangeAspect="1"/>
+          </p:cNvSpPr>
+          <p:nvPr>
+            <p:ph type="sldImg"/>
+          </p:nvPr>
+        </p:nvSpPr>
+        <p:spPr/>
+      </p:sp>
+      <p:sp>
+        <p:nvSpPr>
+          <p:cNvPr id="3" name="备注占位符 2"/>
+          <p:cNvSpPr>
+            <a:spLocks noGrp="1"/>
+          </p:cNvSpPr>
+          <p:nvPr>
+            <p:ph type="body" idx="1"/>
+          </p:nvPr>
+        </p:nvSpPr>
+        <p:spPr/>
+        <p:txBody>
+          <a:bodyPr/>
+          <a:lstStyle/>
+          <a:p>
+            <a:pPr marL="171450" indent="-171450">
+              <a:buFont typeface="Arial" panose="020B0604020202020204" pitchFamily="34" charset="0"/>
+              <a:buChar char="•"/>
+            </a:pPr>
+            <a:r>
+              <a:rPr lang="en-GB" altLang="zh-CN" dirty="0" smtClean="0"/>
+              <a:t>Each robot connect with</a:t>
+            </a:r>
+            <a:r>
+              <a:rPr lang="en-GB" altLang="zh-CN" baseline="0" dirty="0" smtClean="0"/>
+              <a:t> a </a:t>
+            </a:r>
+            <a:r>
+              <a:rPr lang="en-US" altLang="zh-CN" baseline="0" dirty="0" smtClean="0"/>
+              <a:t>laptop using </a:t>
+            </a:r>
+            <a:r>
+              <a:rPr lang="en-US" altLang="zh-CN" baseline="0" dirty="0" err="1" smtClean="0"/>
+              <a:t>lan</a:t>
+            </a:r>
+            <a:r>
+              <a:rPr lang="en-US" altLang="zh-CN" baseline="0" dirty="0" smtClean="0"/>
+              <a:t> cable.</a:t>
+            </a:r>
+          </a:p>
+          <a:p>
+            <a:pPr marL="171450" indent="-171450">
+              <a:buFont typeface="Arial" panose="020B0604020202020204" pitchFamily="34" charset="0"/>
+              <a:buChar char="•"/>
+            </a:pPr>
+            <a:r>
+              <a:rPr lang="en-GB" altLang="zh-CN" dirty="0" smtClean="0"/>
+              <a:t>Laptop accesses</a:t>
+            </a:r>
+            <a:r>
+              <a:rPr lang="en-GB" altLang="zh-CN" baseline="0" dirty="0" smtClean="0"/>
+              <a:t> the local network which is create by a router using </a:t>
+            </a:r>
+            <a:r>
+              <a:rPr lang="en-GB" altLang="zh-CN" baseline="0" dirty="0" err="1" smtClean="0"/>
+              <a:t>WiFi</a:t>
+            </a:r>
+            <a:r>
+              <a:rPr lang="en-GB" altLang="zh-CN" baseline="0" dirty="0" smtClean="0"/>
+              <a:t>.</a:t>
+            </a:r>
+          </a:p>
+          <a:p>
+            <a:pPr marL="171450" indent="-171450">
+              <a:buFont typeface="Arial" panose="020B0604020202020204" pitchFamily="34" charset="0"/>
+              <a:buChar char="•"/>
+            </a:pPr>
+            <a:r>
+              <a:rPr lang="en-GB" altLang="zh-CN" baseline="0" dirty="0" smtClean="0"/>
+              <a:t>Laptop could run the program to control the robot. And it can communicate with other laptop in the same local network at the same time.</a:t>
+            </a:r>
+          </a:p>
+          <a:p>
+            <a:pPr marL="171450" indent="-171450">
+              <a:buFont typeface="Arial" panose="020B0604020202020204" pitchFamily="34" charset="0"/>
+              <a:buChar char="•"/>
+            </a:pPr>
+            <a:endParaRPr lang="zh-CN" altLang="en-US" dirty="0"/>
+          </a:p>
+        </p:txBody>
+      </p:sp>
+      <p:sp>
+        <p:nvSpPr>
+          <p:cNvPr id="4" name="页脚占位符 3"/>
+          <p:cNvSpPr>
+            <a:spLocks noGrp="1"/>
+          </p:cNvSpPr>
+          <p:nvPr>
+            <p:ph type="ftr" sz="quarter" idx="10"/>
+          </p:nvPr>
+        </p:nvSpPr>
+        <p:spPr/>
+        <p:txBody>
+          <a:bodyPr/>
+          <a:lstStyle/>
+          <a:p>
+            <a:pPr>
+              <a:defRPr/>
+            </a:pPr>
+            <a:r>
+              <a:rPr lang="de-DE" smtClean="0"/>
+              <a:t>Fakultät für Ingenieurwissenschaften</a:t>
+            </a:r>
+            <a:endParaRPr lang="de-DE" dirty="0"/>
+          </a:p>
+        </p:txBody>
+      </p:sp>
+      <p:sp>
+        <p:nvSpPr>
+          <p:cNvPr id="5" name="灯片编号占位符 4"/>
+          <p:cNvSpPr>
+            <a:spLocks noGrp="1"/>
+          </p:cNvSpPr>
+          <p:nvPr>
+            <p:ph type="sldNum" sz="quarter" idx="11"/>
+          </p:nvPr>
+        </p:nvSpPr>
+        <p:spPr/>
+        <p:txBody>
+          <a:bodyPr/>
+          <a:lstStyle/>
+          <a:p>
+            <a:pPr>
+              <a:defRPr/>
+            </a:pPr>
+            <a:fld id="{F205B617-3E23-4DAD-A88A-EA92A7E9EB71}" type="slidenum">
+              <a:rPr lang="de-DE" smtClean="0"/>
+              <a:pPr>
+                <a:defRPr/>
+              </a:pPr>
+              <a:t>2</a:t>
+            </a:fld>
+            <a:endParaRPr lang="de-DE" dirty="0"/>
+          </a:p>
+        </p:txBody>
+      </p:sp>
+    </p:spTree>
+    <p:extLst>
+      <p:ext uri="{BB962C8B-B14F-4D97-AF65-F5344CB8AC3E}">
+        <p14:creationId xmlns:p14="http://schemas.microsoft.com/office/powerpoint/2010/main" val="3799983775"/>
+      </p:ext>
+    </p:extLst>
+  </p:cSld>
+  <p:clrMapOvr>
+    <a:masterClrMapping/>
+  </p:clrMapOvr>
+</p:notes>
+</file>
+
+<file path=ppt/notesSlides/notesSlide3.xml><?xml version="1.0" encoding="utf-8"?>
+<p:notes xmlns:a="http://schemas.openxmlformats.org/drawingml/2006/main" xmlns:r="http://schemas.openxmlformats.org/officeDocument/2006/relationships" xmlns:p="http://schemas.openxmlformats.org/presentationml/2006/main">
+  <p:cSld>
+    <p:spTree>
+      <p:nvGrpSpPr>
+        <p:cNvPr id="1" name=""/>
+        <p:cNvGrpSpPr/>
+        <p:nvPr/>
+      </p:nvGrpSpPr>
+      <p:grpSpPr>
+        <a:xfrm>
+          <a:off x="0" y="0"/>
+          <a:ext cx="0" cy="0"/>
+          <a:chOff x="0" y="0"/>
+          <a:chExt cx="0" cy="0"/>
+        </a:xfrm>
+      </p:grpSpPr>
+      <p:sp>
+        <p:nvSpPr>
+          <p:cNvPr id="2" name="幻灯片图像占位符 1"/>
+          <p:cNvSpPr>
+            <a:spLocks noGrp="1" noRot="1" noChangeAspect="1"/>
+          </p:cNvSpPr>
+          <p:nvPr>
+            <p:ph type="sldImg"/>
+          </p:nvPr>
+        </p:nvSpPr>
+        <p:spPr/>
+      </p:sp>
+      <p:sp>
+        <p:nvSpPr>
+          <p:cNvPr id="3" name="备注占位符 2"/>
+          <p:cNvSpPr>
+            <a:spLocks noGrp="1"/>
+          </p:cNvSpPr>
+          <p:nvPr>
+            <p:ph type="body" idx="1"/>
+          </p:nvPr>
+        </p:nvSpPr>
+        <p:spPr/>
+        <p:txBody>
+          <a:bodyPr/>
+          <a:lstStyle/>
+          <a:p>
+            <a:pPr marL="171450" indent="-171450">
+              <a:buFont typeface="Arial" panose="020B0604020202020204" pitchFamily="34" charset="0"/>
+              <a:buChar char="•"/>
+            </a:pPr>
+            <a:r>
+              <a:rPr lang="en-GB" altLang="zh-CN" dirty="0" smtClean="0"/>
+              <a:t>Write</a:t>
+            </a:r>
+            <a:r>
+              <a:rPr lang="en-GB" altLang="zh-CN" baseline="0" dirty="0" smtClean="0"/>
+              <a:t> program directly on the </a:t>
+            </a:r>
+            <a:r>
+              <a:rPr lang="en-GB" altLang="zh-CN" baseline="0" dirty="0" err="1" smtClean="0"/>
+              <a:t>Robotino’s</a:t>
+            </a:r>
+            <a:r>
+              <a:rPr lang="en-GB" altLang="zh-CN" baseline="0" dirty="0" smtClean="0"/>
+              <a:t> system.</a:t>
+            </a:r>
+          </a:p>
+          <a:p>
+            <a:pPr marL="171450" indent="-171450">
+              <a:buFont typeface="Arial" panose="020B0604020202020204" pitchFamily="34" charset="0"/>
+              <a:buChar char="•"/>
+            </a:pPr>
+            <a:r>
+              <a:rPr lang="en-GB" altLang="zh-CN" dirty="0" err="1" smtClean="0"/>
+              <a:t>Robotino</a:t>
+            </a:r>
+            <a:r>
+              <a:rPr lang="en-GB" altLang="zh-CN" dirty="0" smtClean="0"/>
+              <a:t> has a Ubuntu Linux operate system. We could directly write program on it.</a:t>
+            </a:r>
+          </a:p>
+          <a:p>
+            <a:pPr marL="171450" indent="-171450">
+              <a:buFont typeface="Arial" panose="020B0604020202020204" pitchFamily="34" charset="0"/>
+              <a:buChar char="•"/>
+            </a:pPr>
+            <a:r>
+              <a:rPr lang="en-US" altLang="zh-CN" dirty="0" err="1" smtClean="0"/>
+              <a:t>Robotino</a:t>
+            </a:r>
+            <a:r>
+              <a:rPr lang="en-US" altLang="zh-CN" baseline="0" dirty="0" smtClean="0"/>
+              <a:t> needs add a wireless module so that it could access the wireless local network.</a:t>
+            </a:r>
+          </a:p>
+          <a:p>
+            <a:pPr marL="171450" indent="-171450">
+              <a:buFont typeface="Arial" panose="020B0604020202020204" pitchFamily="34" charset="0"/>
+              <a:buChar char="•"/>
+            </a:pPr>
+            <a:endParaRPr lang="zh-CN" altLang="en-US" dirty="0"/>
+          </a:p>
+        </p:txBody>
+      </p:sp>
+      <p:sp>
+        <p:nvSpPr>
+          <p:cNvPr id="4" name="页脚占位符 3"/>
+          <p:cNvSpPr>
+            <a:spLocks noGrp="1"/>
+          </p:cNvSpPr>
+          <p:nvPr>
+            <p:ph type="ftr" sz="quarter" idx="10"/>
+          </p:nvPr>
+        </p:nvSpPr>
+        <p:spPr/>
+        <p:txBody>
+          <a:bodyPr/>
+          <a:lstStyle/>
+          <a:p>
+            <a:pPr>
+              <a:defRPr/>
+            </a:pPr>
+            <a:r>
+              <a:rPr lang="de-DE" smtClean="0"/>
+              <a:t>Fakultät für Ingenieurwissenschaften</a:t>
+            </a:r>
+            <a:endParaRPr lang="de-DE" dirty="0"/>
+          </a:p>
+        </p:txBody>
+      </p:sp>
+      <p:sp>
+        <p:nvSpPr>
+          <p:cNvPr id="5" name="灯片编号占位符 4"/>
+          <p:cNvSpPr>
+            <a:spLocks noGrp="1"/>
+          </p:cNvSpPr>
+          <p:nvPr>
+            <p:ph type="sldNum" sz="quarter" idx="11"/>
+          </p:nvPr>
+        </p:nvSpPr>
+        <p:spPr/>
+        <p:txBody>
+          <a:bodyPr/>
+          <a:lstStyle/>
+          <a:p>
+            <a:pPr>
+              <a:defRPr/>
+            </a:pPr>
+            <a:fld id="{F205B617-3E23-4DAD-A88A-EA92A7E9EB71}" type="slidenum">
+              <a:rPr lang="de-DE" smtClean="0"/>
+              <a:pPr>
+                <a:defRPr/>
+              </a:pPr>
+              <a:t>3</a:t>
+            </a:fld>
+            <a:endParaRPr lang="de-DE" dirty="0"/>
+          </a:p>
+        </p:txBody>
+      </p:sp>
+    </p:spTree>
+    <p:extLst>
+      <p:ext uri="{BB962C8B-B14F-4D97-AF65-F5344CB8AC3E}">
+        <p14:creationId xmlns:p14="http://schemas.microsoft.com/office/powerpoint/2010/main" val="527082742"/>
+      </p:ext>
+    </p:extLst>
+  </p:cSld>
+  <p:clrMapOvr>
+    <a:masterClrMapping/>
+  </p:clrMapOvr>
+</p:notes>
+</file>
+
+<file path=ppt/notesSlides/notesSlide4.xml><?xml version="1.0" encoding="utf-8"?>
+<p:notes xmlns:a="http://schemas.openxmlformats.org/drawingml/2006/main" xmlns:r="http://schemas.openxmlformats.org/officeDocument/2006/relationships" xmlns:p="http://schemas.openxmlformats.org/presentationml/2006/main">
+  <p:cSld>
+    <p:spTree>
+      <p:nvGrpSpPr>
+        <p:cNvPr id="1" name=""/>
+        <p:cNvGrpSpPr/>
+        <p:nvPr/>
+      </p:nvGrpSpPr>
+      <p:grpSpPr>
+        <a:xfrm>
+          <a:off x="0" y="0"/>
+          <a:ext cx="0" cy="0"/>
+          <a:chOff x="0" y="0"/>
+          <a:chExt cx="0" cy="0"/>
+        </a:xfrm>
+      </p:grpSpPr>
+      <p:sp>
+        <p:nvSpPr>
+          <p:cNvPr id="2" name="幻灯片图像占位符 1"/>
+          <p:cNvSpPr>
+            <a:spLocks noGrp="1" noRot="1" noChangeAspect="1"/>
+          </p:cNvSpPr>
+          <p:nvPr>
+            <p:ph type="sldImg"/>
+          </p:nvPr>
+        </p:nvSpPr>
+        <p:spPr/>
+      </p:sp>
+      <p:sp>
+        <p:nvSpPr>
+          <p:cNvPr id="3" name="备注占位符 2"/>
+          <p:cNvSpPr>
+            <a:spLocks noGrp="1"/>
+          </p:cNvSpPr>
+          <p:nvPr>
+            <p:ph type="body" idx="1"/>
+          </p:nvPr>
+        </p:nvSpPr>
+        <p:spPr/>
+        <p:txBody>
+          <a:bodyPr/>
+          <a:lstStyle/>
+          <a:p>
+            <a:pPr marL="171450" indent="-171450">
+              <a:buFont typeface="Arial" panose="020B0604020202020204" pitchFamily="34" charset="0"/>
+              <a:buChar char="•"/>
+            </a:pPr>
+            <a:r>
+              <a:rPr lang="en-US" altLang="zh-CN" dirty="0" smtClean="0"/>
+              <a:t>Lap</a:t>
+            </a:r>
+            <a:r>
+              <a:rPr lang="en-US" altLang="zh-CN" baseline="0" dirty="0" smtClean="0"/>
+              <a:t>top could run all kind of software, especially MATLAB , SIMULINK, UNITY ….</a:t>
+            </a:r>
+          </a:p>
+          <a:p>
+            <a:pPr marL="171450" indent="-171450">
+              <a:buFont typeface="Arial" panose="020B0604020202020204" pitchFamily="34" charset="0"/>
+              <a:buChar char="•"/>
+            </a:pPr>
+            <a:r>
+              <a:rPr lang="en-US" altLang="zh-CN" baseline="0" dirty="0" smtClean="0"/>
+              <a:t>Laptop could do the Image Process faster 50-100 times , because it has GPU</a:t>
+            </a:r>
+            <a:r>
+              <a:rPr lang="en-GB" altLang="zh-CN" baseline="0" dirty="0" smtClean="0"/>
+              <a:t> module.</a:t>
+            </a:r>
+          </a:p>
+          <a:p>
+            <a:pPr marL="171450" indent="-171450">
+              <a:buFont typeface="Arial" panose="020B0604020202020204" pitchFamily="34" charset="0"/>
+              <a:buChar char="•"/>
+            </a:pPr>
+            <a:r>
+              <a:rPr lang="en-GB" altLang="zh-CN" dirty="0" smtClean="0"/>
+              <a:t>Without</a:t>
+            </a:r>
+            <a:r>
+              <a:rPr lang="en-GB" altLang="zh-CN" baseline="0" dirty="0" smtClean="0"/>
+              <a:t> Laptop we could also write the program. But we need to change the platform, Current we use C++  + </a:t>
+            </a:r>
+            <a:r>
+              <a:rPr lang="en-GB" altLang="zh-CN" baseline="0" dirty="0" err="1" smtClean="0"/>
+              <a:t>OpenCV</a:t>
+            </a:r>
+            <a:r>
+              <a:rPr lang="en-GB" altLang="zh-CN" baseline="0" dirty="0" smtClean="0"/>
+              <a:t> to do the Control and Image Process. On Linux it is also support </a:t>
+            </a:r>
+            <a:r>
+              <a:rPr lang="en-GB" altLang="zh-CN" baseline="0" dirty="0" err="1" smtClean="0"/>
+              <a:t>c++</a:t>
+            </a:r>
+            <a:r>
+              <a:rPr lang="en-GB" altLang="zh-CN" baseline="0" dirty="0" smtClean="0"/>
+              <a:t> and </a:t>
+            </a:r>
+            <a:r>
+              <a:rPr lang="en-GB" altLang="zh-CN" baseline="0" dirty="0" err="1" smtClean="0"/>
+              <a:t>openCV</a:t>
+            </a:r>
+            <a:r>
+              <a:rPr lang="en-GB" altLang="zh-CN" baseline="0" dirty="0" smtClean="0"/>
+              <a:t>. But we need to change the platform to Linux, and reprogram.</a:t>
+            </a:r>
+          </a:p>
+          <a:p>
+            <a:pPr marL="171450" indent="-171450">
+              <a:buFont typeface="Arial" panose="020B0604020202020204" pitchFamily="34" charset="0"/>
+              <a:buChar char="•"/>
+            </a:pPr>
+            <a:r>
+              <a:rPr lang="en-GB" altLang="zh-CN" baseline="0" dirty="0" smtClean="0"/>
+              <a:t>Without Laptop we could have simple hardware structure. And it costs of course less.</a:t>
+            </a:r>
+            <a:endParaRPr lang="zh-CN" altLang="en-US" dirty="0"/>
+          </a:p>
+        </p:txBody>
+      </p:sp>
+      <p:sp>
+        <p:nvSpPr>
+          <p:cNvPr id="4" name="页脚占位符 3"/>
+          <p:cNvSpPr>
+            <a:spLocks noGrp="1"/>
+          </p:cNvSpPr>
+          <p:nvPr>
+            <p:ph type="ftr" sz="quarter" idx="10"/>
+          </p:nvPr>
+        </p:nvSpPr>
+        <p:spPr/>
+        <p:txBody>
+          <a:bodyPr/>
+          <a:lstStyle/>
+          <a:p>
+            <a:pPr>
+              <a:defRPr/>
+            </a:pPr>
+            <a:r>
+              <a:rPr lang="de-DE" smtClean="0"/>
+              <a:t>Fakultät für Ingenieurwissenschaften</a:t>
+            </a:r>
+            <a:endParaRPr lang="de-DE" dirty="0"/>
+          </a:p>
+        </p:txBody>
+      </p:sp>
+      <p:sp>
+        <p:nvSpPr>
+          <p:cNvPr id="5" name="灯片编号占位符 4"/>
+          <p:cNvSpPr>
+            <a:spLocks noGrp="1"/>
+          </p:cNvSpPr>
+          <p:nvPr>
+            <p:ph type="sldNum" sz="quarter" idx="11"/>
+          </p:nvPr>
+        </p:nvSpPr>
+        <p:spPr/>
+        <p:txBody>
+          <a:bodyPr/>
+          <a:lstStyle/>
+          <a:p>
+            <a:pPr>
+              <a:defRPr/>
+            </a:pPr>
+            <a:fld id="{F205B617-3E23-4DAD-A88A-EA92A7E9EB71}" type="slidenum">
+              <a:rPr lang="de-DE" smtClean="0"/>
+              <a:pPr>
+                <a:defRPr/>
+              </a:pPr>
+              <a:t>4</a:t>
+            </a:fld>
+            <a:endParaRPr lang="de-DE" dirty="0"/>
+          </a:p>
+        </p:txBody>
+      </p:sp>
+    </p:spTree>
+    <p:extLst>
+      <p:ext uri="{BB962C8B-B14F-4D97-AF65-F5344CB8AC3E}">
+        <p14:creationId xmlns:p14="http://schemas.microsoft.com/office/powerpoint/2010/main" val="3916238159"/>
+      </p:ext>
+    </p:extLst>
+  </p:cSld>
+  <p:clrMapOvr>
+    <a:masterClrMapping/>
+  </p:clrMapOvr>
+</p:notes>
+</file>
+
+<file path=ppt/notesSlides/notesSlide5.xml><?xml version="1.0" encoding="utf-8"?>
+<p:notes xmlns:a="http://schemas.openxmlformats.org/drawingml/2006/main" xmlns:r="http://schemas.openxmlformats.org/officeDocument/2006/relationships" xmlns:p="http://schemas.openxmlformats.org/presentationml/2006/main">
+  <p:cSld>
+    <p:spTree>
+      <p:nvGrpSpPr>
+        <p:cNvPr id="1" name=""/>
+        <p:cNvGrpSpPr/>
+        <p:nvPr/>
+      </p:nvGrpSpPr>
+      <p:grpSpPr>
+        <a:xfrm>
+          <a:off x="0" y="0"/>
+          <a:ext cx="0" cy="0"/>
+          <a:chOff x="0" y="0"/>
+          <a:chExt cx="0" cy="0"/>
+        </a:xfrm>
+      </p:grpSpPr>
+      <p:sp>
+        <p:nvSpPr>
+          <p:cNvPr id="2" name="幻灯片图像占位符 1"/>
+          <p:cNvSpPr>
+            <a:spLocks noGrp="1" noRot="1" noChangeAspect="1"/>
+          </p:cNvSpPr>
+          <p:nvPr>
+            <p:ph type="sldImg"/>
+          </p:nvPr>
+        </p:nvSpPr>
+        <p:spPr/>
+      </p:sp>
+      <p:sp>
+        <p:nvSpPr>
+          <p:cNvPr id="3" name="备注占位符 2"/>
+          <p:cNvSpPr>
+            <a:spLocks noGrp="1"/>
+          </p:cNvSpPr>
+          <p:nvPr>
+            <p:ph type="body" idx="1"/>
+          </p:nvPr>
+        </p:nvSpPr>
+        <p:spPr/>
+        <p:txBody>
+          <a:bodyPr/>
+          <a:lstStyle/>
+          <a:p>
+            <a:r>
+              <a:rPr lang="en-GB" altLang="zh-CN" dirty="0" smtClean="0">
+                <a:latin typeface="+mn-lt"/>
+              </a:rPr>
+              <a:t>No matter which kind of hardware plan is choice, we need a distribute system for robot. </a:t>
+            </a:r>
+          </a:p>
+          <a:p>
+            <a:pPr marL="171450" indent="-171450">
+              <a:buFont typeface="Arial" panose="020B0604020202020204" pitchFamily="34" charset="0"/>
+              <a:buChar char="•"/>
+            </a:pPr>
+            <a:r>
+              <a:rPr lang="en-GB" altLang="zh-CN" dirty="0" smtClean="0">
+                <a:latin typeface="+mn-lt"/>
+              </a:rPr>
+              <a:t>Distribute system </a:t>
+            </a:r>
+            <a:r>
+              <a:rPr lang="en-US" altLang="zh-CN" dirty="0" smtClean="0">
+                <a:latin typeface="+mn-lt"/>
+              </a:rPr>
+              <a:t>is a application use for Robot to</a:t>
+            </a:r>
+            <a:r>
+              <a:rPr lang="en-GB" altLang="zh-CN" dirty="0" smtClean="0">
+                <a:latin typeface="+mn-lt"/>
+              </a:rPr>
+              <a:t> build up the connection</a:t>
+            </a:r>
+            <a:r>
+              <a:rPr lang="en-GB" altLang="zh-CN" baseline="0" dirty="0" smtClean="0">
+                <a:latin typeface="+mn-lt"/>
+              </a:rPr>
+              <a:t>s amount the robots. It is also responsible for transmitting/receiving data. Code/decode the command, and so on</a:t>
+            </a:r>
+          </a:p>
+          <a:p>
+            <a:pPr marL="171450" indent="-171450">
+              <a:buFont typeface="Arial" panose="020B0604020202020204" pitchFamily="34" charset="0"/>
+              <a:buChar char="•"/>
+            </a:pPr>
+            <a:r>
+              <a:rPr lang="en-US" altLang="zh-CN" dirty="0" smtClean="0"/>
+              <a:t>Distribute</a:t>
+            </a:r>
+            <a:r>
+              <a:rPr lang="en-US" altLang="zh-CN" baseline="0" dirty="0" smtClean="0"/>
+              <a:t> system is independent on other application. That means, it will not interrupt the other project. I will also design the interface for other application. Design a  </a:t>
+            </a:r>
+            <a:r>
+              <a:rPr lang="en-US" altLang="zh-CN" baseline="0" dirty="0" err="1" smtClean="0"/>
+              <a:t>Matlab</a:t>
+            </a:r>
+            <a:r>
+              <a:rPr lang="en-US" altLang="zh-CN" baseline="0" dirty="0" smtClean="0"/>
+              <a:t> toolbox, and C/C++ function interface.</a:t>
+            </a:r>
+          </a:p>
+          <a:p>
+            <a:pPr marL="171450" indent="-171450">
+              <a:buFont typeface="Arial" panose="020B0604020202020204" pitchFamily="34" charset="0"/>
+              <a:buChar char="•"/>
+            </a:pPr>
+            <a:endParaRPr lang="zh-CN" altLang="en-US" dirty="0"/>
+          </a:p>
+        </p:txBody>
+      </p:sp>
+      <p:sp>
+        <p:nvSpPr>
+          <p:cNvPr id="4" name="页脚占位符 3"/>
+          <p:cNvSpPr>
+            <a:spLocks noGrp="1"/>
+          </p:cNvSpPr>
+          <p:nvPr>
+            <p:ph type="ftr" sz="quarter" idx="10"/>
+          </p:nvPr>
+        </p:nvSpPr>
+        <p:spPr/>
+        <p:txBody>
+          <a:bodyPr/>
+          <a:lstStyle/>
+          <a:p>
+            <a:pPr>
+              <a:defRPr/>
+            </a:pPr>
+            <a:r>
+              <a:rPr lang="de-DE" smtClean="0"/>
+              <a:t>Fakultät für Ingenieurwissenschaften</a:t>
+            </a:r>
+            <a:endParaRPr lang="de-DE" dirty="0"/>
+          </a:p>
+        </p:txBody>
+      </p:sp>
+      <p:sp>
+        <p:nvSpPr>
+          <p:cNvPr id="5" name="灯片编号占位符 4"/>
+          <p:cNvSpPr>
+            <a:spLocks noGrp="1"/>
+          </p:cNvSpPr>
+          <p:nvPr>
+            <p:ph type="sldNum" sz="quarter" idx="11"/>
+          </p:nvPr>
+        </p:nvSpPr>
+        <p:spPr/>
+        <p:txBody>
+          <a:bodyPr/>
+          <a:lstStyle/>
+          <a:p>
+            <a:pPr>
+              <a:defRPr/>
+            </a:pPr>
+            <a:fld id="{F205B617-3E23-4DAD-A88A-EA92A7E9EB71}" type="slidenum">
+              <a:rPr lang="de-DE" smtClean="0"/>
+              <a:pPr>
+                <a:defRPr/>
+              </a:pPr>
+              <a:t>5</a:t>
+            </a:fld>
+            <a:endParaRPr lang="de-DE" dirty="0"/>
+          </a:p>
+        </p:txBody>
+      </p:sp>
+    </p:spTree>
+    <p:extLst>
+      <p:ext uri="{BB962C8B-B14F-4D97-AF65-F5344CB8AC3E}">
+        <p14:creationId xmlns:p14="http://schemas.microsoft.com/office/powerpoint/2010/main" val="3628808003"/>
+      </p:ext>
+    </p:extLst>
+  </p:cSld>
+  <p:clrMapOvr>
+    <a:masterClrMapping/>
+  </p:clrMapOvr>
+</p:notes>
+</file>
+
+<file path=ppt/notesSlides/notesSlide6.xml><?xml version="1.0" encoding="utf-8"?>
+<p:notes xmlns:a="http://schemas.openxmlformats.org/drawingml/2006/main" xmlns:r="http://schemas.openxmlformats.org/officeDocument/2006/relationships" xmlns:p="http://schemas.openxmlformats.org/presentationml/2006/main">
+  <p:cSld>
+    <p:spTree>
+      <p:nvGrpSpPr>
+        <p:cNvPr id="1" name=""/>
+        <p:cNvGrpSpPr/>
+        <p:nvPr/>
+      </p:nvGrpSpPr>
+      <p:grpSpPr>
+        <a:xfrm>
+          <a:off x="0" y="0"/>
+          <a:ext cx="0" cy="0"/>
+          <a:chOff x="0" y="0"/>
+          <a:chExt cx="0" cy="0"/>
+        </a:xfrm>
+      </p:grpSpPr>
+      <p:sp>
+        <p:nvSpPr>
+          <p:cNvPr id="2" name="幻灯片图像占位符 1"/>
+          <p:cNvSpPr>
+            <a:spLocks noGrp="1" noRot="1" noChangeAspect="1"/>
+          </p:cNvSpPr>
+          <p:nvPr>
+            <p:ph type="sldImg"/>
+          </p:nvPr>
+        </p:nvSpPr>
+        <p:spPr/>
+      </p:sp>
+      <p:sp>
+        <p:nvSpPr>
+          <p:cNvPr id="3" name="备注占位符 2"/>
+          <p:cNvSpPr>
+            <a:spLocks noGrp="1"/>
+          </p:cNvSpPr>
+          <p:nvPr>
+            <p:ph type="body" idx="1"/>
+          </p:nvPr>
+        </p:nvSpPr>
+        <p:spPr/>
+        <p:txBody>
+          <a:bodyPr/>
+          <a:lstStyle/>
+          <a:p>
+            <a:r>
+              <a:rPr lang="en-US" altLang="zh-CN" baseline="0" dirty="0" smtClean="0">
+                <a:latin typeface="+mn-lt"/>
+              </a:rPr>
+              <a:t>Example.</a:t>
+            </a:r>
+          </a:p>
+          <a:p>
+            <a:r>
+              <a:rPr lang="en-US" altLang="zh-CN" baseline="0" dirty="0" smtClean="0">
+                <a:latin typeface="+mn-lt"/>
+              </a:rPr>
+              <a:t>Put a Laptop on the robot. Laptop connect with robot using </a:t>
+            </a:r>
+            <a:r>
+              <a:rPr lang="en-US" altLang="zh-CN" baseline="0" dirty="0" err="1" smtClean="0">
+                <a:latin typeface="+mn-lt"/>
+              </a:rPr>
+              <a:t>lan</a:t>
+            </a:r>
+            <a:r>
+              <a:rPr lang="en-US" altLang="zh-CN" baseline="0" dirty="0" smtClean="0">
+                <a:latin typeface="+mn-lt"/>
+              </a:rPr>
+              <a:t> cable. This computer access the local wireless network. </a:t>
+            </a:r>
+          </a:p>
+          <a:p>
+            <a:r>
+              <a:rPr lang="en-US" altLang="zh-CN" baseline="0" dirty="0" smtClean="0">
+                <a:latin typeface="+mn-lt"/>
+              </a:rPr>
+              <a:t>There is another computer which  is also access the same wireless network. </a:t>
+            </a:r>
+          </a:p>
+          <a:p>
+            <a:r>
+              <a:rPr lang="en-US" altLang="zh-CN" baseline="0" dirty="0" smtClean="0">
+                <a:latin typeface="+mn-lt"/>
+              </a:rPr>
+              <a:t>PC2 can send a rotation command to PC1, PC1 will control the robot to do the rotation.</a:t>
+            </a:r>
+          </a:p>
+          <a:p>
+            <a:endParaRPr lang="en-US" altLang="zh-CN" baseline="0" dirty="0" smtClean="0">
+              <a:latin typeface="+mn-lt"/>
+            </a:endParaRPr>
+          </a:p>
+          <a:p>
+            <a:endParaRPr lang="en-GB" altLang="zh-CN" baseline="0" dirty="0" smtClean="0">
+              <a:latin typeface="+mn-lt"/>
+            </a:endParaRPr>
+          </a:p>
+          <a:p>
+            <a:pPr marL="171450" indent="-171450">
+              <a:buFont typeface="Arial" panose="020B0604020202020204" pitchFamily="34" charset="0"/>
+              <a:buChar char="•"/>
+            </a:pPr>
+            <a:endParaRPr lang="zh-CN" altLang="en-US" dirty="0"/>
+          </a:p>
+        </p:txBody>
+      </p:sp>
+      <p:sp>
+        <p:nvSpPr>
+          <p:cNvPr id="4" name="页脚占位符 3"/>
+          <p:cNvSpPr>
+            <a:spLocks noGrp="1"/>
+          </p:cNvSpPr>
+          <p:nvPr>
+            <p:ph type="ftr" sz="quarter" idx="10"/>
+          </p:nvPr>
+        </p:nvSpPr>
+        <p:spPr/>
+        <p:txBody>
+          <a:bodyPr/>
+          <a:lstStyle/>
+          <a:p>
+            <a:pPr>
+              <a:defRPr/>
+            </a:pPr>
+            <a:r>
+              <a:rPr lang="de-DE" smtClean="0"/>
+              <a:t>Fakultät für Ingenieurwissenschaften</a:t>
+            </a:r>
+            <a:endParaRPr lang="de-DE" dirty="0"/>
+          </a:p>
+        </p:txBody>
+      </p:sp>
+      <p:sp>
+        <p:nvSpPr>
+          <p:cNvPr id="5" name="灯片编号占位符 4"/>
+          <p:cNvSpPr>
+            <a:spLocks noGrp="1"/>
+          </p:cNvSpPr>
+          <p:nvPr>
+            <p:ph type="sldNum" sz="quarter" idx="11"/>
+          </p:nvPr>
+        </p:nvSpPr>
+        <p:spPr/>
+        <p:txBody>
+          <a:bodyPr/>
+          <a:lstStyle/>
+          <a:p>
+            <a:pPr>
+              <a:defRPr/>
+            </a:pPr>
+            <a:fld id="{F205B617-3E23-4DAD-A88A-EA92A7E9EB71}" type="slidenum">
+              <a:rPr lang="de-DE" smtClean="0"/>
+              <a:pPr>
+                <a:defRPr/>
+              </a:pPr>
+              <a:t>6</a:t>
+            </a:fld>
+            <a:endParaRPr lang="de-DE" dirty="0"/>
+          </a:p>
+        </p:txBody>
+      </p:sp>
+    </p:spTree>
+    <p:extLst>
+      <p:ext uri="{BB962C8B-B14F-4D97-AF65-F5344CB8AC3E}">
+        <p14:creationId xmlns:p14="http://schemas.microsoft.com/office/powerpoint/2010/main" val="856573563"/>
+      </p:ext>
+    </p:extLst>
+  </p:cSld>
+  <p:clrMapOvr>
+    <a:masterClrMapping/>
+  </p:clrMapOvr>
+</p:notes>
+</file>
+
+<file path=ppt/notesSlides/notesSlide7.xml><?xml version="1.0" encoding="utf-8"?>
+<p:notes xmlns:a="http://schemas.openxmlformats.org/drawingml/2006/main" xmlns:r="http://schemas.openxmlformats.org/officeDocument/2006/relationships" xmlns:p="http://schemas.openxmlformats.org/presentationml/2006/main">
+  <p:cSld>
+    <p:spTree>
+      <p:nvGrpSpPr>
+        <p:cNvPr id="1" name=""/>
+        <p:cNvGrpSpPr/>
+        <p:nvPr/>
+      </p:nvGrpSpPr>
+      <p:grpSpPr>
+        <a:xfrm>
+          <a:off x="0" y="0"/>
+          <a:ext cx="0" cy="0"/>
+          <a:chOff x="0" y="0"/>
+          <a:chExt cx="0" cy="0"/>
+        </a:xfrm>
+      </p:grpSpPr>
+      <p:sp>
+        <p:nvSpPr>
+          <p:cNvPr id="2" name="幻灯片图像占位符 1"/>
+          <p:cNvSpPr>
+            <a:spLocks noGrp="1" noRot="1" noChangeAspect="1"/>
+          </p:cNvSpPr>
+          <p:nvPr>
+            <p:ph type="sldImg"/>
+          </p:nvPr>
+        </p:nvSpPr>
+        <p:spPr/>
+      </p:sp>
+      <p:sp>
+        <p:nvSpPr>
+          <p:cNvPr id="3" name="备注占位符 2"/>
+          <p:cNvSpPr>
+            <a:spLocks noGrp="1"/>
+          </p:cNvSpPr>
+          <p:nvPr>
+            <p:ph type="body" idx="1"/>
+          </p:nvPr>
+        </p:nvSpPr>
+        <p:spPr/>
+        <p:txBody>
+          <a:bodyPr/>
+          <a:lstStyle/>
+          <a:p>
+            <a:r>
+              <a:rPr lang="en-US" altLang="zh-CN" dirty="0" smtClean="0"/>
+              <a:t>This is the program structure on</a:t>
+            </a:r>
+            <a:r>
+              <a:rPr lang="en-US" altLang="zh-CN" baseline="0" dirty="0" smtClean="0"/>
+              <a:t> the PC1.</a:t>
+            </a:r>
+          </a:p>
+          <a:p>
+            <a:r>
+              <a:rPr lang="en-US" altLang="zh-CN" baseline="0" dirty="0" smtClean="0"/>
+              <a:t>C/C++/</a:t>
+            </a:r>
+            <a:r>
+              <a:rPr lang="en-US" altLang="zh-CN" baseline="0" dirty="0" err="1" smtClean="0"/>
+              <a:t>Matlab</a:t>
+            </a:r>
+            <a:r>
+              <a:rPr lang="en-US" altLang="zh-CN" baseline="0" dirty="0" smtClean="0"/>
+              <a:t> is responsible for control and collect data from robot</a:t>
+            </a:r>
+          </a:p>
+          <a:p>
+            <a:r>
+              <a:rPr lang="en-US" altLang="zh-CN" baseline="0" dirty="0" err="1" smtClean="0"/>
+              <a:t>Distrubute</a:t>
+            </a:r>
+            <a:r>
+              <a:rPr lang="en-US" altLang="zh-CN" baseline="0" dirty="0" smtClean="0"/>
+              <a:t> System is responsible for receive remote Data and send corresponding command to the bottom layer.</a:t>
+            </a:r>
+          </a:p>
+          <a:p>
+            <a:endParaRPr lang="zh-CN" altLang="en-US" dirty="0"/>
+          </a:p>
+        </p:txBody>
+      </p:sp>
+      <p:sp>
+        <p:nvSpPr>
+          <p:cNvPr id="4" name="页脚占位符 3"/>
+          <p:cNvSpPr>
+            <a:spLocks noGrp="1"/>
+          </p:cNvSpPr>
+          <p:nvPr>
+            <p:ph type="ftr" sz="quarter" idx="10"/>
+          </p:nvPr>
+        </p:nvSpPr>
+        <p:spPr/>
+        <p:txBody>
+          <a:bodyPr/>
+          <a:lstStyle/>
+          <a:p>
+            <a:pPr>
+              <a:defRPr/>
+            </a:pPr>
+            <a:r>
+              <a:rPr lang="de-DE" smtClean="0"/>
+              <a:t>Fakultät für Ingenieurwissenschaften</a:t>
+            </a:r>
+            <a:endParaRPr lang="de-DE" dirty="0"/>
+          </a:p>
+        </p:txBody>
+      </p:sp>
+      <p:sp>
+        <p:nvSpPr>
+          <p:cNvPr id="5" name="灯片编号占位符 4"/>
+          <p:cNvSpPr>
+            <a:spLocks noGrp="1"/>
+          </p:cNvSpPr>
+          <p:nvPr>
+            <p:ph type="sldNum" sz="quarter" idx="11"/>
+          </p:nvPr>
+        </p:nvSpPr>
+        <p:spPr/>
+        <p:txBody>
+          <a:bodyPr/>
+          <a:lstStyle/>
+          <a:p>
+            <a:pPr>
+              <a:defRPr/>
+            </a:pPr>
+            <a:fld id="{F205B617-3E23-4DAD-A88A-EA92A7E9EB71}" type="slidenum">
+              <a:rPr lang="de-DE" smtClean="0"/>
+              <a:pPr>
+                <a:defRPr/>
+              </a:pPr>
+              <a:t>7</a:t>
+            </a:fld>
+            <a:endParaRPr lang="de-DE" dirty="0"/>
+          </a:p>
+        </p:txBody>
+      </p:sp>
+    </p:spTree>
+    <p:extLst>
+      <p:ext uri="{BB962C8B-B14F-4D97-AF65-F5344CB8AC3E}">
+        <p14:creationId xmlns:p14="http://schemas.microsoft.com/office/powerpoint/2010/main" val="3394863456"/>
+      </p:ext>
+    </p:extLst>
+  </p:cSld>
+  <p:clrMapOvr>
+    <a:masterClrMapping/>
+  </p:clrMapOvr>
+</p:notes>
+</file>
+
+<file path=ppt/notesSlides/notesSlide8.xml><?xml version="1.0" encoding="utf-8"?>
+<p:notes xmlns:a="http://schemas.openxmlformats.org/drawingml/2006/main" xmlns:r="http://schemas.openxmlformats.org/officeDocument/2006/relationships" xmlns:p="http://schemas.openxmlformats.org/presentationml/2006/main">
+  <p:cSld>
+    <p:spTree>
+      <p:nvGrpSpPr>
+        <p:cNvPr id="1" name=""/>
+        <p:cNvGrpSpPr/>
+        <p:nvPr/>
+      </p:nvGrpSpPr>
+      <p:grpSpPr>
+        <a:xfrm>
+          <a:off x="0" y="0"/>
+          <a:ext cx="0" cy="0"/>
+          <a:chOff x="0" y="0"/>
+          <a:chExt cx="0" cy="0"/>
+        </a:xfrm>
+      </p:grpSpPr>
+      <p:sp>
+        <p:nvSpPr>
+          <p:cNvPr id="2" name="幻灯片图像占位符 1"/>
+          <p:cNvSpPr>
+            <a:spLocks noGrp="1" noRot="1" noChangeAspect="1"/>
+          </p:cNvSpPr>
+          <p:nvPr>
+            <p:ph type="sldImg"/>
+          </p:nvPr>
+        </p:nvSpPr>
+        <p:spPr/>
+      </p:sp>
+      <p:sp>
+        <p:nvSpPr>
+          <p:cNvPr id="3" name="备注占位符 2"/>
+          <p:cNvSpPr>
+            <a:spLocks noGrp="1"/>
+          </p:cNvSpPr>
+          <p:nvPr>
+            <p:ph type="body" idx="1"/>
+          </p:nvPr>
+        </p:nvSpPr>
+        <p:spPr/>
+        <p:txBody>
+          <a:bodyPr/>
+          <a:lstStyle/>
+          <a:p>
+            <a:r>
+              <a:rPr lang="en-US" altLang="zh-CN" dirty="0" smtClean="0"/>
+              <a:t>My</a:t>
+            </a:r>
+            <a:r>
+              <a:rPr lang="en-US" altLang="zh-CN" baseline="0" dirty="0" smtClean="0"/>
+              <a:t> topic is to design a distribute control for the robot. So that they can cooperate with each other.</a:t>
+            </a:r>
+          </a:p>
+          <a:p>
+            <a:r>
+              <a:rPr lang="en-US" altLang="zh-CN" baseline="0" dirty="0" smtClean="0"/>
+              <a:t>To do this, I need to use the Image Process to get the location of the Robot. And second part is I </a:t>
+            </a:r>
+            <a:r>
+              <a:rPr lang="en-GB" altLang="zh-CN" baseline="0" dirty="0" smtClean="0"/>
+              <a:t>need the Distribute System to communicate with other PC.</a:t>
+            </a:r>
+            <a:endParaRPr lang="zh-CN" altLang="en-US" dirty="0"/>
+          </a:p>
+        </p:txBody>
+      </p:sp>
+      <p:sp>
+        <p:nvSpPr>
+          <p:cNvPr id="4" name="页脚占位符 3"/>
+          <p:cNvSpPr>
+            <a:spLocks noGrp="1"/>
+          </p:cNvSpPr>
+          <p:nvPr>
+            <p:ph type="ftr" sz="quarter" idx="10"/>
+          </p:nvPr>
+        </p:nvSpPr>
+        <p:spPr/>
+        <p:txBody>
+          <a:bodyPr/>
+          <a:lstStyle/>
+          <a:p>
+            <a:pPr>
+              <a:defRPr/>
+            </a:pPr>
+            <a:r>
+              <a:rPr lang="de-DE" smtClean="0"/>
+              <a:t>Fakultät für Ingenieurwissenschaften</a:t>
+            </a:r>
+            <a:endParaRPr lang="de-DE" dirty="0"/>
+          </a:p>
+        </p:txBody>
+      </p:sp>
+      <p:sp>
+        <p:nvSpPr>
+          <p:cNvPr id="5" name="灯片编号占位符 4"/>
+          <p:cNvSpPr>
+            <a:spLocks noGrp="1"/>
+          </p:cNvSpPr>
+          <p:nvPr>
+            <p:ph type="sldNum" sz="quarter" idx="11"/>
+          </p:nvPr>
+        </p:nvSpPr>
+        <p:spPr/>
+        <p:txBody>
+          <a:bodyPr/>
+          <a:lstStyle/>
+          <a:p>
+            <a:pPr>
+              <a:defRPr/>
+            </a:pPr>
+            <a:fld id="{F205B617-3E23-4DAD-A88A-EA92A7E9EB71}" type="slidenum">
+              <a:rPr lang="de-DE" smtClean="0"/>
+              <a:pPr>
+                <a:defRPr/>
+              </a:pPr>
+              <a:t>8</a:t>
+            </a:fld>
+            <a:endParaRPr lang="de-DE" dirty="0"/>
+          </a:p>
+        </p:txBody>
+      </p:sp>
+    </p:spTree>
+    <p:extLst>
+      <p:ext uri="{BB962C8B-B14F-4D97-AF65-F5344CB8AC3E}">
+        <p14:creationId xmlns:p14="http://schemas.microsoft.com/office/powerpoint/2010/main" val="920705622"/>
+      </p:ext>
+    </p:extLst>
+  </p:cSld>
+  <p:clrMapOvr>
+    <a:masterClrMapping/>
+  </p:clrMapOvr>
+</p:notes>
+</file>
+
+<file path=ppt/notesSlides/notesSlide9.xml><?xml version="1.0" encoding="utf-8"?>
+<p:notes xmlns:a="http://schemas.openxmlformats.org/drawingml/2006/main" xmlns:r="http://schemas.openxmlformats.org/officeDocument/2006/relationships" xmlns:p="http://schemas.openxmlformats.org/presentationml/2006/main">
+  <p:cSld>
+    <p:spTree>
+      <p:nvGrpSpPr>
+        <p:cNvPr id="1" name=""/>
+        <p:cNvGrpSpPr/>
+        <p:nvPr/>
+      </p:nvGrpSpPr>
+      <p:grpSpPr>
+        <a:xfrm>
+          <a:off x="0" y="0"/>
+          <a:ext cx="0" cy="0"/>
+          <a:chOff x="0" y="0"/>
+          <a:chExt cx="0" cy="0"/>
+        </a:xfrm>
+      </p:grpSpPr>
+      <p:sp>
+        <p:nvSpPr>
+          <p:cNvPr id="2" name="幻灯片图像占位符 1"/>
+          <p:cNvSpPr>
+            <a:spLocks noGrp="1" noRot="1" noChangeAspect="1"/>
+          </p:cNvSpPr>
+          <p:nvPr>
+            <p:ph type="sldImg"/>
+          </p:nvPr>
+        </p:nvSpPr>
+        <p:spPr/>
+      </p:sp>
+      <p:sp>
+        <p:nvSpPr>
+          <p:cNvPr id="3" name="备注占位符 2"/>
+          <p:cNvSpPr>
+            <a:spLocks noGrp="1"/>
+          </p:cNvSpPr>
+          <p:nvPr>
+            <p:ph type="body" idx="1"/>
+          </p:nvPr>
+        </p:nvSpPr>
+        <p:spPr/>
+        <p:txBody>
+          <a:bodyPr/>
+          <a:lstStyle/>
+          <a:p>
+            <a:endParaRPr lang="zh-CN" altLang="en-US"/>
+          </a:p>
+        </p:txBody>
+      </p:sp>
+      <p:sp>
+        <p:nvSpPr>
+          <p:cNvPr id="4" name="页脚占位符 3"/>
+          <p:cNvSpPr>
+            <a:spLocks noGrp="1"/>
+          </p:cNvSpPr>
+          <p:nvPr>
+            <p:ph type="ftr" sz="quarter" idx="10"/>
+          </p:nvPr>
+        </p:nvSpPr>
+        <p:spPr/>
+        <p:txBody>
+          <a:bodyPr/>
+          <a:lstStyle/>
+          <a:p>
+            <a:pPr>
+              <a:defRPr/>
+            </a:pPr>
+            <a:r>
+              <a:rPr lang="de-DE" smtClean="0"/>
+              <a:t>Fakultät für Ingenieurwissenschaften</a:t>
+            </a:r>
+            <a:endParaRPr lang="de-DE" dirty="0"/>
+          </a:p>
+        </p:txBody>
+      </p:sp>
+      <p:sp>
+        <p:nvSpPr>
+          <p:cNvPr id="5" name="灯片编号占位符 4"/>
+          <p:cNvSpPr>
+            <a:spLocks noGrp="1"/>
+          </p:cNvSpPr>
+          <p:nvPr>
+            <p:ph type="sldNum" sz="quarter" idx="11"/>
+          </p:nvPr>
+        </p:nvSpPr>
+        <p:spPr/>
+        <p:txBody>
+          <a:bodyPr/>
+          <a:lstStyle/>
+          <a:p>
+            <a:pPr>
+              <a:defRPr/>
+            </a:pPr>
+            <a:fld id="{F205B617-3E23-4DAD-A88A-EA92A7E9EB71}" type="slidenum">
+              <a:rPr lang="de-DE" smtClean="0"/>
+              <a:pPr>
+                <a:defRPr/>
+              </a:pPr>
+              <a:t>9</a:t>
+            </a:fld>
+            <a:endParaRPr lang="de-DE" dirty="0"/>
+          </a:p>
+        </p:txBody>
+      </p:sp>
+    </p:spTree>
+    <p:extLst>
+      <p:ext uri="{BB962C8B-B14F-4D97-AF65-F5344CB8AC3E}">
+        <p14:creationId xmlns:p14="http://schemas.microsoft.com/office/powerpoint/2010/main" val="303395846"/>
       </p:ext>
     </p:extLst>
   </p:cSld>
@@ -2041,1023 +3335,6 @@
           <a:chExt cx="0" cy="0"/>
         </a:xfrm>
       </p:grpSpPr>
-      <p:grpSp>
-        <p:nvGrpSpPr>
-          <p:cNvPr id="6" name="Gruppieren 5"/>
-          <p:cNvGrpSpPr/>
-          <p:nvPr/>
-        </p:nvGrpSpPr>
-        <p:grpSpPr>
-          <a:xfrm>
-            <a:off x="539552" y="2492896"/>
-            <a:ext cx="1800200" cy="1635727"/>
-            <a:chOff x="1187624" y="2852936"/>
-            <a:chExt cx="2615066" cy="2376144"/>
-          </a:xfrm>
-        </p:grpSpPr>
-        <p:pic>
-          <p:nvPicPr>
-            <p:cNvPr id="3" name="Grafik 2"/>
-            <p:cNvPicPr>
-              <a:picLocks noChangeAspect="1"/>
-            </p:cNvPicPr>
-            <p:nvPr/>
-          </p:nvPicPr>
-          <p:blipFill>
-            <a:blip r:embed="rId2"/>
-            <a:stretch>
-              <a:fillRect/>
-            </a:stretch>
-          </p:blipFill>
-          <p:spPr>
-            <a:xfrm>
-              <a:off x="1907704" y="2852936"/>
-              <a:ext cx="1102898" cy="1080000"/>
-            </a:xfrm>
-            <a:prstGeom prst="rect">
-              <a:avLst/>
-            </a:prstGeom>
-          </p:spPr>
-        </p:pic>
-        <p:pic>
-          <p:nvPicPr>
-            <p:cNvPr id="4" name="Grafik 3"/>
-            <p:cNvPicPr>
-              <a:picLocks noChangeAspect="1"/>
-            </p:cNvPicPr>
-            <p:nvPr/>
-          </p:nvPicPr>
-          <p:blipFill>
-            <a:blip r:embed="rId2"/>
-            <a:stretch>
-              <a:fillRect/>
-            </a:stretch>
-          </p:blipFill>
-          <p:spPr>
-            <a:xfrm>
-              <a:off x="1187624" y="4149080"/>
-              <a:ext cx="1102898" cy="1080000"/>
-            </a:xfrm>
-            <a:prstGeom prst="rect">
-              <a:avLst/>
-            </a:prstGeom>
-          </p:spPr>
-        </p:pic>
-        <p:pic>
-          <p:nvPicPr>
-            <p:cNvPr id="5" name="Grafik 4"/>
-            <p:cNvPicPr>
-              <a:picLocks noChangeAspect="1"/>
-            </p:cNvPicPr>
-            <p:nvPr/>
-          </p:nvPicPr>
-          <p:blipFill>
-            <a:blip r:embed="rId2"/>
-            <a:stretch>
-              <a:fillRect/>
-            </a:stretch>
-          </p:blipFill>
-          <p:spPr>
-            <a:xfrm>
-              <a:off x="2699792" y="4149080"/>
-              <a:ext cx="1102898" cy="1080000"/>
-            </a:xfrm>
-            <a:prstGeom prst="rect">
-              <a:avLst/>
-            </a:prstGeom>
-          </p:spPr>
-        </p:pic>
-      </p:grpSp>
-      <p:sp>
-        <p:nvSpPr>
-          <p:cNvPr id="7" name="Ellipse 6"/>
-          <p:cNvSpPr/>
-          <p:nvPr/>
-        </p:nvSpPr>
-        <p:spPr>
-          <a:xfrm>
-            <a:off x="1035252" y="1412776"/>
-            <a:ext cx="288032" cy="288032"/>
-          </a:xfrm>
-          <a:prstGeom prst="ellipse">
-            <a:avLst/>
-          </a:prstGeom>
-          <a:solidFill>
-            <a:srgbClr val="F91515"/>
-          </a:solidFill>
-          <a:ln>
-            <a:solidFill>
-              <a:srgbClr val="F91515"/>
-            </a:solidFill>
-          </a:ln>
-        </p:spPr>
-        <p:style>
-          <a:lnRef idx="2">
-            <a:schemeClr val="accent1">
-              <a:shade val="50000"/>
-            </a:schemeClr>
-          </a:lnRef>
-          <a:fillRef idx="1">
-            <a:schemeClr val="accent1"/>
-          </a:fillRef>
-          <a:effectRef idx="0">
-            <a:schemeClr val="accent1"/>
-          </a:effectRef>
-          <a:fontRef idx="minor">
-            <a:schemeClr val="lt1"/>
-          </a:fontRef>
-        </p:style>
-        <p:txBody>
-          <a:bodyPr rtlCol="0" anchor="ctr"/>
-          <a:lstStyle/>
-          <a:p>
-            <a:pPr algn="ctr"/>
-            <a:endParaRPr lang="de-DE"/>
-          </a:p>
-        </p:txBody>
-      </p:sp>
-      <p:sp>
-        <p:nvSpPr>
-          <p:cNvPr id="8" name="Textfeld 7"/>
-          <p:cNvSpPr txBox="1"/>
-          <p:nvPr/>
-        </p:nvSpPr>
-        <p:spPr>
-          <a:xfrm>
-            <a:off x="1448743" y="1412776"/>
-            <a:ext cx="1152128" cy="400110"/>
-          </a:xfrm>
-          <a:prstGeom prst="rect">
-            <a:avLst/>
-          </a:prstGeom>
-          <a:noFill/>
-        </p:spPr>
-        <p:txBody>
-          <a:bodyPr wrap="square" rtlCol="0">
-            <a:spAutoFit/>
-          </a:bodyPr>
-          <a:lstStyle/>
-          <a:p>
-            <a:r>
-              <a:rPr lang="de-DE" altLang="zh-CN" dirty="0" err="1" smtClean="0"/>
-              <a:t>target</a:t>
-            </a:r>
-            <a:endParaRPr lang="de-DE" dirty="0"/>
-          </a:p>
-        </p:txBody>
-      </p:sp>
-      <p:grpSp>
-        <p:nvGrpSpPr>
-          <p:cNvPr id="9" name="Gruppieren 8"/>
-          <p:cNvGrpSpPr/>
-          <p:nvPr/>
-        </p:nvGrpSpPr>
-        <p:grpSpPr>
-          <a:xfrm rot="8718990">
-            <a:off x="6299686" y="1716329"/>
-            <a:ext cx="1800200" cy="1635727"/>
-            <a:chOff x="1187624" y="2852936"/>
-            <a:chExt cx="2615066" cy="2376144"/>
-          </a:xfrm>
-        </p:grpSpPr>
-        <p:pic>
-          <p:nvPicPr>
-            <p:cNvPr id="10" name="Grafik 9"/>
-            <p:cNvPicPr>
-              <a:picLocks noChangeAspect="1"/>
-            </p:cNvPicPr>
-            <p:nvPr/>
-          </p:nvPicPr>
-          <p:blipFill>
-            <a:blip r:embed="rId2"/>
-            <a:stretch>
-              <a:fillRect/>
-            </a:stretch>
-          </p:blipFill>
-          <p:spPr>
-            <a:xfrm>
-              <a:off x="1907704" y="2852936"/>
-              <a:ext cx="1102898" cy="1080000"/>
-            </a:xfrm>
-            <a:prstGeom prst="rect">
-              <a:avLst/>
-            </a:prstGeom>
-          </p:spPr>
-        </p:pic>
-        <p:pic>
-          <p:nvPicPr>
-            <p:cNvPr id="11" name="Grafik 10"/>
-            <p:cNvPicPr>
-              <a:picLocks noChangeAspect="1"/>
-            </p:cNvPicPr>
-            <p:nvPr/>
-          </p:nvPicPr>
-          <p:blipFill>
-            <a:blip r:embed="rId2"/>
-            <a:stretch>
-              <a:fillRect/>
-            </a:stretch>
-          </p:blipFill>
-          <p:spPr>
-            <a:xfrm>
-              <a:off x="1187624" y="4149080"/>
-              <a:ext cx="1102898" cy="1080000"/>
-            </a:xfrm>
-            <a:prstGeom prst="rect">
-              <a:avLst/>
-            </a:prstGeom>
-          </p:spPr>
-        </p:pic>
-        <p:pic>
-          <p:nvPicPr>
-            <p:cNvPr id="12" name="Grafik 11"/>
-            <p:cNvPicPr>
-              <a:picLocks noChangeAspect="1"/>
-            </p:cNvPicPr>
-            <p:nvPr/>
-          </p:nvPicPr>
-          <p:blipFill>
-            <a:blip r:embed="rId2"/>
-            <a:stretch>
-              <a:fillRect/>
-            </a:stretch>
-          </p:blipFill>
-          <p:spPr>
-            <a:xfrm>
-              <a:off x="2699792" y="4149080"/>
-              <a:ext cx="1102898" cy="1080000"/>
-            </a:xfrm>
-            <a:prstGeom prst="rect">
-              <a:avLst/>
-            </a:prstGeom>
-          </p:spPr>
-        </p:pic>
-      </p:grpSp>
-      <p:sp>
-        <p:nvSpPr>
-          <p:cNvPr id="13" name="Ellipse 12"/>
-          <p:cNvSpPr/>
-          <p:nvPr/>
-        </p:nvSpPr>
-        <p:spPr>
-          <a:xfrm>
-            <a:off x="3191163" y="5129282"/>
-            <a:ext cx="288032" cy="288032"/>
-          </a:xfrm>
-          <a:prstGeom prst="ellipse">
-            <a:avLst/>
-          </a:prstGeom>
-          <a:solidFill>
-            <a:srgbClr val="F91515"/>
-          </a:solidFill>
-          <a:ln>
-            <a:solidFill>
-              <a:srgbClr val="F91515"/>
-            </a:solidFill>
-          </a:ln>
-        </p:spPr>
-        <p:style>
-          <a:lnRef idx="2">
-            <a:schemeClr val="accent1">
-              <a:shade val="50000"/>
-            </a:schemeClr>
-          </a:lnRef>
-          <a:fillRef idx="1">
-            <a:schemeClr val="accent1"/>
-          </a:fillRef>
-          <a:effectRef idx="0">
-            <a:schemeClr val="accent1"/>
-          </a:effectRef>
-          <a:fontRef idx="minor">
-            <a:schemeClr val="lt1"/>
-          </a:fontRef>
-        </p:style>
-        <p:txBody>
-          <a:bodyPr rtlCol="0" anchor="ctr"/>
-          <a:lstStyle/>
-          <a:p>
-            <a:pPr algn="ctr"/>
-            <a:endParaRPr lang="de-DE"/>
-          </a:p>
-        </p:txBody>
-      </p:sp>
-      <p:sp>
-        <p:nvSpPr>
-          <p:cNvPr id="14" name="Textfeld 13"/>
-          <p:cNvSpPr txBox="1"/>
-          <p:nvPr/>
-        </p:nvSpPr>
-        <p:spPr>
-          <a:xfrm>
-            <a:off x="2950873" y="5493381"/>
-            <a:ext cx="1152128" cy="400110"/>
-          </a:xfrm>
-          <a:prstGeom prst="rect">
-            <a:avLst/>
-          </a:prstGeom>
-          <a:noFill/>
-        </p:spPr>
-        <p:txBody>
-          <a:bodyPr wrap="square" rtlCol="0">
-            <a:spAutoFit/>
-          </a:bodyPr>
-          <a:lstStyle/>
-          <a:p>
-            <a:r>
-              <a:rPr lang="de-DE" altLang="zh-CN" dirty="0" err="1" smtClean="0"/>
-              <a:t>target</a:t>
-            </a:r>
-            <a:endParaRPr lang="de-DE" dirty="0"/>
-          </a:p>
-        </p:txBody>
-      </p:sp>
-      <p:sp>
-        <p:nvSpPr>
-          <p:cNvPr id="15" name="Textfeld 14"/>
-          <p:cNvSpPr txBox="1"/>
-          <p:nvPr/>
-        </p:nvSpPr>
-        <p:spPr>
-          <a:xfrm>
-            <a:off x="1225133" y="2800097"/>
-            <a:ext cx="379468" cy="400110"/>
-          </a:xfrm>
-          <a:prstGeom prst="rect">
-            <a:avLst/>
-          </a:prstGeom>
-          <a:noFill/>
-        </p:spPr>
-        <p:txBody>
-          <a:bodyPr wrap="square" rtlCol="0">
-            <a:spAutoFit/>
-          </a:bodyPr>
-          <a:lstStyle/>
-          <a:p>
-            <a:r>
-              <a:rPr lang="de-DE" altLang="zh-CN" dirty="0" smtClean="0">
-                <a:solidFill>
-                  <a:srgbClr val="FF0000"/>
-                </a:solidFill>
-              </a:rPr>
-              <a:t>1</a:t>
-            </a:r>
-            <a:endParaRPr lang="de-DE" dirty="0">
-              <a:solidFill>
-                <a:srgbClr val="FF0000"/>
-              </a:solidFill>
-            </a:endParaRPr>
-          </a:p>
-        </p:txBody>
-      </p:sp>
-      <p:sp>
-        <p:nvSpPr>
-          <p:cNvPr id="16" name="Textfeld 15"/>
-          <p:cNvSpPr txBox="1"/>
-          <p:nvPr/>
-        </p:nvSpPr>
-        <p:spPr>
-          <a:xfrm>
-            <a:off x="729433" y="3705628"/>
-            <a:ext cx="379468" cy="400110"/>
-          </a:xfrm>
-          <a:prstGeom prst="rect">
-            <a:avLst/>
-          </a:prstGeom>
-          <a:noFill/>
-        </p:spPr>
-        <p:txBody>
-          <a:bodyPr wrap="square" rtlCol="0">
-            <a:spAutoFit/>
-          </a:bodyPr>
-          <a:lstStyle/>
-          <a:p>
-            <a:r>
-              <a:rPr lang="de-DE" dirty="0">
-                <a:solidFill>
-                  <a:srgbClr val="FF0000"/>
-                </a:solidFill>
-              </a:rPr>
-              <a:t>2</a:t>
-            </a:r>
-          </a:p>
-        </p:txBody>
-      </p:sp>
-      <p:sp>
-        <p:nvSpPr>
-          <p:cNvPr id="17" name="Textfeld 16"/>
-          <p:cNvSpPr txBox="1"/>
-          <p:nvPr/>
-        </p:nvSpPr>
-        <p:spPr>
-          <a:xfrm>
-            <a:off x="1750151" y="3716318"/>
-            <a:ext cx="379468" cy="400110"/>
-          </a:xfrm>
-          <a:prstGeom prst="rect">
-            <a:avLst/>
-          </a:prstGeom>
-          <a:noFill/>
-        </p:spPr>
-        <p:txBody>
-          <a:bodyPr wrap="square" rtlCol="0">
-            <a:spAutoFit/>
-          </a:bodyPr>
-          <a:lstStyle/>
-          <a:p>
-            <a:r>
-              <a:rPr lang="de-DE" altLang="zh-CN" dirty="0" smtClean="0">
-                <a:solidFill>
-                  <a:srgbClr val="FF0000"/>
-                </a:solidFill>
-              </a:rPr>
-              <a:t>3</a:t>
-            </a:r>
-            <a:endParaRPr lang="de-DE" dirty="0">
-              <a:solidFill>
-                <a:srgbClr val="FF0000"/>
-              </a:solidFill>
-            </a:endParaRPr>
-          </a:p>
-        </p:txBody>
-      </p:sp>
-      <p:sp>
-        <p:nvSpPr>
-          <p:cNvPr id="18" name="Textfeld 17"/>
-          <p:cNvSpPr txBox="1"/>
-          <p:nvPr/>
-        </p:nvSpPr>
-        <p:spPr>
-          <a:xfrm>
-            <a:off x="4438472" y="3438869"/>
-            <a:ext cx="379468" cy="400110"/>
-          </a:xfrm>
-          <a:prstGeom prst="rect">
-            <a:avLst/>
-          </a:prstGeom>
-          <a:noFill/>
-        </p:spPr>
-        <p:txBody>
-          <a:bodyPr wrap="square" rtlCol="0">
-            <a:spAutoFit/>
-          </a:bodyPr>
-          <a:lstStyle/>
-          <a:p>
-            <a:r>
-              <a:rPr lang="de-DE" altLang="zh-CN" dirty="0" smtClean="0">
-                <a:solidFill>
-                  <a:srgbClr val="FF0000"/>
-                </a:solidFill>
-              </a:rPr>
-              <a:t>1</a:t>
-            </a:r>
-            <a:endParaRPr lang="de-DE" dirty="0">
-              <a:solidFill>
-                <a:srgbClr val="FF0000"/>
-              </a:solidFill>
-            </a:endParaRPr>
-          </a:p>
-        </p:txBody>
-      </p:sp>
-      <p:sp>
-        <p:nvSpPr>
-          <p:cNvPr id="19" name="Textfeld 18"/>
-          <p:cNvSpPr txBox="1"/>
-          <p:nvPr/>
-        </p:nvSpPr>
-        <p:spPr>
-          <a:xfrm>
-            <a:off x="4064768" y="4414318"/>
-            <a:ext cx="379468" cy="400110"/>
-          </a:xfrm>
-          <a:prstGeom prst="rect">
-            <a:avLst/>
-          </a:prstGeom>
-          <a:noFill/>
-        </p:spPr>
-        <p:txBody>
-          <a:bodyPr wrap="square" rtlCol="0">
-            <a:spAutoFit/>
-          </a:bodyPr>
-          <a:lstStyle/>
-          <a:p>
-            <a:r>
-              <a:rPr lang="de-DE" altLang="zh-CN" dirty="0" smtClean="0">
-                <a:solidFill>
-                  <a:srgbClr val="FF0000"/>
-                </a:solidFill>
-              </a:rPr>
-              <a:t>2</a:t>
-            </a:r>
-            <a:endParaRPr lang="de-DE" dirty="0">
-              <a:solidFill>
-                <a:srgbClr val="FF0000"/>
-              </a:solidFill>
-            </a:endParaRPr>
-          </a:p>
-        </p:txBody>
-      </p:sp>
-      <p:sp>
-        <p:nvSpPr>
-          <p:cNvPr id="20" name="Textfeld 19"/>
-          <p:cNvSpPr txBox="1"/>
-          <p:nvPr/>
-        </p:nvSpPr>
-        <p:spPr>
-          <a:xfrm>
-            <a:off x="5083008" y="4216473"/>
-            <a:ext cx="379468" cy="400110"/>
-          </a:xfrm>
-          <a:prstGeom prst="rect">
-            <a:avLst/>
-          </a:prstGeom>
-          <a:noFill/>
-        </p:spPr>
-        <p:txBody>
-          <a:bodyPr wrap="square" rtlCol="0">
-            <a:spAutoFit/>
-          </a:bodyPr>
-          <a:lstStyle/>
-          <a:p>
-            <a:r>
-              <a:rPr lang="de-DE" altLang="zh-CN" dirty="0" smtClean="0">
-                <a:solidFill>
-                  <a:srgbClr val="FF0000"/>
-                </a:solidFill>
-              </a:rPr>
-              <a:t>3</a:t>
-            </a:r>
-            <a:endParaRPr lang="de-DE" dirty="0">
-              <a:solidFill>
-                <a:srgbClr val="FF0000"/>
-              </a:solidFill>
-            </a:endParaRPr>
-          </a:p>
-        </p:txBody>
-      </p:sp>
-      <p:sp>
-        <p:nvSpPr>
-          <p:cNvPr id="21" name="Ellipse 20"/>
-          <p:cNvSpPr/>
-          <p:nvPr/>
-        </p:nvSpPr>
-        <p:spPr>
-          <a:xfrm>
-            <a:off x="7902525" y="3550947"/>
-            <a:ext cx="288032" cy="288032"/>
-          </a:xfrm>
-          <a:prstGeom prst="ellipse">
-            <a:avLst/>
-          </a:prstGeom>
-          <a:solidFill>
-            <a:srgbClr val="F91515"/>
-          </a:solidFill>
-          <a:ln>
-            <a:solidFill>
-              <a:srgbClr val="F91515"/>
-            </a:solidFill>
-          </a:ln>
-        </p:spPr>
-        <p:style>
-          <a:lnRef idx="2">
-            <a:schemeClr val="accent1">
-              <a:shade val="50000"/>
-            </a:schemeClr>
-          </a:lnRef>
-          <a:fillRef idx="1">
-            <a:schemeClr val="accent1"/>
-          </a:fillRef>
-          <a:effectRef idx="0">
-            <a:schemeClr val="accent1"/>
-          </a:effectRef>
-          <a:fontRef idx="minor">
-            <a:schemeClr val="lt1"/>
-          </a:fontRef>
-        </p:style>
-        <p:txBody>
-          <a:bodyPr rtlCol="0" anchor="ctr"/>
-          <a:lstStyle/>
-          <a:p>
-            <a:pPr algn="ctr"/>
-            <a:endParaRPr lang="de-DE"/>
-          </a:p>
-        </p:txBody>
-      </p:sp>
-      <p:sp>
-        <p:nvSpPr>
-          <p:cNvPr id="22" name="Textfeld 21"/>
-          <p:cNvSpPr txBox="1"/>
-          <p:nvPr/>
-        </p:nvSpPr>
-        <p:spPr>
-          <a:xfrm>
-            <a:off x="7662235" y="3915046"/>
-            <a:ext cx="1152128" cy="400110"/>
-          </a:xfrm>
-          <a:prstGeom prst="rect">
-            <a:avLst/>
-          </a:prstGeom>
-          <a:noFill/>
-        </p:spPr>
-        <p:txBody>
-          <a:bodyPr wrap="square" rtlCol="0">
-            <a:spAutoFit/>
-          </a:bodyPr>
-          <a:lstStyle/>
-          <a:p>
-            <a:r>
-              <a:rPr lang="de-DE" altLang="zh-CN" dirty="0" err="1" smtClean="0"/>
-              <a:t>target</a:t>
-            </a:r>
-            <a:endParaRPr lang="de-DE" dirty="0"/>
-          </a:p>
-        </p:txBody>
-      </p:sp>
-      <p:grpSp>
-        <p:nvGrpSpPr>
-          <p:cNvPr id="35" name="Gruppieren 34"/>
-          <p:cNvGrpSpPr/>
-          <p:nvPr/>
-        </p:nvGrpSpPr>
-        <p:grpSpPr>
-          <a:xfrm rot="13952891">
-            <a:off x="3735783" y="3708081"/>
-            <a:ext cx="1800200" cy="1635727"/>
-            <a:chOff x="1187624" y="2852936"/>
-            <a:chExt cx="2615066" cy="2376144"/>
-          </a:xfrm>
-        </p:grpSpPr>
-        <p:pic>
-          <p:nvPicPr>
-            <p:cNvPr id="36" name="Grafik 35"/>
-            <p:cNvPicPr>
-              <a:picLocks noChangeAspect="1"/>
-            </p:cNvPicPr>
-            <p:nvPr/>
-          </p:nvPicPr>
-          <p:blipFill>
-            <a:blip r:embed="rId2"/>
-            <a:stretch>
-              <a:fillRect/>
-            </a:stretch>
-          </p:blipFill>
-          <p:spPr>
-            <a:xfrm>
-              <a:off x="1907704" y="2852936"/>
-              <a:ext cx="1102898" cy="1080000"/>
-            </a:xfrm>
-            <a:prstGeom prst="rect">
-              <a:avLst/>
-            </a:prstGeom>
-          </p:spPr>
-        </p:pic>
-        <p:pic>
-          <p:nvPicPr>
-            <p:cNvPr id="37" name="Grafik 36"/>
-            <p:cNvPicPr>
-              <a:picLocks noChangeAspect="1"/>
-            </p:cNvPicPr>
-            <p:nvPr/>
-          </p:nvPicPr>
-          <p:blipFill>
-            <a:blip r:embed="rId2"/>
-            <a:stretch>
-              <a:fillRect/>
-            </a:stretch>
-          </p:blipFill>
-          <p:spPr>
-            <a:xfrm>
-              <a:off x="1187624" y="4149080"/>
-              <a:ext cx="1102898" cy="1080000"/>
-            </a:xfrm>
-            <a:prstGeom prst="rect">
-              <a:avLst/>
-            </a:prstGeom>
-          </p:spPr>
-        </p:pic>
-        <p:pic>
-          <p:nvPicPr>
-            <p:cNvPr id="38" name="Grafik 37"/>
-            <p:cNvPicPr>
-              <a:picLocks noChangeAspect="1"/>
-            </p:cNvPicPr>
-            <p:nvPr/>
-          </p:nvPicPr>
-          <p:blipFill>
-            <a:blip r:embed="rId2"/>
-            <a:stretch>
-              <a:fillRect/>
-            </a:stretch>
-          </p:blipFill>
-          <p:spPr>
-            <a:xfrm>
-              <a:off x="2699792" y="4149080"/>
-              <a:ext cx="1102898" cy="1080000"/>
-            </a:xfrm>
-            <a:prstGeom prst="rect">
-              <a:avLst/>
-            </a:prstGeom>
-          </p:spPr>
-        </p:pic>
-      </p:grpSp>
-      <p:sp>
-        <p:nvSpPr>
-          <p:cNvPr id="41" name="Textfeld 40"/>
-          <p:cNvSpPr txBox="1"/>
-          <p:nvPr/>
-        </p:nvSpPr>
-        <p:spPr>
-          <a:xfrm>
-            <a:off x="4590872" y="3591269"/>
-            <a:ext cx="379468" cy="400110"/>
-          </a:xfrm>
-          <a:prstGeom prst="rect">
-            <a:avLst/>
-          </a:prstGeom>
-          <a:noFill/>
-        </p:spPr>
-        <p:txBody>
-          <a:bodyPr wrap="square" rtlCol="0">
-            <a:spAutoFit/>
-          </a:bodyPr>
-          <a:lstStyle/>
-          <a:p>
-            <a:r>
-              <a:rPr lang="de-DE" altLang="zh-CN" dirty="0" smtClean="0">
-                <a:solidFill>
-                  <a:srgbClr val="FF0000"/>
-                </a:solidFill>
-              </a:rPr>
-              <a:t>1</a:t>
-            </a:r>
-            <a:endParaRPr lang="de-DE" dirty="0">
-              <a:solidFill>
-                <a:srgbClr val="FF0000"/>
-              </a:solidFill>
-            </a:endParaRPr>
-          </a:p>
-        </p:txBody>
-      </p:sp>
-      <p:sp>
-        <p:nvSpPr>
-          <p:cNvPr id="42" name="Textfeld 41"/>
-          <p:cNvSpPr txBox="1"/>
-          <p:nvPr/>
-        </p:nvSpPr>
-        <p:spPr>
-          <a:xfrm>
-            <a:off x="4217168" y="4566718"/>
-            <a:ext cx="379468" cy="400110"/>
-          </a:xfrm>
-          <a:prstGeom prst="rect">
-            <a:avLst/>
-          </a:prstGeom>
-          <a:noFill/>
-        </p:spPr>
-        <p:txBody>
-          <a:bodyPr wrap="square" rtlCol="0">
-            <a:spAutoFit/>
-          </a:bodyPr>
-          <a:lstStyle/>
-          <a:p>
-            <a:r>
-              <a:rPr lang="de-DE" altLang="zh-CN" dirty="0" smtClean="0">
-                <a:solidFill>
-                  <a:srgbClr val="FF0000"/>
-                </a:solidFill>
-              </a:rPr>
-              <a:t>2</a:t>
-            </a:r>
-            <a:endParaRPr lang="de-DE" dirty="0">
-              <a:solidFill>
-                <a:srgbClr val="FF0000"/>
-              </a:solidFill>
-            </a:endParaRPr>
-          </a:p>
-        </p:txBody>
-      </p:sp>
-      <p:sp>
-        <p:nvSpPr>
-          <p:cNvPr id="43" name="Textfeld 42"/>
-          <p:cNvSpPr txBox="1"/>
-          <p:nvPr/>
-        </p:nvSpPr>
-        <p:spPr>
-          <a:xfrm>
-            <a:off x="5235408" y="4368873"/>
-            <a:ext cx="379468" cy="400110"/>
-          </a:xfrm>
-          <a:prstGeom prst="rect">
-            <a:avLst/>
-          </a:prstGeom>
-          <a:noFill/>
-        </p:spPr>
-        <p:txBody>
-          <a:bodyPr wrap="square" rtlCol="0">
-            <a:spAutoFit/>
-          </a:bodyPr>
-          <a:lstStyle/>
-          <a:p>
-            <a:r>
-              <a:rPr lang="de-DE" altLang="zh-CN" dirty="0" smtClean="0">
-                <a:solidFill>
-                  <a:srgbClr val="FF0000"/>
-                </a:solidFill>
-              </a:rPr>
-              <a:t>3</a:t>
-            </a:r>
-            <a:endParaRPr lang="de-DE" dirty="0">
-              <a:solidFill>
-                <a:srgbClr val="FF0000"/>
-              </a:solidFill>
-            </a:endParaRPr>
-          </a:p>
-        </p:txBody>
-      </p:sp>
-      <p:sp>
-        <p:nvSpPr>
-          <p:cNvPr id="44" name="Textfeld 43"/>
-          <p:cNvSpPr txBox="1"/>
-          <p:nvPr/>
-        </p:nvSpPr>
-        <p:spPr>
-          <a:xfrm>
-            <a:off x="6320164" y="2165192"/>
-            <a:ext cx="379468" cy="400110"/>
-          </a:xfrm>
-          <a:prstGeom prst="rect">
-            <a:avLst/>
-          </a:prstGeom>
-          <a:noFill/>
-        </p:spPr>
-        <p:txBody>
-          <a:bodyPr wrap="square" rtlCol="0">
-            <a:spAutoFit/>
-          </a:bodyPr>
-          <a:lstStyle/>
-          <a:p>
-            <a:r>
-              <a:rPr lang="de-DE" altLang="zh-CN" dirty="0" smtClean="0">
-                <a:solidFill>
-                  <a:srgbClr val="FF0000"/>
-                </a:solidFill>
-              </a:rPr>
-              <a:t>2</a:t>
-            </a:r>
-            <a:endParaRPr lang="de-DE" dirty="0">
-              <a:solidFill>
-                <a:srgbClr val="FF0000"/>
-              </a:solidFill>
-            </a:endParaRPr>
-          </a:p>
-        </p:txBody>
-      </p:sp>
-      <p:sp>
-        <p:nvSpPr>
-          <p:cNvPr id="45" name="Textfeld 44"/>
-          <p:cNvSpPr txBox="1"/>
-          <p:nvPr/>
-        </p:nvSpPr>
-        <p:spPr>
-          <a:xfrm>
-            <a:off x="7276278" y="2565302"/>
-            <a:ext cx="379468" cy="400110"/>
-          </a:xfrm>
-          <a:prstGeom prst="rect">
-            <a:avLst/>
-          </a:prstGeom>
-          <a:noFill/>
-        </p:spPr>
-        <p:txBody>
-          <a:bodyPr wrap="square" rtlCol="0">
-            <a:spAutoFit/>
-          </a:bodyPr>
-          <a:lstStyle/>
-          <a:p>
-            <a:r>
-              <a:rPr lang="de-DE" altLang="zh-CN" dirty="0" smtClean="0">
-                <a:solidFill>
-                  <a:srgbClr val="FF0000"/>
-                </a:solidFill>
-              </a:rPr>
-              <a:t>3</a:t>
-            </a:r>
-            <a:endParaRPr lang="de-DE" dirty="0">
-              <a:solidFill>
-                <a:srgbClr val="FF0000"/>
-              </a:solidFill>
-            </a:endParaRPr>
-          </a:p>
-        </p:txBody>
-      </p:sp>
-      <p:sp>
-        <p:nvSpPr>
-          <p:cNvPr id="46" name="Textfeld 45"/>
-          <p:cNvSpPr txBox="1"/>
-          <p:nvPr/>
-        </p:nvSpPr>
-        <p:spPr>
-          <a:xfrm>
-            <a:off x="7184184" y="1500753"/>
-            <a:ext cx="379468" cy="400110"/>
-          </a:xfrm>
-          <a:prstGeom prst="rect">
-            <a:avLst/>
-          </a:prstGeom>
-          <a:noFill/>
-        </p:spPr>
-        <p:txBody>
-          <a:bodyPr wrap="square" rtlCol="0">
-            <a:spAutoFit/>
-          </a:bodyPr>
-          <a:lstStyle/>
-          <a:p>
-            <a:r>
-              <a:rPr lang="de-DE" altLang="zh-CN" dirty="0" smtClean="0">
-                <a:solidFill>
-                  <a:srgbClr val="FF0000"/>
-                </a:solidFill>
-              </a:rPr>
-              <a:t>1</a:t>
-            </a:r>
-            <a:endParaRPr lang="de-DE" dirty="0">
-              <a:solidFill>
-                <a:srgbClr val="FF0000"/>
-              </a:solidFill>
-            </a:endParaRPr>
-          </a:p>
-        </p:txBody>
-      </p:sp>
-      <p:sp>
-        <p:nvSpPr>
-          <p:cNvPr id="32" name="Textfeld 54"/>
-          <p:cNvSpPr txBox="1"/>
-          <p:nvPr/>
-        </p:nvSpPr>
-        <p:spPr>
-          <a:xfrm>
-            <a:off x="3419872" y="188640"/>
-            <a:ext cx="3626955" cy="461665"/>
-          </a:xfrm>
-          <a:prstGeom prst="rect">
-            <a:avLst/>
-          </a:prstGeom>
-          <a:noFill/>
-        </p:spPr>
-        <p:txBody>
-          <a:bodyPr wrap="none" rtlCol="0">
-            <a:spAutoFit/>
-          </a:bodyPr>
-          <a:lstStyle/>
-          <a:p>
-            <a:r>
-              <a:rPr lang="de-DE" sz="2400" dirty="0" smtClean="0">
-                <a:latin typeface="+mn-lt"/>
-              </a:rPr>
-              <a:t>Distrubute Control Example</a:t>
-            </a:r>
-            <a:endParaRPr lang="de-DE" sz="2400" dirty="0">
-              <a:latin typeface="+mn-lt"/>
-            </a:endParaRPr>
-          </a:p>
-        </p:txBody>
-      </p:sp>
-    </p:spTree>
-    <p:extLst>
-      <p:ext uri="{BB962C8B-B14F-4D97-AF65-F5344CB8AC3E}">
-        <p14:creationId xmlns:p14="http://schemas.microsoft.com/office/powerpoint/2010/main" val="803925007"/>
-      </p:ext>
-    </p:extLst>
-  </p:cSld>
-  <p:clrMapOvr>
-    <a:masterClrMapping/>
-  </p:clrMapOvr>
-  <p:timing>
-    <p:tnLst>
-      <p:par>
-        <p:cTn id="1" dur="indefinite" restart="never" nodeType="tmRoot"/>
-      </p:par>
-    </p:tnLst>
-  </p:timing>
-</p:sld>
-</file>
-
-<file path=ppt/slides/slide11.xml><?xml version="1.0" encoding="utf-8"?>
-<p:sld xmlns:a="http://schemas.openxmlformats.org/drawingml/2006/main" xmlns:r="http://schemas.openxmlformats.org/officeDocument/2006/relationships" xmlns:p="http://schemas.openxmlformats.org/presentationml/2006/main">
-  <p:cSld>
-    <p:spTree>
-      <p:nvGrpSpPr>
-        <p:cNvPr id="1" name=""/>
-        <p:cNvGrpSpPr/>
-        <p:nvPr/>
-      </p:nvGrpSpPr>
-      <p:grpSpPr>
-        <a:xfrm>
-          <a:off x="0" y="0"/>
-          <a:ext cx="0" cy="0"/>
-          <a:chOff x="0" y="0"/>
-          <a:chExt cx="0" cy="0"/>
-        </a:xfrm>
-      </p:grpSpPr>
       <p:sp>
         <p:nvSpPr>
           <p:cNvPr id="7" name="Textfeld 6"/>
@@ -3209,7 +3486,7 @@
           <p:nvPr/>
         </p:nvPicPr>
         <p:blipFill>
-          <a:blip r:embed="rId2">
+          <a:blip r:embed="rId3">
             <a:extLst>
               <a:ext uri="{28A0092B-C50C-407E-A947-70E740481C1C}">
                 <a14:useLocalDpi xmlns:a14="http://schemas.microsoft.com/office/drawing/2010/main" val="0"/>
@@ -3254,14 +3531,14 @@
       </p:pic>
       <p:pic>
         <p:nvPicPr>
-          <p:cNvPr id="6" name="图片 5"/>
+          <p:cNvPr id="2" name="图片 1"/>
           <p:cNvPicPr>
             <a:picLocks noChangeAspect="1"/>
           </p:cNvPicPr>
           <p:nvPr/>
         </p:nvPicPr>
         <p:blipFill>
-          <a:blip r:embed="rId3" cstate="print">
+          <a:blip r:embed="rId4" cstate="print">
             <a:extLst>
               <a:ext uri="{28A0092B-C50C-407E-A947-70E740481C1C}">
                 <a14:useLocalDpi xmlns:a14="http://schemas.microsoft.com/office/drawing/2010/main" val="0"/>
@@ -3274,42 +3551,24 @@
         </p:blipFill>
         <p:spPr>
           <a:xfrm>
-            <a:off x="7380312" y="1327555"/>
-            <a:ext cx="1487136" cy="2636912"/>
+            <a:off x="5436096" y="653495"/>
+            <a:ext cx="3355207" cy="5949280"/>
           </a:xfrm>
           <a:prstGeom prst="rect">
             <a:avLst/>
           </a:prstGeom>
-          <a:solidFill>
-            <a:srgbClr val="FFFFFF">
-              <a:shade val="85000"/>
-            </a:srgbClr>
-          </a:solidFill>
-          <a:ln w="88900" cap="sq">
+          <a:ln>
             <a:solidFill>
-              <a:srgbClr val="FFFFFF"/>
+              <a:schemeClr val="tx1"/>
             </a:solidFill>
-            <a:miter lim="800000"/>
           </a:ln>
           <a:effectLst>
-            <a:outerShdw blurRad="55000" dist="18000" dir="5400000" algn="tl" rotWithShape="0">
-              <a:srgbClr val="000000">
+            <a:outerShdw blurRad="50800" dist="38100" dir="2700000" algn="tl" rotWithShape="0">
+              <a:prstClr val="black">
                 <a:alpha val="40000"/>
-              </a:srgbClr>
+              </a:prstClr>
             </a:outerShdw>
           </a:effectLst>
-          <a:scene3d>
-            <a:camera prst="orthographicFront"/>
-            <a:lightRig rig="twoPt" dir="t">
-              <a:rot lat="0" lon="0" rev="7200000"/>
-            </a:lightRig>
-          </a:scene3d>
-          <a:sp3d>
-            <a:bevelT w="25400" h="19050"/>
-            <a:contourClr>
-              <a:srgbClr val="FFFFFF"/>
-            </a:contourClr>
-          </a:sp3d>
         </p:spPr>
       </p:pic>
     </p:spTree>
@@ -3325,7 +3584,83 @@
   <p:timing>
     <p:tnLst>
       <p:par>
-        <p:cTn id="1" dur="indefinite" restart="never" nodeType="tmRoot"/>
+        <p:cTn id="1" dur="indefinite" restart="never" nodeType="tmRoot">
+          <p:childTnLst>
+            <p:seq concurrent="1" nextAc="seek">
+              <p:cTn id="2" dur="indefinite" nodeType="mainSeq">
+                <p:childTnLst>
+                  <p:par>
+                    <p:cTn id="3" fill="hold">
+                      <p:stCondLst>
+                        <p:cond delay="indefinite"/>
+                      </p:stCondLst>
+                      <p:childTnLst>
+                        <p:par>
+                          <p:cTn id="4" fill="hold">
+                            <p:stCondLst>
+                              <p:cond delay="0"/>
+                            </p:stCondLst>
+                            <p:childTnLst>
+                              <p:par>
+                                <p:cTn id="5" presetID="10" presetClass="entr" presetSubtype="0" fill="hold" nodeType="clickEffect">
+                                  <p:stCondLst>
+                                    <p:cond delay="0"/>
+                                  </p:stCondLst>
+                                  <p:childTnLst>
+                                    <p:set>
+                                      <p:cBhvr>
+                                        <p:cTn id="6" dur="1" fill="hold">
+                                          <p:stCondLst>
+                                            <p:cond delay="0"/>
+                                          </p:stCondLst>
+                                        </p:cTn>
+                                        <p:tgtEl>
+                                          <p:spTgt spid="2"/>
+                                        </p:tgtEl>
+                                        <p:attrNameLst>
+                                          <p:attrName>style.visibility</p:attrName>
+                                        </p:attrNameLst>
+                                      </p:cBhvr>
+                                      <p:to>
+                                        <p:strVal val="visible"/>
+                                      </p:to>
+                                    </p:set>
+                                    <p:animEffect transition="in" filter="fade">
+                                      <p:cBhvr>
+                                        <p:cTn id="7" dur="500"/>
+                                        <p:tgtEl>
+                                          <p:spTgt spid="2"/>
+                                        </p:tgtEl>
+                                      </p:cBhvr>
+                                    </p:animEffect>
+                                  </p:childTnLst>
+                                </p:cTn>
+                              </p:par>
+                            </p:childTnLst>
+                          </p:cTn>
+                        </p:par>
+                      </p:childTnLst>
+                    </p:cTn>
+                  </p:par>
+                </p:childTnLst>
+              </p:cTn>
+              <p:prevCondLst>
+                <p:cond evt="onPrev" delay="0">
+                  <p:tgtEl>
+                    <p:sldTgt/>
+                  </p:tgtEl>
+                </p:cond>
+              </p:prevCondLst>
+              <p:nextCondLst>
+                <p:cond evt="onNext" delay="0">
+                  <p:tgtEl>
+                    <p:sldTgt/>
+                  </p:tgtEl>
+                </p:cond>
+              </p:nextCondLst>
+            </p:seq>
+          </p:childTnLst>
+        </p:cTn>
       </p:par>
     </p:tnLst>
   </p:timing>
@@ -3426,7 +3761,7 @@
           <p:nvPr/>
         </p:nvPicPr>
         <p:blipFill>
-          <a:blip r:embed="rId2">
+          <a:blip r:embed="rId3">
             <a:extLst>
               <a:ext uri="{28A0092B-C50C-407E-A947-70E740481C1C}">
                 <a14:useLocalDpi xmlns:a14="http://schemas.microsoft.com/office/drawing/2010/main" val="0"/>
@@ -3468,6 +3803,36 @@
           </a:fontRef>
         </p:style>
       </p:pic>
+      <p:pic>
+        <p:nvPicPr>
+          <p:cNvPr id="3" name="图片 2"/>
+          <p:cNvPicPr>
+            <a:picLocks noChangeAspect="1"/>
+          </p:cNvPicPr>
+          <p:nvPr/>
+        </p:nvPicPr>
+        <p:blipFill>
+          <a:blip r:embed="rId4" cstate="print">
+            <a:extLst>
+              <a:ext uri="{28A0092B-C50C-407E-A947-70E740481C1C}">
+                <a14:useLocalDpi xmlns:a14="http://schemas.microsoft.com/office/drawing/2010/main" val="0"/>
+              </a:ext>
+            </a:extLst>
+          </a:blip>
+          <a:stretch>
+            <a:fillRect/>
+          </a:stretch>
+        </p:blipFill>
+        <p:spPr>
+          <a:xfrm>
+            <a:off x="4717915" y="4077072"/>
+            <a:ext cx="4426085" cy="2474691"/>
+          </a:xfrm>
+          <a:prstGeom prst="rect">
+            <a:avLst/>
+          </a:prstGeom>
+        </p:spPr>
+      </p:pic>
     </p:spTree>
     <p:extLst>
       <p:ext uri="{BB962C8B-B14F-4D97-AF65-F5344CB8AC3E}">
@@ -3481,7 +3846,83 @@
   <p:timing>
     <p:tnLst>
       <p:par>
-        <p:cTn id="1" dur="indefinite" restart="never" nodeType="tmRoot"/>
+        <p:cTn id="1" dur="indefinite" restart="never" nodeType="tmRoot">
+          <p:childTnLst>
+            <p:seq concurrent="1" nextAc="seek">
+              <p:cTn id="2" dur="indefinite" nodeType="mainSeq">
+                <p:childTnLst>
+                  <p:par>
+                    <p:cTn id="3" fill="hold">
+                      <p:stCondLst>
+                        <p:cond delay="indefinite"/>
+                      </p:stCondLst>
+                      <p:childTnLst>
+                        <p:par>
+                          <p:cTn id="4" fill="hold">
+                            <p:stCondLst>
+                              <p:cond delay="0"/>
+                            </p:stCondLst>
+                            <p:childTnLst>
+                              <p:par>
+                                <p:cTn id="5" presetID="10" presetClass="entr" presetSubtype="0" fill="hold" nodeType="clickEffect">
+                                  <p:stCondLst>
+                                    <p:cond delay="0"/>
+                                  </p:stCondLst>
+                                  <p:childTnLst>
+                                    <p:set>
+                                      <p:cBhvr>
+                                        <p:cTn id="6" dur="1" fill="hold">
+                                          <p:stCondLst>
+                                            <p:cond delay="0"/>
+                                          </p:stCondLst>
+                                        </p:cTn>
+                                        <p:tgtEl>
+                                          <p:spTgt spid="3"/>
+                                        </p:tgtEl>
+                                        <p:attrNameLst>
+                                          <p:attrName>style.visibility</p:attrName>
+                                        </p:attrNameLst>
+                                      </p:cBhvr>
+                                      <p:to>
+                                        <p:strVal val="visible"/>
+                                      </p:to>
+                                    </p:set>
+                                    <p:animEffect transition="in" filter="fade">
+                                      <p:cBhvr>
+                                        <p:cTn id="7" dur="500"/>
+                                        <p:tgtEl>
+                                          <p:spTgt spid="3"/>
+                                        </p:tgtEl>
+                                      </p:cBhvr>
+                                    </p:animEffect>
+                                  </p:childTnLst>
+                                </p:cTn>
+                              </p:par>
+                            </p:childTnLst>
+                          </p:cTn>
+                        </p:par>
+                      </p:childTnLst>
+                    </p:cTn>
+                  </p:par>
+                </p:childTnLst>
+              </p:cTn>
+              <p:prevCondLst>
+                <p:cond evt="onPrev" delay="0">
+                  <p:tgtEl>
+                    <p:sldTgt/>
+                  </p:tgtEl>
+                </p:cond>
+              </p:prevCondLst>
+              <p:nextCondLst>
+                <p:cond evt="onNext" delay="0">
+                  <p:tgtEl>
+                    <p:sldTgt/>
+                  </p:tgtEl>
+                </p:cond>
+              </p:nextCondLst>
+            </p:seq>
+          </p:childTnLst>
+        </p:cTn>
       </p:par>
     </p:tnLst>
   </p:timing>
@@ -3507,53 +3948,6 @@
       </p:grpSpPr>
       <p:sp>
         <p:nvSpPr>
-          <p:cNvPr id="53" name="Textfeld 52"/>
-          <p:cNvSpPr txBox="1"/>
-          <p:nvPr/>
-        </p:nvSpPr>
-        <p:spPr>
-          <a:xfrm>
-            <a:off x="539552" y="1127500"/>
-            <a:ext cx="2981072" cy="707886"/>
-          </a:xfrm>
-          <a:prstGeom prst="rect">
-            <a:avLst/>
-          </a:prstGeom>
-          <a:noFill/>
-        </p:spPr>
-        <p:txBody>
-          <a:bodyPr wrap="none" rtlCol="0">
-            <a:spAutoFit/>
-          </a:bodyPr>
-          <a:lstStyle/>
-          <a:p>
-            <a:pPr marL="342900" indent="-342900">
-              <a:buFontTx/>
-              <a:buChar char="-"/>
-            </a:pPr>
-            <a:r>
-              <a:rPr lang="de-DE" b="1" dirty="0" smtClean="0">
-                <a:latin typeface="+mn-lt"/>
-              </a:rPr>
-              <a:t>Comparision</a:t>
-            </a:r>
-          </a:p>
-          <a:p>
-            <a:pPr marL="914400" lvl="1" indent="-457200">
-              <a:buFont typeface="+mj-lt"/>
-              <a:buAutoNum type="arabicPeriod"/>
-            </a:pPr>
-            <a:r>
-              <a:rPr lang="de-DE" b="1" dirty="0" smtClean="0">
-                <a:latin typeface="+mn-lt"/>
-              </a:rPr>
-              <a:t>Support Software</a:t>
-            </a:r>
-          </a:p>
-        </p:txBody>
-      </p:sp>
-      <p:sp>
-        <p:nvSpPr>
           <p:cNvPr id="55" name="Textfeld 54"/>
           <p:cNvSpPr txBox="1"/>
           <p:nvPr/>
@@ -3586,197 +3980,6 @@
           </a:p>
         </p:txBody>
       </p:sp>
-      <p:pic>
-        <p:nvPicPr>
-          <p:cNvPr id="2" name="图片 1"/>
-          <p:cNvPicPr>
-            <a:picLocks noChangeAspect="1"/>
-          </p:cNvPicPr>
-          <p:nvPr/>
-        </p:nvPicPr>
-        <p:blipFill>
-          <a:blip r:embed="rId2">
-            <a:extLst>
-              <a:ext uri="{28A0092B-C50C-407E-A947-70E740481C1C}">
-                <a14:useLocalDpi xmlns:a14="http://schemas.microsoft.com/office/drawing/2010/main" val="0"/>
-              </a:ext>
-            </a:extLst>
-          </a:blip>
-          <a:stretch>
-            <a:fillRect/>
-          </a:stretch>
-        </p:blipFill>
-        <p:spPr>
-          <a:xfrm>
-            <a:off x="5556324" y="3985965"/>
-            <a:ext cx="3373715" cy="2088232"/>
-          </a:xfrm>
-          <a:prstGeom prst="rect">
-            <a:avLst/>
-          </a:prstGeom>
-          <a:effectLst>
-            <a:outerShdw blurRad="50800" dist="38100" dir="2700000" algn="tl" rotWithShape="0">
-              <a:prstClr val="black">
-                <a:alpha val="40000"/>
-              </a:prstClr>
-            </a:outerShdw>
-          </a:effectLst>
-        </p:spPr>
-        <p:style>
-          <a:lnRef idx="2">
-            <a:schemeClr val="dk1"/>
-          </a:lnRef>
-          <a:fillRef idx="1">
-            <a:schemeClr val="lt1"/>
-          </a:fillRef>
-          <a:effectRef idx="0">
-            <a:schemeClr val="dk1"/>
-          </a:effectRef>
-          <a:fontRef idx="minor">
-            <a:schemeClr val="dk1"/>
-          </a:fontRef>
-        </p:style>
-      </p:pic>
-      <p:pic>
-        <p:nvPicPr>
-          <p:cNvPr id="5" name="图片 4"/>
-          <p:cNvPicPr>
-            <a:picLocks noChangeAspect="1"/>
-          </p:cNvPicPr>
-          <p:nvPr/>
-        </p:nvPicPr>
-        <p:blipFill>
-          <a:blip r:embed="rId3" cstate="print">
-            <a:extLst>
-              <a:ext uri="{28A0092B-C50C-407E-A947-70E740481C1C}">
-                <a14:useLocalDpi xmlns:a14="http://schemas.microsoft.com/office/drawing/2010/main" val="0"/>
-              </a:ext>
-            </a:extLst>
-          </a:blip>
-          <a:stretch>
-            <a:fillRect/>
-          </a:stretch>
-        </p:blipFill>
-        <p:spPr>
-          <a:xfrm>
-            <a:off x="5556324" y="1135636"/>
-            <a:ext cx="3373715" cy="2229754"/>
-          </a:xfrm>
-          <a:prstGeom prst="rect">
-            <a:avLst/>
-          </a:prstGeom>
-          <a:ln/>
-          <a:effectLst>
-            <a:outerShdw blurRad="50800" dist="38100" dir="2700000" algn="tl" rotWithShape="0">
-              <a:prstClr val="black">
-                <a:alpha val="40000"/>
-              </a:prstClr>
-            </a:outerShdw>
-          </a:effectLst>
-        </p:spPr>
-        <p:style>
-          <a:lnRef idx="2">
-            <a:schemeClr val="dk1"/>
-          </a:lnRef>
-          <a:fillRef idx="1">
-            <a:schemeClr val="lt1"/>
-          </a:fillRef>
-          <a:effectRef idx="0">
-            <a:schemeClr val="dk1"/>
-          </a:effectRef>
-          <a:fontRef idx="minor">
-            <a:schemeClr val="dk1"/>
-          </a:fontRef>
-        </p:style>
-      </p:pic>
-      <p:sp>
-        <p:nvSpPr>
-          <p:cNvPr id="3" name="文本框 2"/>
-          <p:cNvSpPr txBox="1"/>
-          <p:nvPr/>
-        </p:nvSpPr>
-        <p:spPr>
-          <a:xfrm>
-            <a:off x="5898817" y="3365390"/>
-            <a:ext cx="2736304" cy="461665"/>
-          </a:xfrm>
-          <a:prstGeom prst="rect">
-            <a:avLst/>
-          </a:prstGeom>
-          <a:noFill/>
-        </p:spPr>
-        <p:txBody>
-          <a:bodyPr wrap="square" rtlCol="0">
-            <a:spAutoFit/>
-          </a:bodyPr>
-          <a:lstStyle/>
-          <a:p>
-            <a:pPr algn="ctr"/>
-            <a:r>
-              <a:rPr lang="en-GB" altLang="zh-CN" sz="2400" dirty="0">
-                <a:latin typeface="+mn-lt"/>
-              </a:rPr>
-              <a:t>PLAN</a:t>
-            </a:r>
-            <a:r>
-              <a:rPr lang="en-GB" altLang="zh-CN" sz="2400" dirty="0">
-                <a:latin typeface="+mn-lt"/>
-              </a:rPr>
-              <a:t> A</a:t>
-            </a:r>
-            <a:endParaRPr lang="zh-CN" altLang="en-US" sz="2400" dirty="0">
-              <a:latin typeface="+mn-lt"/>
-            </a:endParaRPr>
-          </a:p>
-        </p:txBody>
-      </p:sp>
-      <p:sp>
-        <p:nvSpPr>
-          <p:cNvPr id="7" name="文本框 6"/>
-          <p:cNvSpPr txBox="1"/>
-          <p:nvPr/>
-        </p:nvSpPr>
-        <p:spPr>
-          <a:xfrm>
-            <a:off x="5898817" y="6074197"/>
-            <a:ext cx="2736304" cy="461665"/>
-          </a:xfrm>
-          <a:prstGeom prst="rect">
-            <a:avLst/>
-          </a:prstGeom>
-          <a:noFill/>
-        </p:spPr>
-        <p:txBody>
-          <a:bodyPr wrap="square" rtlCol="0">
-            <a:spAutoFit/>
-          </a:bodyPr>
-          <a:lstStyle/>
-          <a:p>
-            <a:pPr algn="ctr"/>
-            <a:r>
-              <a:rPr lang="en-GB" altLang="zh-CN" sz="2400" dirty="0">
-                <a:latin typeface="+mn-lt"/>
-              </a:rPr>
-              <a:t>PLAN</a:t>
-            </a:r>
-            <a:r>
-              <a:rPr lang="en-GB" altLang="zh-CN" sz="2400" dirty="0">
-                <a:latin typeface="+mn-lt"/>
-              </a:rPr>
-              <a:t> </a:t>
-            </a:r>
-            <a:r>
-              <a:rPr lang="en-GB" altLang="zh-CN" sz="2400" dirty="0" smtClean="0">
-                <a:latin typeface="+mn-lt"/>
-              </a:rPr>
-              <a:t>B</a:t>
-            </a:r>
-            <a:endParaRPr lang="zh-CN" altLang="en-US" sz="2400" dirty="0">
-              <a:latin typeface="+mn-lt"/>
-            </a:endParaRPr>
-          </a:p>
-        </p:txBody>
-      </p:sp>
       <p:graphicFrame>
         <p:nvGraphicFramePr>
           <p:cNvPr id="6" name="表格 5"/>
@@ -3786,14 +3989,14 @@
           <p:nvPr>
             <p:extLst>
               <p:ext uri="{D42A27DB-BD31-4B8C-83A1-F6EECF244321}">
-                <p14:modId xmlns:p14="http://schemas.microsoft.com/office/powerpoint/2010/main" val="1423686205"/>
+                <p14:modId xmlns:p14="http://schemas.microsoft.com/office/powerpoint/2010/main" val="311363026"/>
               </p:ext>
             </p:extLst>
           </p:nvPr>
         </p:nvGraphicFramePr>
         <p:xfrm>
-          <a:off x="539552" y="1948070"/>
-          <a:ext cx="4807892" cy="3200400"/>
+          <a:off x="223790" y="1633792"/>
+          <a:ext cx="4824536" cy="3566160"/>
         </p:xfrm>
         <a:graphic>
           <a:graphicData uri="http://schemas.openxmlformats.org/drawingml/2006/table">
@@ -3802,19 +4005,19 @@
                 <a:tableStyleId>{69012ECD-51FC-41F1-AA8D-1B2483CD663E}</a:tableStyleId>
               </a:tblPr>
               <a:tblGrid>
-                <a:gridCol w="2719660"/>
-                <a:gridCol w="1129099"/>
-                <a:gridCol w="959133"/>
+                <a:gridCol w="2160239"/>
+                <a:gridCol w="1296144"/>
+                <a:gridCol w="1368153"/>
               </a:tblGrid>
-              <a:tr h="361599">
+              <a:tr h="0">
                 <a:tc>
                   <a:txBody>
                     <a:bodyPr/>
                     <a:lstStyle/>
                     <a:p>
                       <a:r>
-                        <a:rPr lang="en-GB" altLang="zh-CN" dirty="0" smtClean="0"/>
-                        <a:t>comparison</a:t>
+                        <a:rPr lang="en-GB" altLang="zh-CN" baseline="0" dirty="0" smtClean="0"/>
+                        <a:t>Support Software</a:t>
                       </a:r>
                       <a:endParaRPr lang="zh-CN" altLang="en-US" dirty="0"/>
                     </a:p>
@@ -4060,14 +4263,14 @@
                       <a:r>
                         <a:rPr lang="en-GB" altLang="zh-CN" dirty="0" smtClean="0">
                           <a:solidFill>
-                            <a:srgbClr val="FF0000"/>
+                            <a:schemeClr val="tx1"/>
                           </a:solidFill>
                         </a:rPr>
                         <a:t>Yes</a:t>
                       </a:r>
                       <a:endParaRPr lang="zh-CN" altLang="en-US" dirty="0">
                         <a:solidFill>
-                          <a:srgbClr val="FF0000"/>
+                          <a:schemeClr val="tx1"/>
                         </a:solidFill>
                       </a:endParaRPr>
                     </a:p>
@@ -4126,16 +4329,16 @@
                     <a:p>
                       <a:pPr algn="ctr"/>
                       <a:r>
-                        <a:rPr lang="en-GB" altLang="zh-CN" dirty="0" smtClean="0">
+                        <a:rPr lang="en-GB" altLang="zh-CN" b="1" dirty="0" smtClean="0">
                           <a:solidFill>
-                            <a:srgbClr val="FF0000"/>
+                            <a:srgbClr val="F91515"/>
                           </a:solidFill>
                         </a:rPr>
                         <a:t>No</a:t>
                       </a:r>
-                      <a:endParaRPr lang="zh-CN" altLang="en-US" dirty="0">
+                      <a:endParaRPr lang="zh-CN" altLang="en-US" b="1" dirty="0">
                         <a:solidFill>
-                          <a:srgbClr val="FF0000"/>
+                          <a:srgbClr val="F91515"/>
                         </a:solidFill>
                       </a:endParaRPr>
                     </a:p>
@@ -4288,10 +4491,18 @@
                     <a:p>
                       <a:pPr algn="ctr"/>
                       <a:r>
-                        <a:rPr lang="en-GB" altLang="zh-CN" dirty="0" smtClean="0"/>
+                        <a:rPr lang="en-GB" altLang="zh-CN" dirty="0" smtClean="0">
+                          <a:solidFill>
+                            <a:schemeClr val="tx1"/>
+                          </a:solidFill>
+                        </a:rPr>
                         <a:t>Yes</a:t>
                       </a:r>
-                      <a:endParaRPr lang="zh-CN" altLang="en-US" dirty="0"/>
+                      <a:endParaRPr lang="zh-CN" altLang="en-US" dirty="0">
+                        <a:solidFill>
+                          <a:schemeClr val="tx1"/>
+                        </a:solidFill>
+                      </a:endParaRPr>
                     </a:p>
                   </a:txBody>
                   <a:tcPr>
@@ -4348,10 +4559,18 @@
                     <a:p>
                       <a:pPr algn="ctr"/>
                       <a:r>
-                        <a:rPr lang="en-GB" altLang="zh-CN" dirty="0" smtClean="0"/>
+                        <a:rPr lang="en-GB" altLang="zh-CN" dirty="0" smtClean="0">
+                          <a:solidFill>
+                            <a:schemeClr val="tx1"/>
+                          </a:solidFill>
+                        </a:rPr>
                         <a:t>Yes</a:t>
                       </a:r>
-                      <a:endParaRPr lang="zh-CN" altLang="en-US" dirty="0"/>
+                      <a:endParaRPr lang="zh-CN" altLang="en-US" dirty="0">
+                        <a:solidFill>
+                          <a:schemeClr val="tx1"/>
+                        </a:solidFill>
+                      </a:endParaRPr>
                     </a:p>
                   </a:txBody>
                   <a:tcPr>
@@ -4471,14 +4690,14 @@
                       <a:r>
                         <a:rPr lang="en-GB" altLang="zh-CN" dirty="0" smtClean="0">
                           <a:solidFill>
-                            <a:srgbClr val="FF0000"/>
+                            <a:schemeClr val="tx1"/>
                           </a:solidFill>
                         </a:rPr>
                         <a:t>Yes</a:t>
                       </a:r>
                       <a:endParaRPr lang="zh-CN" altLang="en-US" dirty="0">
                         <a:solidFill>
-                          <a:srgbClr val="FF0000"/>
+                          <a:schemeClr val="tx1"/>
                         </a:solidFill>
                       </a:endParaRPr>
                     </a:p>
@@ -4537,565 +4756,18 @@
                     <a:p>
                       <a:pPr algn="ctr"/>
                       <a:r>
-                        <a:rPr lang="en-GB" altLang="zh-CN" dirty="0" smtClean="0">
+                        <a:rPr lang="en-GB" altLang="zh-CN" b="1" dirty="0" smtClean="0">
                           <a:solidFill>
-                            <a:srgbClr val="FF0000"/>
+                            <a:srgbClr val="F91515"/>
                           </a:solidFill>
                         </a:rPr>
                         <a:t>No</a:t>
                       </a:r>
-                      <a:endParaRPr lang="zh-CN" altLang="en-US" dirty="0">
+                      <a:endParaRPr lang="zh-CN" altLang="en-US" b="1" dirty="0">
                         <a:solidFill>
-                          <a:srgbClr val="FF0000"/>
+                          <a:srgbClr val="F91515"/>
                         </a:solidFill>
                       </a:endParaRPr>
-                    </a:p>
-                  </a:txBody>
-                  <a:tcPr>
-                    <a:lnL w="12700" cap="flat" cmpd="sng" algn="ctr">
-                      <a:solidFill>
-                        <a:schemeClr val="tx1"/>
-                      </a:solidFill>
-                      <a:prstDash val="solid"/>
-                      <a:round/>
-                      <a:headEnd type="none" w="med" len="med"/>
-                      <a:tailEnd type="none" w="med" len="med"/>
-                    </a:lnL>
-                    <a:lnR w="12700" cap="flat" cmpd="sng" algn="ctr">
-                      <a:solidFill>
-                        <a:schemeClr val="tx1"/>
-                      </a:solidFill>
-                      <a:prstDash val="solid"/>
-                      <a:round/>
-                      <a:headEnd type="none" w="med" len="med"/>
-                      <a:tailEnd type="none" w="med" len="med"/>
-                    </a:lnR>
-                    <a:lnT w="12700" cap="flat" cmpd="sng" algn="ctr">
-                      <a:solidFill>
-                        <a:schemeClr val="tx1"/>
-                      </a:solidFill>
-                      <a:prstDash val="solid"/>
-                      <a:round/>
-                      <a:headEnd type="none" w="med" len="med"/>
-                      <a:tailEnd type="none" w="med" len="med"/>
-                    </a:lnT>
-                    <a:lnB w="12700" cap="flat" cmpd="sng" algn="ctr">
-                      <a:solidFill>
-                        <a:schemeClr val="tx1"/>
-                      </a:solidFill>
-                      <a:prstDash val="solid"/>
-                      <a:round/>
-                      <a:headEnd type="none" w="med" len="med"/>
-                      <a:tailEnd type="none" w="med" len="med"/>
-                    </a:lnB>
-                    <a:lnTlToBr w="12700" cmpd="sng">
-                      <a:noFill/>
-                      <a:prstDash val="solid"/>
-                    </a:lnTlToBr>
-                    <a:lnBlToTr w="12700" cmpd="sng">
-                      <a:noFill/>
-                      <a:prstDash val="solid"/>
-                    </a:lnBlToTr>
-                  </a:tcPr>
-                </a:tc>
-              </a:tr>
-              <a:tr h="361599">
-                <a:tc>
-                  <a:txBody>
-                    <a:bodyPr/>
-                    <a:lstStyle/>
-                    <a:p>
-                      <a:r>
-                        <a:rPr lang="en-GB" altLang="zh-CN" dirty="0" smtClean="0"/>
-                        <a:t>JAVA</a:t>
-                      </a:r>
-                      <a:endParaRPr lang="zh-CN" altLang="en-US" dirty="0"/>
-                    </a:p>
-                  </a:txBody>
-                  <a:tcPr>
-                    <a:lnL w="12700" cap="flat" cmpd="sng" algn="ctr">
-                      <a:solidFill>
-                        <a:schemeClr val="tx1"/>
-                      </a:solidFill>
-                      <a:prstDash val="solid"/>
-                      <a:round/>
-                      <a:headEnd type="none" w="med" len="med"/>
-                      <a:tailEnd type="none" w="med" len="med"/>
-                    </a:lnL>
-                    <a:lnR w="12700" cap="flat" cmpd="sng" algn="ctr">
-                      <a:solidFill>
-                        <a:schemeClr val="tx1"/>
-                      </a:solidFill>
-                      <a:prstDash val="solid"/>
-                      <a:round/>
-                      <a:headEnd type="none" w="med" len="med"/>
-                      <a:tailEnd type="none" w="med" len="med"/>
-                    </a:lnR>
-                    <a:lnT w="12700" cap="flat" cmpd="sng" algn="ctr">
-                      <a:solidFill>
-                        <a:schemeClr val="tx1"/>
-                      </a:solidFill>
-                      <a:prstDash val="solid"/>
-                      <a:round/>
-                      <a:headEnd type="none" w="med" len="med"/>
-                      <a:tailEnd type="none" w="med" len="med"/>
-                    </a:lnT>
-                    <a:lnB w="12700" cap="flat" cmpd="sng" algn="ctr">
-                      <a:solidFill>
-                        <a:schemeClr val="tx1"/>
-                      </a:solidFill>
-                      <a:prstDash val="solid"/>
-                      <a:round/>
-                      <a:headEnd type="none" w="med" len="med"/>
-                      <a:tailEnd type="none" w="med" len="med"/>
-                    </a:lnB>
-                    <a:lnTlToBr w="12700" cmpd="sng">
-                      <a:noFill/>
-                      <a:prstDash val="solid"/>
-                    </a:lnTlToBr>
-                    <a:lnBlToTr w="12700" cmpd="sng">
-                      <a:noFill/>
-                      <a:prstDash val="solid"/>
-                    </a:lnBlToTr>
-                  </a:tcPr>
-                </a:tc>
-                <a:tc>
-                  <a:txBody>
-                    <a:bodyPr/>
-                    <a:lstStyle/>
-                    <a:p>
-                      <a:pPr algn="ctr"/>
-                      <a:r>
-                        <a:rPr lang="en-GB" altLang="zh-CN" dirty="0" smtClean="0"/>
-                        <a:t>YES</a:t>
-                      </a:r>
-                      <a:endParaRPr lang="zh-CN" altLang="en-US" dirty="0"/>
-                    </a:p>
-                  </a:txBody>
-                  <a:tcPr>
-                    <a:lnL w="12700" cap="flat" cmpd="sng" algn="ctr">
-                      <a:solidFill>
-                        <a:schemeClr val="tx1"/>
-                      </a:solidFill>
-                      <a:prstDash val="solid"/>
-                      <a:round/>
-                      <a:headEnd type="none" w="med" len="med"/>
-                      <a:tailEnd type="none" w="med" len="med"/>
-                    </a:lnL>
-                    <a:lnR w="12700" cap="flat" cmpd="sng" algn="ctr">
-                      <a:solidFill>
-                        <a:schemeClr val="tx1"/>
-                      </a:solidFill>
-                      <a:prstDash val="solid"/>
-                      <a:round/>
-                      <a:headEnd type="none" w="med" len="med"/>
-                      <a:tailEnd type="none" w="med" len="med"/>
-                    </a:lnR>
-                    <a:lnT w="12700" cap="flat" cmpd="sng" algn="ctr">
-                      <a:solidFill>
-                        <a:schemeClr val="tx1"/>
-                      </a:solidFill>
-                      <a:prstDash val="solid"/>
-                      <a:round/>
-                      <a:headEnd type="none" w="med" len="med"/>
-                      <a:tailEnd type="none" w="med" len="med"/>
-                    </a:lnT>
-                    <a:lnB w="12700" cap="flat" cmpd="sng" algn="ctr">
-                      <a:solidFill>
-                        <a:schemeClr val="tx1"/>
-                      </a:solidFill>
-                      <a:prstDash val="solid"/>
-                      <a:round/>
-                      <a:headEnd type="none" w="med" len="med"/>
-                      <a:tailEnd type="none" w="med" len="med"/>
-                    </a:lnB>
-                    <a:lnTlToBr w="12700" cmpd="sng">
-                      <a:noFill/>
-                      <a:prstDash val="solid"/>
-                    </a:lnTlToBr>
-                    <a:lnBlToTr w="12700" cmpd="sng">
-                      <a:noFill/>
-                      <a:prstDash val="solid"/>
-                    </a:lnBlToTr>
-                  </a:tcPr>
-                </a:tc>
-                <a:tc>
-                  <a:txBody>
-                    <a:bodyPr/>
-                    <a:lstStyle/>
-                    <a:p>
-                      <a:pPr algn="ctr"/>
-                      <a:r>
-                        <a:rPr lang="en-GB" altLang="zh-CN" dirty="0" smtClean="0"/>
-                        <a:t>YES</a:t>
-                      </a:r>
-                      <a:endParaRPr lang="zh-CN" altLang="en-US" dirty="0"/>
-                    </a:p>
-                  </a:txBody>
-                  <a:tcPr>
-                    <a:lnL w="12700" cap="flat" cmpd="sng" algn="ctr">
-                      <a:solidFill>
-                        <a:schemeClr val="tx1"/>
-                      </a:solidFill>
-                      <a:prstDash val="solid"/>
-                      <a:round/>
-                      <a:headEnd type="none" w="med" len="med"/>
-                      <a:tailEnd type="none" w="med" len="med"/>
-                    </a:lnL>
-                    <a:lnR w="12700" cap="flat" cmpd="sng" algn="ctr">
-                      <a:solidFill>
-                        <a:schemeClr val="tx1"/>
-                      </a:solidFill>
-                      <a:prstDash val="solid"/>
-                      <a:round/>
-                      <a:headEnd type="none" w="med" len="med"/>
-                      <a:tailEnd type="none" w="med" len="med"/>
-                    </a:lnR>
-                    <a:lnT w="12700" cap="flat" cmpd="sng" algn="ctr">
-                      <a:solidFill>
-                        <a:schemeClr val="tx1"/>
-                      </a:solidFill>
-                      <a:prstDash val="solid"/>
-                      <a:round/>
-                      <a:headEnd type="none" w="med" len="med"/>
-                      <a:tailEnd type="none" w="med" len="med"/>
-                    </a:lnT>
-                    <a:lnB w="12700" cap="flat" cmpd="sng" algn="ctr">
-                      <a:solidFill>
-                        <a:schemeClr val="tx1"/>
-                      </a:solidFill>
-                      <a:prstDash val="solid"/>
-                      <a:round/>
-                      <a:headEnd type="none" w="med" len="med"/>
-                      <a:tailEnd type="none" w="med" len="med"/>
-                    </a:lnB>
-                    <a:lnTlToBr w="12700" cmpd="sng">
-                      <a:noFill/>
-                      <a:prstDash val="solid"/>
-                    </a:lnTlToBr>
-                    <a:lnBlToTr w="12700" cmpd="sng">
-                      <a:noFill/>
-                      <a:prstDash val="solid"/>
-                    </a:lnBlToTr>
-                  </a:tcPr>
-                </a:tc>
-              </a:tr>
-              <a:tr h="361599">
-                <a:tc>
-                  <a:txBody>
-                    <a:bodyPr/>
-                    <a:lstStyle/>
-                    <a:p>
-                      <a:r>
-                        <a:rPr lang="en-GB" altLang="zh-CN" dirty="0" smtClean="0"/>
-                        <a:t>NET</a:t>
-                      </a:r>
-                      <a:endParaRPr lang="zh-CN" altLang="en-US" dirty="0"/>
-                    </a:p>
-                  </a:txBody>
-                  <a:tcPr>
-                    <a:lnL w="12700" cap="flat" cmpd="sng" algn="ctr">
-                      <a:solidFill>
-                        <a:schemeClr val="tx1"/>
-                      </a:solidFill>
-                      <a:prstDash val="solid"/>
-                      <a:round/>
-                      <a:headEnd type="none" w="med" len="med"/>
-                      <a:tailEnd type="none" w="med" len="med"/>
-                    </a:lnL>
-                    <a:lnR w="12700" cap="flat" cmpd="sng" algn="ctr">
-                      <a:solidFill>
-                        <a:schemeClr val="tx1"/>
-                      </a:solidFill>
-                      <a:prstDash val="solid"/>
-                      <a:round/>
-                      <a:headEnd type="none" w="med" len="med"/>
-                      <a:tailEnd type="none" w="med" len="med"/>
-                    </a:lnR>
-                    <a:lnT w="12700" cap="flat" cmpd="sng" algn="ctr">
-                      <a:solidFill>
-                        <a:schemeClr val="tx1"/>
-                      </a:solidFill>
-                      <a:prstDash val="solid"/>
-                      <a:round/>
-                      <a:headEnd type="none" w="med" len="med"/>
-                      <a:tailEnd type="none" w="med" len="med"/>
-                    </a:lnT>
-                    <a:lnB w="12700" cap="flat" cmpd="sng" algn="ctr">
-                      <a:solidFill>
-                        <a:schemeClr val="tx1"/>
-                      </a:solidFill>
-                      <a:prstDash val="solid"/>
-                      <a:round/>
-                      <a:headEnd type="none" w="med" len="med"/>
-                      <a:tailEnd type="none" w="med" len="med"/>
-                    </a:lnB>
-                    <a:lnTlToBr w="12700" cmpd="sng">
-                      <a:noFill/>
-                      <a:prstDash val="solid"/>
-                    </a:lnTlToBr>
-                    <a:lnBlToTr w="12700" cmpd="sng">
-                      <a:noFill/>
-                      <a:prstDash val="solid"/>
-                    </a:lnBlToTr>
-                  </a:tcPr>
-                </a:tc>
-                <a:tc>
-                  <a:txBody>
-                    <a:bodyPr/>
-                    <a:lstStyle/>
-                    <a:p>
-                      <a:pPr algn="ctr"/>
-                      <a:r>
-                        <a:rPr lang="en-GB" altLang="zh-CN" dirty="0" smtClean="0"/>
-                        <a:t>YES</a:t>
-                      </a:r>
-                      <a:endParaRPr lang="zh-CN" altLang="en-US" dirty="0"/>
-                    </a:p>
-                  </a:txBody>
-                  <a:tcPr>
-                    <a:lnL w="12700" cap="flat" cmpd="sng" algn="ctr">
-                      <a:solidFill>
-                        <a:schemeClr val="tx1"/>
-                      </a:solidFill>
-                      <a:prstDash val="solid"/>
-                      <a:round/>
-                      <a:headEnd type="none" w="med" len="med"/>
-                      <a:tailEnd type="none" w="med" len="med"/>
-                    </a:lnL>
-                    <a:lnR w="12700" cap="flat" cmpd="sng" algn="ctr">
-                      <a:solidFill>
-                        <a:schemeClr val="tx1"/>
-                      </a:solidFill>
-                      <a:prstDash val="solid"/>
-                      <a:round/>
-                      <a:headEnd type="none" w="med" len="med"/>
-                      <a:tailEnd type="none" w="med" len="med"/>
-                    </a:lnR>
-                    <a:lnT w="12700" cap="flat" cmpd="sng" algn="ctr">
-                      <a:solidFill>
-                        <a:schemeClr val="tx1"/>
-                      </a:solidFill>
-                      <a:prstDash val="solid"/>
-                      <a:round/>
-                      <a:headEnd type="none" w="med" len="med"/>
-                      <a:tailEnd type="none" w="med" len="med"/>
-                    </a:lnT>
-                    <a:lnB w="12700" cap="flat" cmpd="sng" algn="ctr">
-                      <a:solidFill>
-                        <a:schemeClr val="tx1"/>
-                      </a:solidFill>
-                      <a:prstDash val="solid"/>
-                      <a:round/>
-                      <a:headEnd type="none" w="med" len="med"/>
-                      <a:tailEnd type="none" w="med" len="med"/>
-                    </a:lnB>
-                    <a:lnTlToBr w="12700" cmpd="sng">
-                      <a:noFill/>
-                      <a:prstDash val="solid"/>
-                    </a:lnTlToBr>
-                    <a:lnBlToTr w="12700" cmpd="sng">
-                      <a:noFill/>
-                      <a:prstDash val="solid"/>
-                    </a:lnBlToTr>
-                  </a:tcPr>
-                </a:tc>
-                <a:tc>
-                  <a:txBody>
-                    <a:bodyPr/>
-                    <a:lstStyle/>
-                    <a:p>
-                      <a:pPr algn="ctr"/>
-                      <a:r>
-                        <a:rPr lang="en-GB" altLang="zh-CN" dirty="0" smtClean="0"/>
-                        <a:t>YES</a:t>
-                      </a:r>
-                      <a:endParaRPr lang="zh-CN" altLang="en-US" dirty="0"/>
-                    </a:p>
-                  </a:txBody>
-                  <a:tcPr>
-                    <a:lnL w="12700" cap="flat" cmpd="sng" algn="ctr">
-                      <a:solidFill>
-                        <a:schemeClr val="tx1"/>
-                      </a:solidFill>
-                      <a:prstDash val="solid"/>
-                      <a:round/>
-                      <a:headEnd type="none" w="med" len="med"/>
-                      <a:tailEnd type="none" w="med" len="med"/>
-                    </a:lnL>
-                    <a:lnR w="12700" cap="flat" cmpd="sng" algn="ctr">
-                      <a:solidFill>
-                        <a:schemeClr val="tx1"/>
-                      </a:solidFill>
-                      <a:prstDash val="solid"/>
-                      <a:round/>
-                      <a:headEnd type="none" w="med" len="med"/>
-                      <a:tailEnd type="none" w="med" len="med"/>
-                    </a:lnR>
-                    <a:lnT w="12700" cap="flat" cmpd="sng" algn="ctr">
-                      <a:solidFill>
-                        <a:schemeClr val="tx1"/>
-                      </a:solidFill>
-                      <a:prstDash val="solid"/>
-                      <a:round/>
-                      <a:headEnd type="none" w="med" len="med"/>
-                      <a:tailEnd type="none" w="med" len="med"/>
-                    </a:lnT>
-                    <a:lnB w="12700" cap="flat" cmpd="sng" algn="ctr">
-                      <a:solidFill>
-                        <a:schemeClr val="tx1"/>
-                      </a:solidFill>
-                      <a:prstDash val="solid"/>
-                      <a:round/>
-                      <a:headEnd type="none" w="med" len="med"/>
-                      <a:tailEnd type="none" w="med" len="med"/>
-                    </a:lnB>
-                    <a:lnTlToBr w="12700" cmpd="sng">
-                      <a:noFill/>
-                      <a:prstDash val="solid"/>
-                    </a:lnTlToBr>
-                    <a:lnBlToTr w="12700" cmpd="sng">
-                      <a:noFill/>
-                      <a:prstDash val="solid"/>
-                    </a:lnBlToTr>
-                  </a:tcPr>
-                </a:tc>
-              </a:tr>
-              <a:tr h="361599">
-                <a:tc>
-                  <a:txBody>
-                    <a:bodyPr/>
-                    <a:lstStyle/>
-                    <a:p>
-                      <a:r>
-                        <a:rPr lang="en-GB" altLang="zh-CN" dirty="0" err="1" smtClean="0"/>
-                        <a:t>LabVIEW</a:t>
-                      </a:r>
-                      <a:endParaRPr lang="zh-CN" altLang="en-US" dirty="0"/>
-                    </a:p>
-                  </a:txBody>
-                  <a:tcPr>
-                    <a:lnL w="12700" cap="flat" cmpd="sng" algn="ctr">
-                      <a:solidFill>
-                        <a:schemeClr val="tx1"/>
-                      </a:solidFill>
-                      <a:prstDash val="solid"/>
-                      <a:round/>
-                      <a:headEnd type="none" w="med" len="med"/>
-                      <a:tailEnd type="none" w="med" len="med"/>
-                    </a:lnL>
-                    <a:lnR w="12700" cap="flat" cmpd="sng" algn="ctr">
-                      <a:solidFill>
-                        <a:schemeClr val="tx1"/>
-                      </a:solidFill>
-                      <a:prstDash val="solid"/>
-                      <a:round/>
-                      <a:headEnd type="none" w="med" len="med"/>
-                      <a:tailEnd type="none" w="med" len="med"/>
-                    </a:lnR>
-                    <a:lnT w="12700" cap="flat" cmpd="sng" algn="ctr">
-                      <a:solidFill>
-                        <a:schemeClr val="tx1"/>
-                      </a:solidFill>
-                      <a:prstDash val="solid"/>
-                      <a:round/>
-                      <a:headEnd type="none" w="med" len="med"/>
-                      <a:tailEnd type="none" w="med" len="med"/>
-                    </a:lnT>
-                    <a:lnB w="12700" cap="flat" cmpd="sng" algn="ctr">
-                      <a:solidFill>
-                        <a:schemeClr val="tx1"/>
-                      </a:solidFill>
-                      <a:prstDash val="solid"/>
-                      <a:round/>
-                      <a:headEnd type="none" w="med" len="med"/>
-                      <a:tailEnd type="none" w="med" len="med"/>
-                    </a:lnB>
-                    <a:lnTlToBr w="12700" cmpd="sng">
-                      <a:noFill/>
-                      <a:prstDash val="solid"/>
-                    </a:lnTlToBr>
-                    <a:lnBlToTr w="12700" cmpd="sng">
-                      <a:noFill/>
-                      <a:prstDash val="solid"/>
-                    </a:lnBlToTr>
-                  </a:tcPr>
-                </a:tc>
-                <a:tc>
-                  <a:txBody>
-                    <a:bodyPr/>
-                    <a:lstStyle/>
-                    <a:p>
-                      <a:pPr algn="ctr"/>
-                      <a:r>
-                        <a:rPr lang="en-GB" altLang="zh-CN" dirty="0" smtClean="0"/>
-                        <a:t>YES</a:t>
-                      </a:r>
-                      <a:endParaRPr lang="zh-CN" altLang="en-US" dirty="0"/>
-                    </a:p>
-                  </a:txBody>
-                  <a:tcPr>
-                    <a:lnL w="12700" cap="flat" cmpd="sng" algn="ctr">
-                      <a:solidFill>
-                        <a:schemeClr val="tx1"/>
-                      </a:solidFill>
-                      <a:prstDash val="solid"/>
-                      <a:round/>
-                      <a:headEnd type="none" w="med" len="med"/>
-                      <a:tailEnd type="none" w="med" len="med"/>
-                    </a:lnL>
-                    <a:lnR w="12700" cap="flat" cmpd="sng" algn="ctr">
-                      <a:solidFill>
-                        <a:schemeClr val="tx1"/>
-                      </a:solidFill>
-                      <a:prstDash val="solid"/>
-                      <a:round/>
-                      <a:headEnd type="none" w="med" len="med"/>
-                      <a:tailEnd type="none" w="med" len="med"/>
-                    </a:lnR>
-                    <a:lnT w="12700" cap="flat" cmpd="sng" algn="ctr">
-                      <a:solidFill>
-                        <a:schemeClr val="tx1"/>
-                      </a:solidFill>
-                      <a:prstDash val="solid"/>
-                      <a:round/>
-                      <a:headEnd type="none" w="med" len="med"/>
-                      <a:tailEnd type="none" w="med" len="med"/>
-                    </a:lnT>
-                    <a:lnB w="12700" cap="flat" cmpd="sng" algn="ctr">
-                      <a:solidFill>
-                        <a:schemeClr val="tx1"/>
-                      </a:solidFill>
-                      <a:prstDash val="solid"/>
-                      <a:round/>
-                      <a:headEnd type="none" w="med" len="med"/>
-                      <a:tailEnd type="none" w="med" len="med"/>
-                    </a:lnB>
-                    <a:lnTlToBr w="12700" cmpd="sng">
-                      <a:noFill/>
-                      <a:prstDash val="solid"/>
-                    </a:lnTlToBr>
-                    <a:lnBlToTr w="12700" cmpd="sng">
-                      <a:noFill/>
-                      <a:prstDash val="solid"/>
-                    </a:lnBlToTr>
-                  </a:tcPr>
-                </a:tc>
-                <a:tc>
-                  <a:txBody>
-                    <a:bodyPr/>
-                    <a:lstStyle/>
-                    <a:p>
-                      <a:pPr algn="ctr"/>
-                      <a:r>
-                        <a:rPr lang="en-GB" altLang="zh-CN" dirty="0" smtClean="0"/>
-                        <a:t>Not</a:t>
-                      </a:r>
-                      <a:r>
-                        <a:rPr lang="en-GB" altLang="zh-CN" baseline="0" dirty="0" smtClean="0"/>
-                        <a:t> sure</a:t>
-                      </a:r>
-                      <a:endParaRPr lang="zh-CN" altLang="en-US" dirty="0"/>
                     </a:p>
                   </a:txBody>
                   <a:tcPr>
@@ -5331,6 +5003,681 @@
                   </a:tcPr>
                 </a:tc>
               </a:tr>
+              <a:tr h="361599">
+                <a:tc gridSpan="3">
+                  <a:txBody>
+                    <a:bodyPr/>
+                    <a:lstStyle/>
+                    <a:p>
+                      <a:r>
+                        <a:rPr lang="en-GB" altLang="zh-CN" b="1" dirty="0" smtClean="0">
+                          <a:solidFill>
+                            <a:schemeClr val="bg1"/>
+                          </a:solidFill>
+                        </a:rPr>
+                        <a:t>Support </a:t>
+                      </a:r>
+                      <a:r>
+                        <a:rPr lang="en-GB" altLang="zh-CN" b="1" dirty="0" err="1" smtClean="0">
+                          <a:solidFill>
+                            <a:schemeClr val="bg1"/>
+                          </a:solidFill>
+                        </a:rPr>
+                        <a:t>Technologie</a:t>
+                      </a:r>
+                      <a:endParaRPr lang="en-GB" altLang="zh-CN" b="1" dirty="0" smtClean="0">
+                        <a:solidFill>
+                          <a:schemeClr val="bg1"/>
+                        </a:solidFill>
+                      </a:endParaRPr>
+                    </a:p>
+                  </a:txBody>
+                  <a:tcPr>
+                    <a:lnL w="12700" cap="flat" cmpd="sng" algn="ctr">
+                      <a:solidFill>
+                        <a:schemeClr val="tx1"/>
+                      </a:solidFill>
+                      <a:prstDash val="solid"/>
+                      <a:round/>
+                      <a:headEnd type="none" w="med" len="med"/>
+                      <a:tailEnd type="none" w="med" len="med"/>
+                    </a:lnL>
+                    <a:lnR w="12700" cap="flat" cmpd="sng" algn="ctr">
+                      <a:solidFill>
+                        <a:schemeClr val="tx1"/>
+                      </a:solidFill>
+                      <a:prstDash val="solid"/>
+                      <a:round/>
+                      <a:headEnd type="none" w="med" len="med"/>
+                      <a:tailEnd type="none" w="med" len="med"/>
+                    </a:lnR>
+                    <a:lnT w="12700" cap="flat" cmpd="sng" algn="ctr">
+                      <a:solidFill>
+                        <a:schemeClr val="tx1"/>
+                      </a:solidFill>
+                      <a:prstDash val="solid"/>
+                      <a:round/>
+                      <a:headEnd type="none" w="med" len="med"/>
+                      <a:tailEnd type="none" w="med" len="med"/>
+                    </a:lnT>
+                    <a:lnB w="12700" cap="flat" cmpd="sng" algn="ctr">
+                      <a:solidFill>
+                        <a:schemeClr val="tx1"/>
+                      </a:solidFill>
+                      <a:prstDash val="solid"/>
+                      <a:round/>
+                      <a:headEnd type="none" w="med" len="med"/>
+                      <a:tailEnd type="none" w="med" len="med"/>
+                    </a:lnB>
+                    <a:lnTlToBr w="12700" cmpd="sng">
+                      <a:noFill/>
+                      <a:prstDash val="solid"/>
+                    </a:lnTlToBr>
+                    <a:lnBlToTr w="12700" cmpd="sng">
+                      <a:noFill/>
+                      <a:prstDash val="solid"/>
+                    </a:lnBlToTr>
+                    <a:solidFill>
+                      <a:srgbClr val="4F81BD"/>
+                    </a:solidFill>
+                  </a:tcPr>
+                </a:tc>
+                <a:tc hMerge="1">
+                  <a:txBody>
+                    <a:bodyPr/>
+                    <a:lstStyle/>
+                    <a:p>
+                      <a:endParaRPr lang="zh-CN" altLang="en-US"/>
+                    </a:p>
+                  </a:txBody>
+                  <a:tcPr/>
+                </a:tc>
+                <a:tc hMerge="1">
+                  <a:txBody>
+                    <a:bodyPr/>
+                    <a:lstStyle/>
+                    <a:p>
+                      <a:endParaRPr lang="zh-CN" altLang="en-US"/>
+                    </a:p>
+                  </a:txBody>
+                  <a:tcPr/>
+                </a:tc>
+              </a:tr>
+              <a:tr h="361599">
+                <a:tc>
+                  <a:txBody>
+                    <a:bodyPr/>
+                    <a:lstStyle/>
+                    <a:p>
+                      <a:r>
+                        <a:rPr lang="en-GB" altLang="zh-CN" dirty="0" smtClean="0"/>
+                        <a:t>Robot Control</a:t>
+                      </a:r>
+                      <a:endParaRPr lang="zh-CN" altLang="en-US" dirty="0"/>
+                    </a:p>
+                  </a:txBody>
+                  <a:tcPr>
+                    <a:lnL w="12700" cap="flat" cmpd="sng" algn="ctr">
+                      <a:solidFill>
+                        <a:schemeClr val="tx1"/>
+                      </a:solidFill>
+                      <a:prstDash val="solid"/>
+                      <a:round/>
+                      <a:headEnd type="none" w="med" len="med"/>
+                      <a:tailEnd type="none" w="med" len="med"/>
+                    </a:lnL>
+                    <a:lnR w="12700" cap="flat" cmpd="sng" algn="ctr">
+                      <a:solidFill>
+                        <a:schemeClr val="tx1"/>
+                      </a:solidFill>
+                      <a:prstDash val="solid"/>
+                      <a:round/>
+                      <a:headEnd type="none" w="med" len="med"/>
+                      <a:tailEnd type="none" w="med" len="med"/>
+                    </a:lnR>
+                    <a:lnT w="12700" cap="flat" cmpd="sng" algn="ctr">
+                      <a:solidFill>
+                        <a:schemeClr val="tx1"/>
+                      </a:solidFill>
+                      <a:prstDash val="solid"/>
+                      <a:round/>
+                      <a:headEnd type="none" w="med" len="med"/>
+                      <a:tailEnd type="none" w="med" len="med"/>
+                    </a:lnT>
+                    <a:lnB w="12700" cap="flat" cmpd="sng" algn="ctr">
+                      <a:solidFill>
+                        <a:schemeClr val="tx1"/>
+                      </a:solidFill>
+                      <a:prstDash val="solid"/>
+                      <a:round/>
+                      <a:headEnd type="none" w="med" len="med"/>
+                      <a:tailEnd type="none" w="med" len="med"/>
+                    </a:lnB>
+                    <a:lnTlToBr w="12700" cmpd="sng">
+                      <a:noFill/>
+                      <a:prstDash val="solid"/>
+                    </a:lnTlToBr>
+                    <a:lnBlToTr w="12700" cmpd="sng">
+                      <a:noFill/>
+                      <a:prstDash val="solid"/>
+                    </a:lnBlToTr>
+                  </a:tcPr>
+                </a:tc>
+                <a:tc>
+                  <a:txBody>
+                    <a:bodyPr/>
+                    <a:lstStyle/>
+                    <a:p>
+                      <a:pPr algn="ctr"/>
+                      <a:r>
+                        <a:rPr lang="en-GB" altLang="zh-CN" dirty="0" smtClean="0"/>
+                        <a:t>Yes</a:t>
+                      </a:r>
+                      <a:endParaRPr lang="zh-CN" altLang="en-US" dirty="0"/>
+                    </a:p>
+                  </a:txBody>
+                  <a:tcPr>
+                    <a:lnL w="12700" cap="flat" cmpd="sng" algn="ctr">
+                      <a:solidFill>
+                        <a:schemeClr val="tx1"/>
+                      </a:solidFill>
+                      <a:prstDash val="solid"/>
+                      <a:round/>
+                      <a:headEnd type="none" w="med" len="med"/>
+                      <a:tailEnd type="none" w="med" len="med"/>
+                    </a:lnL>
+                    <a:lnR w="12700" cap="flat" cmpd="sng" algn="ctr">
+                      <a:solidFill>
+                        <a:schemeClr val="tx1"/>
+                      </a:solidFill>
+                      <a:prstDash val="solid"/>
+                      <a:round/>
+                      <a:headEnd type="none" w="med" len="med"/>
+                      <a:tailEnd type="none" w="med" len="med"/>
+                    </a:lnR>
+                    <a:lnT w="12700" cap="flat" cmpd="sng" algn="ctr">
+                      <a:solidFill>
+                        <a:schemeClr val="tx1"/>
+                      </a:solidFill>
+                      <a:prstDash val="solid"/>
+                      <a:round/>
+                      <a:headEnd type="none" w="med" len="med"/>
+                      <a:tailEnd type="none" w="med" len="med"/>
+                    </a:lnT>
+                    <a:lnB w="12700" cap="flat" cmpd="sng" algn="ctr">
+                      <a:solidFill>
+                        <a:schemeClr val="tx1"/>
+                      </a:solidFill>
+                      <a:prstDash val="solid"/>
+                      <a:round/>
+                      <a:headEnd type="none" w="med" len="med"/>
+                      <a:tailEnd type="none" w="med" len="med"/>
+                    </a:lnB>
+                    <a:lnTlToBr w="12700" cmpd="sng">
+                      <a:noFill/>
+                      <a:prstDash val="solid"/>
+                    </a:lnTlToBr>
+                    <a:lnBlToTr w="12700" cmpd="sng">
+                      <a:noFill/>
+                      <a:prstDash val="solid"/>
+                    </a:lnBlToTr>
+                  </a:tcPr>
+                </a:tc>
+                <a:tc>
+                  <a:txBody>
+                    <a:bodyPr/>
+                    <a:lstStyle/>
+                    <a:p>
+                      <a:pPr algn="ctr"/>
+                      <a:r>
+                        <a:rPr lang="en-GB" altLang="zh-CN" dirty="0" smtClean="0"/>
+                        <a:t>Faster</a:t>
+                      </a:r>
+                      <a:endParaRPr lang="zh-CN" altLang="en-US" dirty="0"/>
+                    </a:p>
+                  </a:txBody>
+                  <a:tcPr>
+                    <a:lnL w="12700" cap="flat" cmpd="sng" algn="ctr">
+                      <a:solidFill>
+                        <a:schemeClr val="tx1"/>
+                      </a:solidFill>
+                      <a:prstDash val="solid"/>
+                      <a:round/>
+                      <a:headEnd type="none" w="med" len="med"/>
+                      <a:tailEnd type="none" w="med" len="med"/>
+                    </a:lnL>
+                    <a:lnR w="12700" cap="flat" cmpd="sng" algn="ctr">
+                      <a:solidFill>
+                        <a:schemeClr val="tx1"/>
+                      </a:solidFill>
+                      <a:prstDash val="solid"/>
+                      <a:round/>
+                      <a:headEnd type="none" w="med" len="med"/>
+                      <a:tailEnd type="none" w="med" len="med"/>
+                    </a:lnR>
+                    <a:lnT w="12700" cap="flat" cmpd="sng" algn="ctr">
+                      <a:solidFill>
+                        <a:schemeClr val="tx1"/>
+                      </a:solidFill>
+                      <a:prstDash val="solid"/>
+                      <a:round/>
+                      <a:headEnd type="none" w="med" len="med"/>
+                      <a:tailEnd type="none" w="med" len="med"/>
+                    </a:lnT>
+                    <a:lnB w="12700" cap="flat" cmpd="sng" algn="ctr">
+                      <a:solidFill>
+                        <a:schemeClr val="tx1"/>
+                      </a:solidFill>
+                      <a:prstDash val="solid"/>
+                      <a:round/>
+                      <a:headEnd type="none" w="med" len="med"/>
+                      <a:tailEnd type="none" w="med" len="med"/>
+                    </a:lnB>
+                    <a:lnTlToBr w="12700" cmpd="sng">
+                      <a:noFill/>
+                      <a:prstDash val="solid"/>
+                    </a:lnTlToBr>
+                    <a:lnBlToTr w="12700" cmpd="sng">
+                      <a:noFill/>
+                      <a:prstDash val="solid"/>
+                    </a:lnBlToTr>
+                  </a:tcPr>
+                </a:tc>
+              </a:tr>
+              <a:tr h="361599">
+                <a:tc>
+                  <a:txBody>
+                    <a:bodyPr/>
+                    <a:lstStyle/>
+                    <a:p>
+                      <a:r>
+                        <a:rPr lang="en-GB" altLang="zh-CN" b="1" dirty="0" smtClean="0">
+                          <a:solidFill>
+                            <a:srgbClr val="FF0000"/>
+                          </a:solidFill>
+                        </a:rPr>
+                        <a:t>Image Process</a:t>
+                      </a:r>
+                      <a:endParaRPr lang="zh-CN" altLang="en-US" b="1" dirty="0">
+                        <a:solidFill>
+                          <a:srgbClr val="FF0000"/>
+                        </a:solidFill>
+                      </a:endParaRPr>
+                    </a:p>
+                  </a:txBody>
+                  <a:tcPr>
+                    <a:lnL w="12700" cap="flat" cmpd="sng" algn="ctr">
+                      <a:solidFill>
+                        <a:schemeClr val="tx1"/>
+                      </a:solidFill>
+                      <a:prstDash val="solid"/>
+                      <a:round/>
+                      <a:headEnd type="none" w="med" len="med"/>
+                      <a:tailEnd type="none" w="med" len="med"/>
+                    </a:lnL>
+                    <a:lnR w="12700" cap="flat" cmpd="sng" algn="ctr">
+                      <a:solidFill>
+                        <a:schemeClr val="tx1"/>
+                      </a:solidFill>
+                      <a:prstDash val="solid"/>
+                      <a:round/>
+                      <a:headEnd type="none" w="med" len="med"/>
+                      <a:tailEnd type="none" w="med" len="med"/>
+                    </a:lnR>
+                    <a:lnT w="12700" cap="flat" cmpd="sng" algn="ctr">
+                      <a:solidFill>
+                        <a:schemeClr val="tx1"/>
+                      </a:solidFill>
+                      <a:prstDash val="solid"/>
+                      <a:round/>
+                      <a:headEnd type="none" w="med" len="med"/>
+                      <a:tailEnd type="none" w="med" len="med"/>
+                    </a:lnT>
+                    <a:lnB w="12700" cap="flat" cmpd="sng" algn="ctr">
+                      <a:solidFill>
+                        <a:schemeClr val="tx1"/>
+                      </a:solidFill>
+                      <a:prstDash val="solid"/>
+                      <a:round/>
+                      <a:headEnd type="none" w="med" len="med"/>
+                      <a:tailEnd type="none" w="med" len="med"/>
+                    </a:lnB>
+                    <a:lnTlToBr w="12700" cmpd="sng">
+                      <a:noFill/>
+                      <a:prstDash val="solid"/>
+                    </a:lnTlToBr>
+                    <a:lnBlToTr w="12700" cmpd="sng">
+                      <a:noFill/>
+                      <a:prstDash val="solid"/>
+                    </a:lnBlToTr>
+                  </a:tcPr>
+                </a:tc>
+                <a:tc>
+                  <a:txBody>
+                    <a:bodyPr/>
+                    <a:lstStyle/>
+                    <a:p>
+                      <a:pPr algn="ctr"/>
+                      <a:r>
+                        <a:rPr lang="en-GB" altLang="zh-CN" b="1" dirty="0" smtClean="0">
+                          <a:solidFill>
+                            <a:srgbClr val="FF0000"/>
+                          </a:solidFill>
+                        </a:rPr>
+                        <a:t>Faster And Advance</a:t>
+                      </a:r>
+                      <a:endParaRPr lang="zh-CN" altLang="en-US" b="1" dirty="0">
+                        <a:solidFill>
+                          <a:srgbClr val="FF0000"/>
+                        </a:solidFill>
+                      </a:endParaRPr>
+                    </a:p>
+                  </a:txBody>
+                  <a:tcPr>
+                    <a:lnL w="12700" cap="flat" cmpd="sng" algn="ctr">
+                      <a:solidFill>
+                        <a:schemeClr val="tx1"/>
+                      </a:solidFill>
+                      <a:prstDash val="solid"/>
+                      <a:round/>
+                      <a:headEnd type="none" w="med" len="med"/>
+                      <a:tailEnd type="none" w="med" len="med"/>
+                    </a:lnL>
+                    <a:lnR w="12700" cap="flat" cmpd="sng" algn="ctr">
+                      <a:solidFill>
+                        <a:schemeClr val="tx1"/>
+                      </a:solidFill>
+                      <a:prstDash val="solid"/>
+                      <a:round/>
+                      <a:headEnd type="none" w="med" len="med"/>
+                      <a:tailEnd type="none" w="med" len="med"/>
+                    </a:lnR>
+                    <a:lnT w="12700" cap="flat" cmpd="sng" algn="ctr">
+                      <a:solidFill>
+                        <a:schemeClr val="tx1"/>
+                      </a:solidFill>
+                      <a:prstDash val="solid"/>
+                      <a:round/>
+                      <a:headEnd type="none" w="med" len="med"/>
+                      <a:tailEnd type="none" w="med" len="med"/>
+                    </a:lnT>
+                    <a:lnB w="12700" cap="flat" cmpd="sng" algn="ctr">
+                      <a:solidFill>
+                        <a:schemeClr val="tx1"/>
+                      </a:solidFill>
+                      <a:prstDash val="solid"/>
+                      <a:round/>
+                      <a:headEnd type="none" w="med" len="med"/>
+                      <a:tailEnd type="none" w="med" len="med"/>
+                    </a:lnB>
+                    <a:lnTlToBr w="12700" cmpd="sng">
+                      <a:noFill/>
+                      <a:prstDash val="solid"/>
+                    </a:lnTlToBr>
+                    <a:lnBlToTr w="12700" cmpd="sng">
+                      <a:noFill/>
+                      <a:prstDash val="solid"/>
+                    </a:lnBlToTr>
+                  </a:tcPr>
+                </a:tc>
+                <a:tc>
+                  <a:txBody>
+                    <a:bodyPr/>
+                    <a:lstStyle/>
+                    <a:p>
+                      <a:pPr algn="ctr"/>
+                      <a:r>
+                        <a:rPr lang="en-GB" altLang="zh-CN" b="1" dirty="0" smtClean="0">
+                          <a:solidFill>
+                            <a:srgbClr val="FF0000"/>
+                          </a:solidFill>
+                        </a:rPr>
+                        <a:t>Slow</a:t>
+                      </a:r>
+                      <a:r>
+                        <a:rPr lang="en-GB" altLang="zh-CN" b="1" baseline="0" dirty="0" smtClean="0">
+                          <a:solidFill>
+                            <a:srgbClr val="FF0000"/>
+                          </a:solidFill>
+                        </a:rPr>
+                        <a:t> And Basic</a:t>
+                      </a:r>
+                      <a:endParaRPr lang="zh-CN" altLang="en-US" b="1" dirty="0">
+                        <a:solidFill>
+                          <a:srgbClr val="FF0000"/>
+                        </a:solidFill>
+                      </a:endParaRPr>
+                    </a:p>
+                  </a:txBody>
+                  <a:tcPr>
+                    <a:lnL w="12700" cap="flat" cmpd="sng" algn="ctr">
+                      <a:solidFill>
+                        <a:schemeClr val="tx1"/>
+                      </a:solidFill>
+                      <a:prstDash val="solid"/>
+                      <a:round/>
+                      <a:headEnd type="none" w="med" len="med"/>
+                      <a:tailEnd type="none" w="med" len="med"/>
+                    </a:lnL>
+                    <a:lnR w="12700" cap="flat" cmpd="sng" algn="ctr">
+                      <a:solidFill>
+                        <a:schemeClr val="tx1"/>
+                      </a:solidFill>
+                      <a:prstDash val="solid"/>
+                      <a:round/>
+                      <a:headEnd type="none" w="med" len="med"/>
+                      <a:tailEnd type="none" w="med" len="med"/>
+                    </a:lnR>
+                    <a:lnT w="12700" cap="flat" cmpd="sng" algn="ctr">
+                      <a:solidFill>
+                        <a:schemeClr val="tx1"/>
+                      </a:solidFill>
+                      <a:prstDash val="solid"/>
+                      <a:round/>
+                      <a:headEnd type="none" w="med" len="med"/>
+                      <a:tailEnd type="none" w="med" len="med"/>
+                    </a:lnT>
+                    <a:lnB w="12700" cap="flat" cmpd="sng" algn="ctr">
+                      <a:solidFill>
+                        <a:schemeClr val="tx1"/>
+                      </a:solidFill>
+                      <a:prstDash val="solid"/>
+                      <a:round/>
+                      <a:headEnd type="none" w="med" len="med"/>
+                      <a:tailEnd type="none" w="med" len="med"/>
+                    </a:lnB>
+                    <a:lnTlToBr w="12700" cmpd="sng">
+                      <a:noFill/>
+                      <a:prstDash val="solid"/>
+                    </a:lnTlToBr>
+                    <a:lnBlToTr w="12700" cmpd="sng">
+                      <a:noFill/>
+                      <a:prstDash val="solid"/>
+                    </a:lnBlToTr>
+                  </a:tcPr>
+                </a:tc>
+              </a:tr>
+              <a:tr h="361599">
+                <a:tc>
+                  <a:txBody>
+                    <a:bodyPr/>
+                    <a:lstStyle/>
+                    <a:p>
+                      <a:r>
+                        <a:rPr lang="en-GB" altLang="zh-CN" dirty="0" smtClean="0"/>
+                        <a:t>Cooperation</a:t>
+                      </a:r>
+                      <a:endParaRPr lang="zh-CN" altLang="en-US" dirty="0"/>
+                    </a:p>
+                  </a:txBody>
+                  <a:tcPr>
+                    <a:lnL w="12700" cap="flat" cmpd="sng" algn="ctr">
+                      <a:solidFill>
+                        <a:schemeClr val="tx1"/>
+                      </a:solidFill>
+                      <a:prstDash val="solid"/>
+                      <a:round/>
+                      <a:headEnd type="none" w="med" len="med"/>
+                      <a:tailEnd type="none" w="med" len="med"/>
+                    </a:lnL>
+                    <a:lnR w="12700" cap="flat" cmpd="sng" algn="ctr">
+                      <a:solidFill>
+                        <a:schemeClr val="tx1"/>
+                      </a:solidFill>
+                      <a:prstDash val="solid"/>
+                      <a:round/>
+                      <a:headEnd type="none" w="med" len="med"/>
+                      <a:tailEnd type="none" w="med" len="med"/>
+                    </a:lnR>
+                    <a:lnT w="12700" cap="flat" cmpd="sng" algn="ctr">
+                      <a:solidFill>
+                        <a:schemeClr val="tx1"/>
+                      </a:solidFill>
+                      <a:prstDash val="solid"/>
+                      <a:round/>
+                      <a:headEnd type="none" w="med" len="med"/>
+                      <a:tailEnd type="none" w="med" len="med"/>
+                    </a:lnT>
+                    <a:lnB w="12700" cap="flat" cmpd="sng" algn="ctr">
+                      <a:solidFill>
+                        <a:schemeClr val="tx1"/>
+                      </a:solidFill>
+                      <a:prstDash val="solid"/>
+                      <a:round/>
+                      <a:headEnd type="none" w="med" len="med"/>
+                      <a:tailEnd type="none" w="med" len="med"/>
+                    </a:lnB>
+                    <a:lnTlToBr w="12700" cmpd="sng">
+                      <a:noFill/>
+                      <a:prstDash val="solid"/>
+                    </a:lnTlToBr>
+                    <a:lnBlToTr w="12700" cmpd="sng">
+                      <a:noFill/>
+                      <a:prstDash val="solid"/>
+                    </a:lnBlToTr>
+                  </a:tcPr>
+                </a:tc>
+                <a:tc>
+                  <a:txBody>
+                    <a:bodyPr/>
+                    <a:lstStyle/>
+                    <a:p>
+                      <a:pPr algn="ctr"/>
+                      <a:r>
+                        <a:rPr lang="en-GB" altLang="zh-CN" dirty="0" smtClean="0"/>
+                        <a:t>Yes</a:t>
+                      </a:r>
+                      <a:endParaRPr lang="zh-CN" altLang="en-US" dirty="0"/>
+                    </a:p>
+                  </a:txBody>
+                  <a:tcPr>
+                    <a:lnL w="12700" cap="flat" cmpd="sng" algn="ctr">
+                      <a:solidFill>
+                        <a:schemeClr val="tx1"/>
+                      </a:solidFill>
+                      <a:prstDash val="solid"/>
+                      <a:round/>
+                      <a:headEnd type="none" w="med" len="med"/>
+                      <a:tailEnd type="none" w="med" len="med"/>
+                    </a:lnL>
+                    <a:lnR w="12700" cap="flat" cmpd="sng" algn="ctr">
+                      <a:solidFill>
+                        <a:schemeClr val="tx1"/>
+                      </a:solidFill>
+                      <a:prstDash val="solid"/>
+                      <a:round/>
+                      <a:headEnd type="none" w="med" len="med"/>
+                      <a:tailEnd type="none" w="med" len="med"/>
+                    </a:lnR>
+                    <a:lnT w="12700" cap="flat" cmpd="sng" algn="ctr">
+                      <a:solidFill>
+                        <a:schemeClr val="tx1"/>
+                      </a:solidFill>
+                      <a:prstDash val="solid"/>
+                      <a:round/>
+                      <a:headEnd type="none" w="med" len="med"/>
+                      <a:tailEnd type="none" w="med" len="med"/>
+                    </a:lnT>
+                    <a:lnB w="12700" cap="flat" cmpd="sng" algn="ctr">
+                      <a:solidFill>
+                        <a:schemeClr val="tx1"/>
+                      </a:solidFill>
+                      <a:prstDash val="solid"/>
+                      <a:round/>
+                      <a:headEnd type="none" w="med" len="med"/>
+                      <a:tailEnd type="none" w="med" len="med"/>
+                    </a:lnB>
+                    <a:lnTlToBr w="12700" cmpd="sng">
+                      <a:noFill/>
+                      <a:prstDash val="solid"/>
+                    </a:lnTlToBr>
+                    <a:lnBlToTr w="12700" cmpd="sng">
+                      <a:noFill/>
+                      <a:prstDash val="solid"/>
+                    </a:lnBlToTr>
+                  </a:tcPr>
+                </a:tc>
+                <a:tc>
+                  <a:txBody>
+                    <a:bodyPr/>
+                    <a:lstStyle/>
+                    <a:p>
+                      <a:pPr algn="ctr"/>
+                      <a:r>
+                        <a:rPr lang="en-GB" altLang="zh-CN" dirty="0" smtClean="0"/>
+                        <a:t>Yes</a:t>
+                      </a:r>
+                      <a:endParaRPr lang="zh-CN" altLang="en-US" dirty="0"/>
+                    </a:p>
+                  </a:txBody>
+                  <a:tcPr>
+                    <a:lnL w="12700" cap="flat" cmpd="sng" algn="ctr">
+                      <a:solidFill>
+                        <a:schemeClr val="tx1"/>
+                      </a:solidFill>
+                      <a:prstDash val="solid"/>
+                      <a:round/>
+                      <a:headEnd type="none" w="med" len="med"/>
+                      <a:tailEnd type="none" w="med" len="med"/>
+                    </a:lnL>
+                    <a:lnR w="12700" cap="flat" cmpd="sng" algn="ctr">
+                      <a:solidFill>
+                        <a:schemeClr val="tx1"/>
+                      </a:solidFill>
+                      <a:prstDash val="solid"/>
+                      <a:round/>
+                      <a:headEnd type="none" w="med" len="med"/>
+                      <a:tailEnd type="none" w="med" len="med"/>
+                    </a:lnR>
+                    <a:lnT w="12700" cap="flat" cmpd="sng" algn="ctr">
+                      <a:solidFill>
+                        <a:schemeClr val="tx1"/>
+                      </a:solidFill>
+                      <a:prstDash val="solid"/>
+                      <a:round/>
+                      <a:headEnd type="none" w="med" len="med"/>
+                      <a:tailEnd type="none" w="med" len="med"/>
+                    </a:lnT>
+                    <a:lnB w="12700" cap="flat" cmpd="sng" algn="ctr">
+                      <a:solidFill>
+                        <a:schemeClr val="tx1"/>
+                      </a:solidFill>
+                      <a:prstDash val="solid"/>
+                      <a:round/>
+                      <a:headEnd type="none" w="med" len="med"/>
+                      <a:tailEnd type="none" w="med" len="med"/>
+                    </a:lnB>
+                    <a:lnTlToBr w="12700" cmpd="sng">
+                      <a:noFill/>
+                      <a:prstDash val="solid"/>
+                    </a:lnTlToBr>
+                    <a:lnBlToTr w="12700" cmpd="sng">
+                      <a:noFill/>
+                      <a:prstDash val="solid"/>
+                    </a:lnBlToTr>
+                  </a:tcPr>
+                </a:tc>
+              </a:tr>
             </a:tbl>
           </a:graphicData>
         </a:graphic>
@@ -5343,8 +5690,8 @@
         </p:nvSpPr>
         <p:spPr>
           <a:xfrm>
-            <a:off x="416526" y="5217964"/>
-            <a:ext cx="4968552" cy="923330"/>
+            <a:off x="5076056" y="1321931"/>
+            <a:ext cx="4067944" cy="3877985"/>
           </a:xfrm>
           <a:prstGeom prst="rect">
             <a:avLst/>
@@ -5358,35 +5705,362 @@
           <a:lstStyle/>
           <a:p>
             <a:pPr marL="342900" indent="-342900">
+              <a:spcBef>
+                <a:spcPts val="600"/>
+              </a:spcBef>
               <a:buFont typeface="Arial" panose="020B0604020202020204" pitchFamily="34" charset="0"/>
               <a:buChar char="•"/>
             </a:pPr>
+            <a:r>
+              <a:rPr lang="en-GB" altLang="zh-CN" sz="1800" dirty="0">
+                <a:latin typeface="Ebrima" panose="02000000000000000000" pitchFamily="2" charset="0"/>
+                <a:ea typeface="Ebrima" panose="02000000000000000000" pitchFamily="2" charset="0"/>
+                <a:cs typeface="Ebrima" panose="02000000000000000000" pitchFamily="2" charset="0"/>
+              </a:rPr>
+              <a:t>Plan A needs </a:t>
+            </a:r>
+            <a:r>
+              <a:rPr lang="en-GB" altLang="zh-CN" sz="1800" b="1" dirty="0">
+                <a:latin typeface="Ebrima" panose="02000000000000000000" pitchFamily="2" charset="0"/>
+                <a:ea typeface="Ebrima" panose="02000000000000000000" pitchFamily="2" charset="0"/>
+                <a:cs typeface="Ebrima" panose="02000000000000000000" pitchFamily="2" charset="0"/>
+              </a:rPr>
+              <a:t>extra laptops </a:t>
+            </a:r>
+            <a:r>
+              <a:rPr lang="en-GB" altLang="zh-CN" sz="1800" dirty="0">
+                <a:latin typeface="Ebrima" panose="02000000000000000000" pitchFamily="2" charset="0"/>
+                <a:ea typeface="Ebrima" panose="02000000000000000000" pitchFamily="2" charset="0"/>
+                <a:cs typeface="Ebrima" panose="02000000000000000000" pitchFamily="2" charset="0"/>
+              </a:rPr>
+              <a:t>for each Robot</a:t>
+            </a:r>
+            <a:r>
+              <a:rPr lang="en-GB" altLang="zh-CN" sz="1800" dirty="0" smtClean="0">
+                <a:latin typeface="Ebrima" panose="02000000000000000000" pitchFamily="2" charset="0"/>
+                <a:ea typeface="Ebrima" panose="02000000000000000000" pitchFamily="2" charset="0"/>
+                <a:cs typeface="Ebrima" panose="02000000000000000000" pitchFamily="2" charset="0"/>
+              </a:rPr>
+              <a:t>.</a:t>
+            </a:r>
+          </a:p>
+          <a:p>
+            <a:pPr marL="342900" indent="-342900">
+              <a:spcBef>
+                <a:spcPts val="600"/>
+              </a:spcBef>
+              <a:buFont typeface="Arial" panose="020B0604020202020204" pitchFamily="34" charset="0"/>
+              <a:buChar char="•"/>
+            </a:pPr>
+            <a:r>
+              <a:rPr lang="en-GB" altLang="zh-CN" sz="1800" dirty="0" smtClean="0">
+                <a:latin typeface="Ebrima" panose="02000000000000000000" pitchFamily="2" charset="0"/>
+                <a:ea typeface="Ebrima" panose="02000000000000000000" pitchFamily="2" charset="0"/>
+                <a:cs typeface="Ebrima" panose="02000000000000000000" pitchFamily="2" charset="0"/>
+              </a:rPr>
+              <a:t>Plan A can support</a:t>
+            </a:r>
             <a:r>
               <a:rPr lang="en-GB" altLang="zh-CN" sz="1800" b="1" dirty="0" smtClean="0">
                 <a:latin typeface="Ebrima" panose="02000000000000000000" pitchFamily="2" charset="0"/>
                 <a:ea typeface="Ebrima" panose="02000000000000000000" pitchFamily="2" charset="0"/>
                 <a:cs typeface="Ebrima" panose="02000000000000000000" pitchFamily="2" charset="0"/>
               </a:rPr>
-              <a:t>Plan A can support more software.</a:t>
-            </a:r>
+              <a:t> more software</a:t>
+            </a:r>
+            <a:r>
+              <a:rPr lang="en-GB" altLang="zh-CN" sz="1800" dirty="0" smtClean="0">
+                <a:latin typeface="Ebrima" panose="02000000000000000000" pitchFamily="2" charset="0"/>
+                <a:ea typeface="Ebrima" panose="02000000000000000000" pitchFamily="2" charset="0"/>
+                <a:cs typeface="Ebrima" panose="02000000000000000000" pitchFamily="2" charset="0"/>
+              </a:rPr>
+              <a:t>. </a:t>
+            </a:r>
+            <a:endParaRPr lang="en-GB" altLang="zh-CN" sz="1800" b="1" dirty="0" smtClean="0">
+              <a:latin typeface="Ebrima" panose="02000000000000000000" pitchFamily="2" charset="0"/>
+              <a:ea typeface="Ebrima" panose="02000000000000000000" pitchFamily="2" charset="0"/>
+              <a:cs typeface="Ebrima" panose="02000000000000000000" pitchFamily="2" charset="0"/>
+            </a:endParaRPr>
           </a:p>
           <a:p>
             <a:pPr marL="342900" indent="-342900">
+              <a:spcBef>
+                <a:spcPts val="600"/>
+              </a:spcBef>
               <a:buFont typeface="Arial" panose="020B0604020202020204" pitchFamily="34" charset="0"/>
               <a:buChar char="•"/>
             </a:pPr>
+            <a:r>
+              <a:rPr lang="en-GB" altLang="zh-CN" sz="1800" dirty="0" smtClean="0">
+                <a:latin typeface="Ebrima" panose="02000000000000000000" pitchFamily="2" charset="0"/>
+                <a:ea typeface="Ebrima" panose="02000000000000000000" pitchFamily="2" charset="0"/>
+                <a:cs typeface="Ebrima" panose="02000000000000000000" pitchFamily="2" charset="0"/>
+              </a:rPr>
+              <a:t>Plan </a:t>
+            </a:r>
+            <a:r>
+              <a:rPr lang="en-GB" altLang="zh-CN" sz="1800" dirty="0">
+                <a:latin typeface="Ebrima" panose="02000000000000000000" pitchFamily="2" charset="0"/>
+                <a:ea typeface="Ebrima" panose="02000000000000000000" pitchFamily="2" charset="0"/>
+                <a:cs typeface="Ebrima" panose="02000000000000000000" pitchFamily="2" charset="0"/>
+              </a:rPr>
+              <a:t>A is </a:t>
+            </a:r>
+            <a:r>
+              <a:rPr lang="en-GB" altLang="zh-CN" sz="1800" dirty="0" smtClean="0">
+                <a:latin typeface="Ebrima" panose="02000000000000000000" pitchFamily="2" charset="0"/>
+                <a:ea typeface="Ebrima" panose="02000000000000000000" pitchFamily="2" charset="0"/>
+                <a:cs typeface="Ebrima" panose="02000000000000000000" pitchFamily="2" charset="0"/>
+              </a:rPr>
+              <a:t> </a:t>
+            </a:r>
+            <a:r>
+              <a:rPr lang="en-GB" altLang="zh-CN" sz="1800" b="1" i="1" dirty="0" smtClean="0"/>
+              <a:t>50–100 </a:t>
+            </a:r>
+            <a:r>
+              <a:rPr lang="en-GB" altLang="zh-CN" sz="1800" b="1" i="1" dirty="0"/>
+              <a:t>times faster </a:t>
+            </a:r>
+            <a:r>
+              <a:rPr lang="en-GB" altLang="zh-CN" sz="1800" b="1" i="1" dirty="0" smtClean="0"/>
+              <a:t>than Plan B</a:t>
+            </a:r>
+            <a:r>
+              <a:rPr lang="en-GB" altLang="zh-CN" sz="1800" dirty="0" smtClean="0">
+                <a:latin typeface="Ebrima" panose="02000000000000000000" pitchFamily="2" charset="0"/>
+                <a:ea typeface="Ebrima" panose="02000000000000000000" pitchFamily="2" charset="0"/>
+                <a:cs typeface="Ebrima" panose="02000000000000000000" pitchFamily="2" charset="0"/>
+              </a:rPr>
+              <a:t> </a:t>
+            </a:r>
+            <a:r>
+              <a:rPr lang="en-GB" altLang="zh-CN" sz="1800" dirty="0">
+                <a:latin typeface="Ebrima" panose="02000000000000000000" pitchFamily="2" charset="0"/>
+                <a:ea typeface="Ebrima" panose="02000000000000000000" pitchFamily="2" charset="0"/>
+                <a:cs typeface="Ebrima" panose="02000000000000000000" pitchFamily="2" charset="0"/>
+              </a:rPr>
+              <a:t>when using GPU for image processing*  </a:t>
+            </a:r>
+            <a:endParaRPr lang="en-GB" altLang="zh-CN" sz="1800" dirty="0" smtClean="0">
+              <a:latin typeface="Ebrima" panose="02000000000000000000" pitchFamily="2" charset="0"/>
+              <a:ea typeface="Ebrima" panose="02000000000000000000" pitchFamily="2" charset="0"/>
+              <a:cs typeface="Ebrima" panose="02000000000000000000" pitchFamily="2" charset="0"/>
+            </a:endParaRPr>
+          </a:p>
+          <a:p>
+            <a:pPr marL="342900" indent="-342900">
+              <a:spcBef>
+                <a:spcPts val="600"/>
+              </a:spcBef>
+              <a:buFont typeface="Arial" panose="020B0604020202020204" pitchFamily="34" charset="0"/>
+              <a:buChar char="•"/>
+            </a:pPr>
+            <a:endParaRPr lang="en-GB" altLang="zh-CN" sz="1800" dirty="0" smtClean="0">
+              <a:latin typeface="Ebrima" panose="02000000000000000000" pitchFamily="2" charset="0"/>
+              <a:ea typeface="Ebrima" panose="02000000000000000000" pitchFamily="2" charset="0"/>
+              <a:cs typeface="Ebrima" panose="02000000000000000000" pitchFamily="2" charset="0"/>
+            </a:endParaRPr>
+          </a:p>
+          <a:p>
+            <a:pPr marL="342900" indent="-342900">
+              <a:spcBef>
+                <a:spcPts val="600"/>
+              </a:spcBef>
+              <a:buFont typeface="Arial" panose="020B0604020202020204" pitchFamily="34" charset="0"/>
+              <a:buChar char="•"/>
+            </a:pPr>
+            <a:r>
+              <a:rPr lang="en-GB" altLang="zh-CN" sz="1800" dirty="0">
+                <a:latin typeface="Ebrima" panose="02000000000000000000" pitchFamily="2" charset="0"/>
+                <a:ea typeface="Ebrima" panose="02000000000000000000" pitchFamily="2" charset="0"/>
+                <a:cs typeface="Ebrima" panose="02000000000000000000" pitchFamily="2" charset="0"/>
+              </a:rPr>
+              <a:t>Plan B has the </a:t>
+            </a:r>
+            <a:r>
+              <a:rPr lang="en-GB" altLang="zh-CN" sz="1800" b="1" dirty="0">
+                <a:latin typeface="Ebrima" panose="02000000000000000000" pitchFamily="2" charset="0"/>
+                <a:ea typeface="Ebrima" panose="02000000000000000000" pitchFamily="2" charset="0"/>
+                <a:cs typeface="Ebrima" panose="02000000000000000000" pitchFamily="2" charset="0"/>
+              </a:rPr>
+              <a:t>simple hardware structure</a:t>
+            </a:r>
+            <a:r>
+              <a:rPr lang="en-GB" altLang="zh-CN" sz="1800" dirty="0">
+                <a:latin typeface="Ebrima" panose="02000000000000000000" pitchFamily="2" charset="0"/>
+                <a:ea typeface="Ebrima" panose="02000000000000000000" pitchFamily="2" charset="0"/>
+                <a:cs typeface="Ebrima" panose="02000000000000000000" pitchFamily="2" charset="0"/>
+              </a:rPr>
+              <a:t>.</a:t>
+            </a:r>
+          </a:p>
+          <a:p>
+            <a:pPr marL="342900" indent="-342900">
+              <a:spcBef>
+                <a:spcPts val="600"/>
+              </a:spcBef>
+              <a:buFont typeface="Arial" panose="020B0604020202020204" pitchFamily="34" charset="0"/>
+              <a:buChar char="•"/>
+            </a:pPr>
+            <a:r>
+              <a:rPr lang="en-GB" altLang="zh-CN" sz="1800" dirty="0">
+                <a:latin typeface="Ebrima" panose="02000000000000000000" pitchFamily="2" charset="0"/>
+                <a:ea typeface="Ebrima" panose="02000000000000000000" pitchFamily="2" charset="0"/>
+                <a:cs typeface="Ebrima" panose="02000000000000000000" pitchFamily="2" charset="0"/>
+              </a:rPr>
+              <a:t>Plan B costs </a:t>
+            </a:r>
+            <a:r>
+              <a:rPr lang="en-GB" altLang="zh-CN" sz="1800" b="1" dirty="0">
+                <a:latin typeface="Ebrima" panose="02000000000000000000" pitchFamily="2" charset="0"/>
+                <a:ea typeface="Ebrima" panose="02000000000000000000" pitchFamily="2" charset="0"/>
+                <a:cs typeface="Ebrima" panose="02000000000000000000" pitchFamily="2" charset="0"/>
+              </a:rPr>
+              <a:t>more less</a:t>
+            </a:r>
+            <a:r>
+              <a:rPr lang="en-GB" altLang="zh-CN" sz="1800" dirty="0" smtClean="0">
+                <a:latin typeface="Ebrima" panose="02000000000000000000" pitchFamily="2" charset="0"/>
+                <a:ea typeface="Ebrima" panose="02000000000000000000" pitchFamily="2" charset="0"/>
+                <a:cs typeface="Ebrima" panose="02000000000000000000" pitchFamily="2" charset="0"/>
+              </a:rPr>
+              <a:t>.</a:t>
+            </a:r>
+          </a:p>
+          <a:p>
+            <a:pPr marL="342900" indent="-342900">
+              <a:spcBef>
+                <a:spcPts val="600"/>
+              </a:spcBef>
+              <a:buFont typeface="Arial" panose="020B0604020202020204" pitchFamily="34" charset="0"/>
+              <a:buChar char="•"/>
+            </a:pPr>
+            <a:r>
+              <a:rPr lang="en-GB" altLang="zh-CN" sz="1800" dirty="0">
+                <a:latin typeface="Ebrima" panose="02000000000000000000" pitchFamily="2" charset="0"/>
+                <a:ea typeface="Ebrima" panose="02000000000000000000" pitchFamily="2" charset="0"/>
+                <a:cs typeface="Ebrima" panose="02000000000000000000" pitchFamily="2" charset="0"/>
+              </a:rPr>
+              <a:t>Plan B needs </a:t>
+            </a:r>
+            <a:r>
+              <a:rPr lang="en-GB" altLang="zh-CN" sz="1800" b="1" dirty="0">
+                <a:latin typeface="Ebrima" panose="02000000000000000000" pitchFamily="2" charset="0"/>
+                <a:ea typeface="Ebrima" panose="02000000000000000000" pitchFamily="2" charset="0"/>
+                <a:cs typeface="Ebrima" panose="02000000000000000000" pitchFamily="2" charset="0"/>
+              </a:rPr>
+              <a:t>transform current platform to </a:t>
+            </a:r>
+            <a:r>
+              <a:rPr lang="en-GB" altLang="zh-CN" sz="1800" b="1" dirty="0" err="1">
+                <a:latin typeface="Ebrima" panose="02000000000000000000" pitchFamily="2" charset="0"/>
+                <a:ea typeface="Ebrima" panose="02000000000000000000" pitchFamily="2" charset="0"/>
+                <a:cs typeface="Ebrima" panose="02000000000000000000" pitchFamily="2" charset="0"/>
+              </a:rPr>
+              <a:t>linux</a:t>
+            </a:r>
             <a:r>
               <a:rPr lang="en-GB" altLang="zh-CN" sz="1800" b="1" dirty="0" smtClean="0">
                 <a:latin typeface="Ebrima" panose="02000000000000000000" pitchFamily="2" charset="0"/>
                 <a:ea typeface="Ebrima" panose="02000000000000000000" pitchFamily="2" charset="0"/>
                 <a:cs typeface="Ebrima" panose="02000000000000000000" pitchFamily="2" charset="0"/>
               </a:rPr>
-              <a:t>Plan B need move current platform from windows to Linux</a:t>
-            </a:r>
-            <a:endParaRPr lang="zh-CN" altLang="en-US" sz="1800" b="1" dirty="0">
+              <a:t>.</a:t>
+            </a:r>
+            <a:endParaRPr lang="en-GB" altLang="zh-CN" sz="1800" b="1" dirty="0">
               <a:latin typeface="Ebrima" panose="02000000000000000000" pitchFamily="2" charset="0"/>
+              <a:ea typeface="Ebrima" panose="02000000000000000000" pitchFamily="2" charset="0"/>
               <a:cs typeface="Ebrima" panose="02000000000000000000" pitchFamily="2" charset="0"/>
             </a:endParaRPr>
+          </a:p>
+        </p:txBody>
+      </p:sp>
+      <p:sp>
+        <p:nvSpPr>
+          <p:cNvPr id="11" name="矩形 10"/>
+          <p:cNvSpPr/>
+          <p:nvPr/>
+        </p:nvSpPr>
+        <p:spPr>
+          <a:xfrm>
+            <a:off x="179512" y="5548376"/>
+            <a:ext cx="8712967" cy="646331"/>
+          </a:xfrm>
+          <a:prstGeom prst="rect">
+            <a:avLst/>
+          </a:prstGeom>
+        </p:spPr>
+        <p:txBody>
+          <a:bodyPr wrap="square">
+            <a:spAutoFit/>
+          </a:bodyPr>
+          <a:lstStyle/>
+          <a:p>
+            <a:r>
+              <a:rPr lang="en-GB" altLang="zh-CN" sz="1800" dirty="0" smtClean="0">
+                <a:latin typeface="Ebrima" panose="02000000000000000000" pitchFamily="2" charset="0"/>
+                <a:ea typeface="Ebrima" panose="02000000000000000000" pitchFamily="2" charset="0"/>
+                <a:cs typeface="Ebrima" panose="02000000000000000000" pitchFamily="2" charset="0"/>
+                <a:hlinkClick r:id="rId3"/>
+              </a:rPr>
+              <a:t>*</a:t>
+            </a:r>
+            <a:r>
+              <a:rPr lang="zh-CN" altLang="en-US" sz="1800" dirty="0" smtClean="0">
+                <a:latin typeface="Ebrima" panose="02000000000000000000" pitchFamily="2" charset="0"/>
+                <a:ea typeface="Ebrima" panose="02000000000000000000" pitchFamily="2" charset="0"/>
+                <a:cs typeface="Ebrima" panose="02000000000000000000" pitchFamily="2" charset="0"/>
+                <a:hlinkClick r:id="rId3"/>
+              </a:rPr>
+              <a:t>https</a:t>
+            </a:r>
+            <a:r>
+              <a:rPr lang="zh-CN" altLang="en-US" sz="1800" dirty="0">
+                <a:latin typeface="Ebrima" panose="02000000000000000000" pitchFamily="2" charset="0"/>
+                <a:ea typeface="Ebrima" panose="02000000000000000000" pitchFamily="2" charset="0"/>
+                <a:cs typeface="Ebrima" panose="02000000000000000000" pitchFamily="2" charset="0"/>
+                <a:hlinkClick r:id="rId3"/>
+              </a:rPr>
+              <a:t>://medium.com/altumea/gpu-vs-cpu-computing-what-to-choose-a9788a2370c4</a:t>
+            </a:r>
+            <a:endParaRPr lang="zh-CN" altLang="en-US" sz="1800" dirty="0">
+              <a:latin typeface="Ebrima" panose="02000000000000000000" pitchFamily="2" charset="0"/>
+              <a:ea typeface="Ebrima" panose="02000000000000000000" pitchFamily="2" charset="0"/>
+              <a:cs typeface="Ebrima" panose="02000000000000000000" pitchFamily="2" charset="0"/>
+            </a:endParaRPr>
+          </a:p>
+        </p:txBody>
+      </p:sp>
+      <p:sp>
+        <p:nvSpPr>
+          <p:cNvPr id="4" name="矩形 3"/>
+          <p:cNvSpPr/>
+          <p:nvPr/>
+        </p:nvSpPr>
+        <p:spPr>
+          <a:xfrm>
+            <a:off x="323528" y="1121876"/>
+            <a:ext cx="1965603" cy="400110"/>
+          </a:xfrm>
+          <a:prstGeom prst="rect">
+            <a:avLst/>
+          </a:prstGeom>
+        </p:spPr>
+        <p:txBody>
+          <a:bodyPr wrap="none">
+            <a:spAutoFit/>
+          </a:bodyPr>
+          <a:lstStyle/>
+          <a:p>
+            <a:pPr marL="342900" indent="-342900">
+              <a:buFontTx/>
+              <a:buChar char="-"/>
+            </a:pPr>
+            <a:r>
+              <a:rPr lang="de-DE" altLang="zh-CN" b="1" dirty="0"/>
+              <a:t>Comparision</a:t>
+            </a:r>
           </a:p>
         </p:txBody>
       </p:sp>
@@ -5436,7 +6110,7 @@
         <p:spPr>
           <a:xfrm>
             <a:off x="539552" y="1127500"/>
-            <a:ext cx="2981072" cy="1015663"/>
+            <a:ext cx="3235886" cy="400110"/>
           </a:xfrm>
           <a:prstGeom prst="rect">
             <a:avLst/>
@@ -5449,39 +6123,17 @@
           </a:bodyPr>
           <a:lstStyle/>
           <a:p>
-            <a:pPr marL="342900" indent="-342900">
-              <a:buFontTx/>
-              <a:buChar char="-"/>
-            </a:pPr>
+            <a:r>
+              <a:rPr lang="de-DE" b="1" dirty="0">
+                <a:latin typeface="+mn-lt"/>
+              </a:rPr>
+              <a:t>Distrubute System For </a:t>
+            </a:r>
             <a:r>
               <a:rPr lang="de-DE" b="1" dirty="0" smtClean="0">
                 <a:latin typeface="+mn-lt"/>
               </a:rPr>
-              <a:t>Comparision</a:t>
-            </a:r>
-          </a:p>
-          <a:p>
-            <a:pPr marL="914400" lvl="1" indent="-457200">
-              <a:buFont typeface="+mj-lt"/>
-              <a:buAutoNum type="arabicPeriod"/>
-            </a:pPr>
-            <a:r>
-              <a:rPr lang="de-DE" dirty="0" smtClean="0">
-                <a:latin typeface="+mn-lt"/>
-              </a:rPr>
-              <a:t>Support Software</a:t>
-            </a:r>
-          </a:p>
-          <a:p>
-            <a:pPr marL="914400" lvl="1" indent="-457200">
-              <a:buFont typeface="+mj-lt"/>
-              <a:buAutoNum type="arabicPeriod"/>
-            </a:pPr>
-            <a:r>
-              <a:rPr lang="de-DE" b="1" dirty="0" smtClean="0">
-                <a:latin typeface="+mn-lt"/>
-              </a:rPr>
-              <a:t>Support Technik</a:t>
+              <a:t>Robot</a:t>
             </a:r>
           </a:p>
         </p:txBody>
@@ -5495,7 +6147,7 @@
         <p:spPr>
           <a:xfrm>
             <a:off x="3419872" y="188640"/>
-            <a:ext cx="3516797" cy="461665"/>
+            <a:ext cx="3760645" cy="461665"/>
           </a:xfrm>
           <a:prstGeom prst="rect">
             <a:avLst/>
@@ -5512,7 +6164,7 @@
               <a:rPr lang="de-DE" sz="2400" dirty="0" smtClean="0">
                 <a:latin typeface="+mn-lt"/>
               </a:rPr>
-              <a:t>Hardware Connection Plan</a:t>
+              <a:t>Distrubute System For Robot</a:t>
             </a:r>
             <a:endParaRPr lang="de-DE" sz="2400" dirty="0">
               <a:latin typeface="+mn-lt"/>
@@ -5520,119 +6172,16 @@
           </a:p>
         </p:txBody>
       </p:sp>
-      <p:pic>
-        <p:nvPicPr>
-          <p:cNvPr id="2" name="图片 1"/>
-          <p:cNvPicPr>
-            <a:picLocks noChangeAspect="1"/>
-          </p:cNvPicPr>
+      <p:sp>
+        <p:nvSpPr>
+          <p:cNvPr id="4" name="文本框 3"/>
+          <p:cNvSpPr txBox="1"/>
           <p:nvPr/>
-        </p:nvPicPr>
-        <p:blipFill>
-          <a:blip r:embed="rId2">
-            <a:extLst>
-              <a:ext uri="{28A0092B-C50C-407E-A947-70E740481C1C}">
-                <a14:useLocalDpi xmlns:a14="http://schemas.microsoft.com/office/drawing/2010/main" val="0"/>
-              </a:ext>
-            </a:extLst>
-          </a:blip>
-          <a:stretch>
-            <a:fillRect/>
-          </a:stretch>
-        </p:blipFill>
+        </p:nvSpPr>
         <p:spPr>
           <a:xfrm>
-            <a:off x="5556324" y="3985965"/>
-            <a:ext cx="3373715" cy="2088232"/>
-          </a:xfrm>
-          <a:prstGeom prst="rect">
-            <a:avLst/>
-          </a:prstGeom>
-          <a:effectLst>
-            <a:outerShdw blurRad="50800" dist="38100" dir="2700000" algn="tl" rotWithShape="0">
-              <a:prstClr val="black">
-                <a:alpha val="40000"/>
-              </a:prstClr>
-            </a:outerShdw>
-          </a:effectLst>
-        </p:spPr>
-        <p:style>
-          <a:lnRef idx="2">
-            <a:schemeClr val="dk1"/>
-          </a:lnRef>
-          <a:fillRef idx="1">
-            <a:schemeClr val="lt1"/>
-          </a:fillRef>
-          <a:effectRef idx="0">
-            <a:schemeClr val="dk1"/>
-          </a:effectRef>
-          <a:fontRef idx="minor">
-            <a:schemeClr val="dk1"/>
-          </a:fontRef>
-        </p:style>
-      </p:pic>
-      <p:pic>
-        <p:nvPicPr>
-          <p:cNvPr id="5" name="图片 4"/>
-          <p:cNvPicPr>
-            <a:picLocks noChangeAspect="1"/>
-          </p:cNvPicPr>
-          <p:nvPr/>
-        </p:nvPicPr>
-        <p:blipFill>
-          <a:blip r:embed="rId3" cstate="print">
-            <a:extLst>
-              <a:ext uri="{28A0092B-C50C-407E-A947-70E740481C1C}">
-                <a14:useLocalDpi xmlns:a14="http://schemas.microsoft.com/office/drawing/2010/main" val="0"/>
-              </a:ext>
-            </a:extLst>
-          </a:blip>
-          <a:stretch>
-            <a:fillRect/>
-          </a:stretch>
-        </p:blipFill>
-        <p:spPr>
-          <a:xfrm>
-            <a:off x="5556324" y="1135636"/>
-            <a:ext cx="3373715" cy="2229754"/>
-          </a:xfrm>
-          <a:prstGeom prst="rect">
-            <a:avLst/>
-          </a:prstGeom>
-          <a:ln/>
-          <a:effectLst>
-            <a:outerShdw blurRad="50800" dist="38100" dir="2700000" algn="tl" rotWithShape="0">
-              <a:prstClr val="black">
-                <a:alpha val="40000"/>
-              </a:prstClr>
-            </a:outerShdw>
-          </a:effectLst>
-        </p:spPr>
-        <p:style>
-          <a:lnRef idx="2">
-            <a:schemeClr val="dk1"/>
-          </a:lnRef>
-          <a:fillRef idx="1">
-            <a:schemeClr val="lt1"/>
-          </a:fillRef>
-          <a:effectRef idx="0">
-            <a:schemeClr val="dk1"/>
-          </a:effectRef>
-          <a:fontRef idx="minor">
-            <a:schemeClr val="dk1"/>
-          </a:fontRef>
-        </p:style>
-      </p:pic>
-      <p:sp>
-        <p:nvSpPr>
-          <p:cNvPr id="3" name="文本框 2"/>
-          <p:cNvSpPr txBox="1"/>
-          <p:nvPr/>
-        </p:nvSpPr>
-        <p:spPr>
-          <a:xfrm>
-            <a:off x="5898817" y="3365390"/>
-            <a:ext cx="2736304" cy="461665"/>
+            <a:off x="575544" y="1527610"/>
+            <a:ext cx="8064896" cy="2862322"/>
           </a:xfrm>
           <a:prstGeom prst="rect">
             <a:avLst/>
@@ -5645,956 +6194,121 @@
           </a:bodyPr>
           <a:lstStyle/>
           <a:p>
-            <a:pPr algn="ctr"/>
-            <a:r>
-              <a:rPr lang="en-GB" altLang="zh-CN" sz="2400" dirty="0">
+            <a:r>
+              <a:rPr lang="en-GB" altLang="zh-CN" dirty="0">
                 <a:latin typeface="+mn-lt"/>
               </a:rPr>
-              <a:t>PLAN</a:t>
-            </a:r>
-            <a:r>
-              <a:rPr lang="en-GB" altLang="zh-CN" sz="2400" dirty="0">
+              <a:t> </a:t>
+            </a:r>
+            <a:r>
+              <a:rPr lang="en-GB" altLang="zh-CN" dirty="0" smtClean="0">
                 <a:latin typeface="+mn-lt"/>
               </a:rPr>
-              <a:t> A</a:t>
-            </a:r>
-            <a:endParaRPr lang="zh-CN" altLang="en-US" sz="2400" dirty="0">
-              <a:latin typeface="+mn-lt"/>
-            </a:endParaRPr>
-          </a:p>
-        </p:txBody>
-      </p:sp>
-      <p:sp>
-        <p:nvSpPr>
-          <p:cNvPr id="7" name="文本框 6"/>
-          <p:cNvSpPr txBox="1"/>
-          <p:nvPr/>
-        </p:nvSpPr>
-        <p:spPr>
-          <a:xfrm>
-            <a:off x="5898817" y="6074197"/>
-            <a:ext cx="2736304" cy="461665"/>
-          </a:xfrm>
-          <a:prstGeom prst="rect">
-            <a:avLst/>
-          </a:prstGeom>
-          <a:noFill/>
-        </p:spPr>
-        <p:txBody>
-          <a:bodyPr wrap="square" rtlCol="0">
-            <a:spAutoFit/>
-          </a:bodyPr>
-          <a:lstStyle/>
-          <a:p>
-            <a:pPr algn="ctr"/>
-            <a:r>
-              <a:rPr lang="en-GB" altLang="zh-CN" sz="2400" dirty="0">
-                <a:latin typeface="+mn-lt"/>
-              </a:rPr>
-              <a:t>PLAN</a:t>
-            </a:r>
-            <a:r>
-              <a:rPr lang="en-GB" altLang="zh-CN" sz="2400" dirty="0">
-                <a:latin typeface="+mn-lt"/>
-              </a:rPr>
-              <a:t> </a:t>
-            </a:r>
-            <a:r>
-              <a:rPr lang="en-GB" altLang="zh-CN" sz="2400" dirty="0" smtClean="0">
-                <a:latin typeface="+mn-lt"/>
-              </a:rPr>
-              <a:t>B</a:t>
-            </a:r>
-            <a:endParaRPr lang="zh-CN" altLang="en-US" sz="2400" dirty="0">
-              <a:latin typeface="+mn-lt"/>
-            </a:endParaRPr>
-          </a:p>
-        </p:txBody>
-      </p:sp>
-      <p:graphicFrame>
-        <p:nvGraphicFramePr>
-          <p:cNvPr id="6" name="表格 5"/>
-          <p:cNvGraphicFramePr>
-            <a:graphicFrameLocks noGrp="1"/>
-          </p:cNvGraphicFramePr>
-          <p:nvPr>
-            <p:extLst>
-              <p:ext uri="{D42A27DB-BD31-4B8C-83A1-F6EECF244321}">
-                <p14:modId xmlns:p14="http://schemas.microsoft.com/office/powerpoint/2010/main" val="3778123183"/>
-              </p:ext>
-            </p:extLst>
-          </p:nvPr>
-        </p:nvGraphicFramePr>
-        <p:xfrm>
-          <a:off x="539552" y="2163503"/>
-          <a:ext cx="4807892" cy="2011680"/>
-        </p:xfrm>
-        <a:graphic>
-          <a:graphicData uri="http://schemas.openxmlformats.org/drawingml/2006/table">
-            <a:tbl>
-              <a:tblPr firstRow="1" bandRow="1">
-                <a:tableStyleId>{69012ECD-51FC-41F1-AA8D-1B2483CD663E}</a:tableStyleId>
-              </a:tblPr>
-              <a:tblGrid>
-                <a:gridCol w="2719660"/>
-                <a:gridCol w="1129099"/>
-                <a:gridCol w="959133"/>
-              </a:tblGrid>
-              <a:tr h="361599">
-                <a:tc>
-                  <a:txBody>
-                    <a:bodyPr/>
-                    <a:lstStyle/>
-                    <a:p>
-                      <a:r>
-                        <a:rPr lang="en-GB" altLang="zh-CN" dirty="0" smtClean="0"/>
-                        <a:t>comparison</a:t>
-                      </a:r>
-                      <a:endParaRPr lang="zh-CN" altLang="en-US" dirty="0"/>
-                    </a:p>
-                  </a:txBody>
-                  <a:tcPr>
-                    <a:lnL w="12700" cap="flat" cmpd="sng" algn="ctr">
-                      <a:solidFill>
-                        <a:schemeClr val="tx1"/>
-                      </a:solidFill>
-                      <a:prstDash val="solid"/>
-                      <a:round/>
-                      <a:headEnd type="none" w="med" len="med"/>
-                      <a:tailEnd type="none" w="med" len="med"/>
-                    </a:lnL>
-                    <a:lnR w="12700" cap="flat" cmpd="sng" algn="ctr">
-                      <a:solidFill>
-                        <a:schemeClr val="tx1"/>
-                      </a:solidFill>
-                      <a:prstDash val="solid"/>
-                      <a:round/>
-                      <a:headEnd type="none" w="med" len="med"/>
-                      <a:tailEnd type="none" w="med" len="med"/>
-                    </a:lnR>
-                    <a:lnT w="12700" cap="flat" cmpd="sng" algn="ctr">
-                      <a:solidFill>
-                        <a:schemeClr val="tx1"/>
-                      </a:solidFill>
-                      <a:prstDash val="solid"/>
-                      <a:round/>
-                      <a:headEnd type="none" w="med" len="med"/>
-                      <a:tailEnd type="none" w="med" len="med"/>
-                    </a:lnT>
-                    <a:lnB w="12700" cap="flat" cmpd="sng" algn="ctr">
-                      <a:solidFill>
-                        <a:schemeClr val="tx1"/>
-                      </a:solidFill>
-                      <a:prstDash val="solid"/>
-                      <a:round/>
-                      <a:headEnd type="none" w="med" len="med"/>
-                      <a:tailEnd type="none" w="med" len="med"/>
-                    </a:lnB>
-                    <a:lnTlToBr w="12700" cmpd="sng">
-                      <a:noFill/>
-                      <a:prstDash val="solid"/>
-                    </a:lnTlToBr>
-                    <a:lnBlToTr w="12700" cmpd="sng">
-                      <a:noFill/>
-                      <a:prstDash val="solid"/>
-                    </a:lnBlToTr>
-                  </a:tcPr>
-                </a:tc>
-                <a:tc>
-                  <a:txBody>
-                    <a:bodyPr/>
-                    <a:lstStyle/>
-                    <a:p>
-                      <a:pPr algn="ctr"/>
-                      <a:r>
-                        <a:rPr lang="en-GB" altLang="zh-CN" dirty="0" smtClean="0"/>
-                        <a:t>Plan A</a:t>
-                      </a:r>
-                      <a:endParaRPr lang="zh-CN" altLang="en-US" dirty="0"/>
-                    </a:p>
-                  </a:txBody>
-                  <a:tcPr>
-                    <a:lnL w="12700" cap="flat" cmpd="sng" algn="ctr">
-                      <a:solidFill>
-                        <a:schemeClr val="tx1"/>
-                      </a:solidFill>
-                      <a:prstDash val="solid"/>
-                      <a:round/>
-                      <a:headEnd type="none" w="med" len="med"/>
-                      <a:tailEnd type="none" w="med" len="med"/>
-                    </a:lnL>
-                    <a:lnR w="12700" cap="flat" cmpd="sng" algn="ctr">
-                      <a:solidFill>
-                        <a:schemeClr val="tx1"/>
-                      </a:solidFill>
-                      <a:prstDash val="solid"/>
-                      <a:round/>
-                      <a:headEnd type="none" w="med" len="med"/>
-                      <a:tailEnd type="none" w="med" len="med"/>
-                    </a:lnR>
-                    <a:lnT w="12700" cap="flat" cmpd="sng" algn="ctr">
-                      <a:solidFill>
-                        <a:schemeClr val="tx1"/>
-                      </a:solidFill>
-                      <a:prstDash val="solid"/>
-                      <a:round/>
-                      <a:headEnd type="none" w="med" len="med"/>
-                      <a:tailEnd type="none" w="med" len="med"/>
-                    </a:lnT>
-                    <a:lnB w="12700" cap="flat" cmpd="sng" algn="ctr">
-                      <a:solidFill>
-                        <a:schemeClr val="tx1"/>
-                      </a:solidFill>
-                      <a:prstDash val="solid"/>
-                      <a:round/>
-                      <a:headEnd type="none" w="med" len="med"/>
-                      <a:tailEnd type="none" w="med" len="med"/>
-                    </a:lnB>
-                    <a:lnTlToBr w="12700" cmpd="sng">
-                      <a:noFill/>
-                      <a:prstDash val="solid"/>
-                    </a:lnTlToBr>
-                    <a:lnBlToTr w="12700" cmpd="sng">
-                      <a:noFill/>
-                      <a:prstDash val="solid"/>
-                    </a:lnBlToTr>
-                  </a:tcPr>
-                </a:tc>
-                <a:tc>
-                  <a:txBody>
-                    <a:bodyPr/>
-                    <a:lstStyle/>
-                    <a:p>
-                      <a:pPr algn="ctr"/>
-                      <a:r>
-                        <a:rPr lang="en-GB" altLang="zh-CN" dirty="0" smtClean="0"/>
-                        <a:t>Plan B</a:t>
-                      </a:r>
-                      <a:endParaRPr lang="zh-CN" altLang="en-US" dirty="0"/>
-                    </a:p>
-                  </a:txBody>
-                  <a:tcPr>
-                    <a:lnL w="12700" cap="flat" cmpd="sng" algn="ctr">
-                      <a:solidFill>
-                        <a:schemeClr val="tx1"/>
-                      </a:solidFill>
-                      <a:prstDash val="solid"/>
-                      <a:round/>
-                      <a:headEnd type="none" w="med" len="med"/>
-                      <a:tailEnd type="none" w="med" len="med"/>
-                    </a:lnL>
-                    <a:lnR w="12700" cap="flat" cmpd="sng" algn="ctr">
-                      <a:solidFill>
-                        <a:schemeClr val="tx1"/>
-                      </a:solidFill>
-                      <a:prstDash val="solid"/>
-                      <a:round/>
-                      <a:headEnd type="none" w="med" len="med"/>
-                      <a:tailEnd type="none" w="med" len="med"/>
-                    </a:lnR>
-                    <a:lnT w="12700" cap="flat" cmpd="sng" algn="ctr">
-                      <a:solidFill>
-                        <a:schemeClr val="tx1"/>
-                      </a:solidFill>
-                      <a:prstDash val="solid"/>
-                      <a:round/>
-                      <a:headEnd type="none" w="med" len="med"/>
-                      <a:tailEnd type="none" w="med" len="med"/>
-                    </a:lnT>
-                    <a:lnB w="12700" cap="flat" cmpd="sng" algn="ctr">
-                      <a:solidFill>
-                        <a:schemeClr val="tx1"/>
-                      </a:solidFill>
-                      <a:prstDash val="solid"/>
-                      <a:round/>
-                      <a:headEnd type="none" w="med" len="med"/>
-                      <a:tailEnd type="none" w="med" len="med"/>
-                    </a:lnB>
-                    <a:lnTlToBr w="12700" cmpd="sng">
-                      <a:noFill/>
-                      <a:prstDash val="solid"/>
-                    </a:lnTlToBr>
-                    <a:lnBlToTr w="12700" cmpd="sng">
-                      <a:noFill/>
-                      <a:prstDash val="solid"/>
-                    </a:lnBlToTr>
-                  </a:tcPr>
-                </a:tc>
-              </a:tr>
-              <a:tr h="361599">
-                <a:tc>
-                  <a:txBody>
-                    <a:bodyPr/>
-                    <a:lstStyle/>
-                    <a:p>
-                      <a:r>
-                        <a:rPr lang="en-GB" altLang="zh-CN" dirty="0" smtClean="0"/>
-                        <a:t>Robot Control</a:t>
-                      </a:r>
-                      <a:endParaRPr lang="zh-CN" altLang="en-US" dirty="0"/>
-                    </a:p>
-                  </a:txBody>
-                  <a:tcPr>
-                    <a:lnL w="12700" cap="flat" cmpd="sng" algn="ctr">
-                      <a:solidFill>
-                        <a:schemeClr val="tx1"/>
-                      </a:solidFill>
-                      <a:prstDash val="solid"/>
-                      <a:round/>
-                      <a:headEnd type="none" w="med" len="med"/>
-                      <a:tailEnd type="none" w="med" len="med"/>
-                    </a:lnL>
-                    <a:lnR w="12700" cap="flat" cmpd="sng" algn="ctr">
-                      <a:solidFill>
-                        <a:schemeClr val="tx1"/>
-                      </a:solidFill>
-                      <a:prstDash val="solid"/>
-                      <a:round/>
-                      <a:headEnd type="none" w="med" len="med"/>
-                      <a:tailEnd type="none" w="med" len="med"/>
-                    </a:lnR>
-                    <a:lnT w="12700" cap="flat" cmpd="sng" algn="ctr">
-                      <a:solidFill>
-                        <a:schemeClr val="tx1"/>
-                      </a:solidFill>
-                      <a:prstDash val="solid"/>
-                      <a:round/>
-                      <a:headEnd type="none" w="med" len="med"/>
-                      <a:tailEnd type="none" w="med" len="med"/>
-                    </a:lnT>
-                    <a:lnB w="12700" cap="flat" cmpd="sng" algn="ctr">
-                      <a:solidFill>
-                        <a:schemeClr val="tx1"/>
-                      </a:solidFill>
-                      <a:prstDash val="solid"/>
-                      <a:round/>
-                      <a:headEnd type="none" w="med" len="med"/>
-                      <a:tailEnd type="none" w="med" len="med"/>
-                    </a:lnB>
-                    <a:lnTlToBr w="12700" cmpd="sng">
-                      <a:noFill/>
-                      <a:prstDash val="solid"/>
-                    </a:lnTlToBr>
-                    <a:lnBlToTr w="12700" cmpd="sng">
-                      <a:noFill/>
-                      <a:prstDash val="solid"/>
-                    </a:lnBlToTr>
-                  </a:tcPr>
-                </a:tc>
-                <a:tc>
-                  <a:txBody>
-                    <a:bodyPr/>
-                    <a:lstStyle/>
-                    <a:p>
-                      <a:pPr algn="ctr"/>
-                      <a:r>
-                        <a:rPr lang="en-GB" altLang="zh-CN" dirty="0" smtClean="0"/>
-                        <a:t>Yes</a:t>
-                      </a:r>
-                      <a:endParaRPr lang="zh-CN" altLang="en-US" dirty="0"/>
-                    </a:p>
-                  </a:txBody>
-                  <a:tcPr>
-                    <a:lnL w="12700" cap="flat" cmpd="sng" algn="ctr">
-                      <a:solidFill>
-                        <a:schemeClr val="tx1"/>
-                      </a:solidFill>
-                      <a:prstDash val="solid"/>
-                      <a:round/>
-                      <a:headEnd type="none" w="med" len="med"/>
-                      <a:tailEnd type="none" w="med" len="med"/>
-                    </a:lnL>
-                    <a:lnR w="12700" cap="flat" cmpd="sng" algn="ctr">
-                      <a:solidFill>
-                        <a:schemeClr val="tx1"/>
-                      </a:solidFill>
-                      <a:prstDash val="solid"/>
-                      <a:round/>
-                      <a:headEnd type="none" w="med" len="med"/>
-                      <a:tailEnd type="none" w="med" len="med"/>
-                    </a:lnR>
-                    <a:lnT w="12700" cap="flat" cmpd="sng" algn="ctr">
-                      <a:solidFill>
-                        <a:schemeClr val="tx1"/>
-                      </a:solidFill>
-                      <a:prstDash val="solid"/>
-                      <a:round/>
-                      <a:headEnd type="none" w="med" len="med"/>
-                      <a:tailEnd type="none" w="med" len="med"/>
-                    </a:lnT>
-                    <a:lnB w="12700" cap="flat" cmpd="sng" algn="ctr">
-                      <a:solidFill>
-                        <a:schemeClr val="tx1"/>
-                      </a:solidFill>
-                      <a:prstDash val="solid"/>
-                      <a:round/>
-                      <a:headEnd type="none" w="med" len="med"/>
-                      <a:tailEnd type="none" w="med" len="med"/>
-                    </a:lnB>
-                    <a:lnTlToBr w="12700" cmpd="sng">
-                      <a:noFill/>
-                      <a:prstDash val="solid"/>
-                    </a:lnTlToBr>
-                    <a:lnBlToTr w="12700" cmpd="sng">
-                      <a:noFill/>
-                      <a:prstDash val="solid"/>
-                    </a:lnBlToTr>
-                  </a:tcPr>
-                </a:tc>
-                <a:tc>
-                  <a:txBody>
-                    <a:bodyPr/>
-                    <a:lstStyle/>
-                    <a:p>
-                      <a:pPr algn="ctr"/>
-                      <a:r>
-                        <a:rPr lang="en-GB" altLang="zh-CN" dirty="0" smtClean="0"/>
-                        <a:t>Faster</a:t>
-                      </a:r>
-                      <a:endParaRPr lang="zh-CN" altLang="en-US" dirty="0"/>
-                    </a:p>
-                  </a:txBody>
-                  <a:tcPr>
-                    <a:lnL w="12700" cap="flat" cmpd="sng" algn="ctr">
-                      <a:solidFill>
-                        <a:schemeClr val="tx1"/>
-                      </a:solidFill>
-                      <a:prstDash val="solid"/>
-                      <a:round/>
-                      <a:headEnd type="none" w="med" len="med"/>
-                      <a:tailEnd type="none" w="med" len="med"/>
-                    </a:lnL>
-                    <a:lnR w="12700" cap="flat" cmpd="sng" algn="ctr">
-                      <a:solidFill>
-                        <a:schemeClr val="tx1"/>
-                      </a:solidFill>
-                      <a:prstDash val="solid"/>
-                      <a:round/>
-                      <a:headEnd type="none" w="med" len="med"/>
-                      <a:tailEnd type="none" w="med" len="med"/>
-                    </a:lnR>
-                    <a:lnT w="12700" cap="flat" cmpd="sng" algn="ctr">
-                      <a:solidFill>
-                        <a:schemeClr val="tx1"/>
-                      </a:solidFill>
-                      <a:prstDash val="solid"/>
-                      <a:round/>
-                      <a:headEnd type="none" w="med" len="med"/>
-                      <a:tailEnd type="none" w="med" len="med"/>
-                    </a:lnT>
-                    <a:lnB w="12700" cap="flat" cmpd="sng" algn="ctr">
-                      <a:solidFill>
-                        <a:schemeClr val="tx1"/>
-                      </a:solidFill>
-                      <a:prstDash val="solid"/>
-                      <a:round/>
-                      <a:headEnd type="none" w="med" len="med"/>
-                      <a:tailEnd type="none" w="med" len="med"/>
-                    </a:lnB>
-                    <a:lnTlToBr w="12700" cmpd="sng">
-                      <a:noFill/>
-                      <a:prstDash val="solid"/>
-                    </a:lnTlToBr>
-                    <a:lnBlToTr w="12700" cmpd="sng">
-                      <a:noFill/>
-                      <a:prstDash val="solid"/>
-                    </a:lnBlToTr>
-                  </a:tcPr>
-                </a:tc>
-              </a:tr>
-              <a:tr h="361599">
-                <a:tc>
-                  <a:txBody>
-                    <a:bodyPr/>
-                    <a:lstStyle/>
-                    <a:p>
-                      <a:r>
-                        <a:rPr lang="en-GB" altLang="zh-CN" dirty="0" smtClean="0">
-                          <a:solidFill>
-                            <a:srgbClr val="FF0000"/>
-                          </a:solidFill>
-                        </a:rPr>
-                        <a:t>Image Process</a:t>
-                      </a:r>
-                      <a:endParaRPr lang="zh-CN" altLang="en-US" dirty="0">
-                        <a:solidFill>
-                          <a:srgbClr val="FF0000"/>
-                        </a:solidFill>
-                      </a:endParaRPr>
-                    </a:p>
-                  </a:txBody>
-                  <a:tcPr>
-                    <a:lnL w="12700" cap="flat" cmpd="sng" algn="ctr">
-                      <a:solidFill>
-                        <a:schemeClr val="tx1"/>
-                      </a:solidFill>
-                      <a:prstDash val="solid"/>
-                      <a:round/>
-                      <a:headEnd type="none" w="med" len="med"/>
-                      <a:tailEnd type="none" w="med" len="med"/>
-                    </a:lnL>
-                    <a:lnR w="12700" cap="flat" cmpd="sng" algn="ctr">
-                      <a:solidFill>
-                        <a:schemeClr val="tx1"/>
-                      </a:solidFill>
-                      <a:prstDash val="solid"/>
-                      <a:round/>
-                      <a:headEnd type="none" w="med" len="med"/>
-                      <a:tailEnd type="none" w="med" len="med"/>
-                    </a:lnR>
-                    <a:lnT w="12700" cap="flat" cmpd="sng" algn="ctr">
-                      <a:solidFill>
-                        <a:schemeClr val="tx1"/>
-                      </a:solidFill>
-                      <a:prstDash val="solid"/>
-                      <a:round/>
-                      <a:headEnd type="none" w="med" len="med"/>
-                      <a:tailEnd type="none" w="med" len="med"/>
-                    </a:lnT>
-                    <a:lnB w="12700" cap="flat" cmpd="sng" algn="ctr">
-                      <a:solidFill>
-                        <a:schemeClr val="tx1"/>
-                      </a:solidFill>
-                      <a:prstDash val="solid"/>
-                      <a:round/>
-                      <a:headEnd type="none" w="med" len="med"/>
-                      <a:tailEnd type="none" w="med" len="med"/>
-                    </a:lnB>
-                    <a:lnTlToBr w="12700" cmpd="sng">
-                      <a:noFill/>
-                      <a:prstDash val="solid"/>
-                    </a:lnTlToBr>
-                    <a:lnBlToTr w="12700" cmpd="sng">
-                      <a:noFill/>
-                      <a:prstDash val="solid"/>
-                    </a:lnBlToTr>
-                  </a:tcPr>
-                </a:tc>
-                <a:tc>
-                  <a:txBody>
-                    <a:bodyPr/>
-                    <a:lstStyle/>
-                    <a:p>
-                      <a:pPr algn="ctr"/>
-                      <a:r>
-                        <a:rPr lang="en-GB" altLang="zh-CN" dirty="0" smtClean="0">
-                          <a:solidFill>
-                            <a:srgbClr val="FF0000"/>
-                          </a:solidFill>
-                        </a:rPr>
-                        <a:t>Faster And Advance</a:t>
-                      </a:r>
-                      <a:endParaRPr lang="zh-CN" altLang="en-US" dirty="0">
-                        <a:solidFill>
-                          <a:srgbClr val="FF0000"/>
-                        </a:solidFill>
-                      </a:endParaRPr>
-                    </a:p>
-                  </a:txBody>
-                  <a:tcPr>
-                    <a:lnL w="12700" cap="flat" cmpd="sng" algn="ctr">
-                      <a:solidFill>
-                        <a:schemeClr val="tx1"/>
-                      </a:solidFill>
-                      <a:prstDash val="solid"/>
-                      <a:round/>
-                      <a:headEnd type="none" w="med" len="med"/>
-                      <a:tailEnd type="none" w="med" len="med"/>
-                    </a:lnL>
-                    <a:lnR w="12700" cap="flat" cmpd="sng" algn="ctr">
-                      <a:solidFill>
-                        <a:schemeClr val="tx1"/>
-                      </a:solidFill>
-                      <a:prstDash val="solid"/>
-                      <a:round/>
-                      <a:headEnd type="none" w="med" len="med"/>
-                      <a:tailEnd type="none" w="med" len="med"/>
-                    </a:lnR>
-                    <a:lnT w="12700" cap="flat" cmpd="sng" algn="ctr">
-                      <a:solidFill>
-                        <a:schemeClr val="tx1"/>
-                      </a:solidFill>
-                      <a:prstDash val="solid"/>
-                      <a:round/>
-                      <a:headEnd type="none" w="med" len="med"/>
-                      <a:tailEnd type="none" w="med" len="med"/>
-                    </a:lnT>
-                    <a:lnB w="12700" cap="flat" cmpd="sng" algn="ctr">
-                      <a:solidFill>
-                        <a:schemeClr val="tx1"/>
-                      </a:solidFill>
-                      <a:prstDash val="solid"/>
-                      <a:round/>
-                      <a:headEnd type="none" w="med" len="med"/>
-                      <a:tailEnd type="none" w="med" len="med"/>
-                    </a:lnB>
-                    <a:lnTlToBr w="12700" cmpd="sng">
-                      <a:noFill/>
-                      <a:prstDash val="solid"/>
-                    </a:lnTlToBr>
-                    <a:lnBlToTr w="12700" cmpd="sng">
-                      <a:noFill/>
-                      <a:prstDash val="solid"/>
-                    </a:lnBlToTr>
-                  </a:tcPr>
-                </a:tc>
-                <a:tc>
-                  <a:txBody>
-                    <a:bodyPr/>
-                    <a:lstStyle/>
-                    <a:p>
-                      <a:pPr algn="ctr"/>
-                      <a:r>
-                        <a:rPr lang="en-GB" altLang="zh-CN" dirty="0" smtClean="0">
-                          <a:solidFill>
-                            <a:srgbClr val="FF0000"/>
-                          </a:solidFill>
-                        </a:rPr>
-                        <a:t>Slow</a:t>
-                      </a:r>
-                      <a:r>
-                        <a:rPr lang="en-GB" altLang="zh-CN" baseline="0" dirty="0" smtClean="0">
-                          <a:solidFill>
-                            <a:srgbClr val="FF0000"/>
-                          </a:solidFill>
-                        </a:rPr>
-                        <a:t> And Basic</a:t>
-                      </a:r>
-                      <a:endParaRPr lang="zh-CN" altLang="en-US" dirty="0">
-                        <a:solidFill>
-                          <a:srgbClr val="FF0000"/>
-                        </a:solidFill>
-                      </a:endParaRPr>
-                    </a:p>
-                  </a:txBody>
-                  <a:tcPr>
-                    <a:lnL w="12700" cap="flat" cmpd="sng" algn="ctr">
-                      <a:solidFill>
-                        <a:schemeClr val="tx1"/>
-                      </a:solidFill>
-                      <a:prstDash val="solid"/>
-                      <a:round/>
-                      <a:headEnd type="none" w="med" len="med"/>
-                      <a:tailEnd type="none" w="med" len="med"/>
-                    </a:lnL>
-                    <a:lnR w="12700" cap="flat" cmpd="sng" algn="ctr">
-                      <a:solidFill>
-                        <a:schemeClr val="tx1"/>
-                      </a:solidFill>
-                      <a:prstDash val="solid"/>
-                      <a:round/>
-                      <a:headEnd type="none" w="med" len="med"/>
-                      <a:tailEnd type="none" w="med" len="med"/>
-                    </a:lnR>
-                    <a:lnT w="12700" cap="flat" cmpd="sng" algn="ctr">
-                      <a:solidFill>
-                        <a:schemeClr val="tx1"/>
-                      </a:solidFill>
-                      <a:prstDash val="solid"/>
-                      <a:round/>
-                      <a:headEnd type="none" w="med" len="med"/>
-                      <a:tailEnd type="none" w="med" len="med"/>
-                    </a:lnT>
-                    <a:lnB w="12700" cap="flat" cmpd="sng" algn="ctr">
-                      <a:solidFill>
-                        <a:schemeClr val="tx1"/>
-                      </a:solidFill>
-                      <a:prstDash val="solid"/>
-                      <a:round/>
-                      <a:headEnd type="none" w="med" len="med"/>
-                      <a:tailEnd type="none" w="med" len="med"/>
-                    </a:lnB>
-                    <a:lnTlToBr w="12700" cmpd="sng">
-                      <a:noFill/>
-                      <a:prstDash val="solid"/>
-                    </a:lnTlToBr>
-                    <a:lnBlToTr w="12700" cmpd="sng">
-                      <a:noFill/>
-                      <a:prstDash val="solid"/>
-                    </a:lnBlToTr>
-                  </a:tcPr>
-                </a:tc>
-              </a:tr>
-              <a:tr h="361599">
-                <a:tc>
-                  <a:txBody>
-                    <a:bodyPr/>
-                    <a:lstStyle/>
-                    <a:p>
-                      <a:r>
-                        <a:rPr lang="en-GB" altLang="zh-CN" dirty="0" smtClean="0"/>
-                        <a:t>Cooperation</a:t>
-                      </a:r>
-                      <a:endParaRPr lang="zh-CN" altLang="en-US" dirty="0"/>
-                    </a:p>
-                  </a:txBody>
-                  <a:tcPr>
-                    <a:lnL w="12700" cap="flat" cmpd="sng" algn="ctr">
-                      <a:solidFill>
-                        <a:schemeClr val="tx1"/>
-                      </a:solidFill>
-                      <a:prstDash val="solid"/>
-                      <a:round/>
-                      <a:headEnd type="none" w="med" len="med"/>
-                      <a:tailEnd type="none" w="med" len="med"/>
-                    </a:lnL>
-                    <a:lnR w="12700" cap="flat" cmpd="sng" algn="ctr">
-                      <a:solidFill>
-                        <a:schemeClr val="tx1"/>
-                      </a:solidFill>
-                      <a:prstDash val="solid"/>
-                      <a:round/>
-                      <a:headEnd type="none" w="med" len="med"/>
-                      <a:tailEnd type="none" w="med" len="med"/>
-                    </a:lnR>
-                    <a:lnT w="12700" cap="flat" cmpd="sng" algn="ctr">
-                      <a:solidFill>
-                        <a:schemeClr val="tx1"/>
-                      </a:solidFill>
-                      <a:prstDash val="solid"/>
-                      <a:round/>
-                      <a:headEnd type="none" w="med" len="med"/>
-                      <a:tailEnd type="none" w="med" len="med"/>
-                    </a:lnT>
-                    <a:lnB w="12700" cap="flat" cmpd="sng" algn="ctr">
-                      <a:solidFill>
-                        <a:schemeClr val="tx1"/>
-                      </a:solidFill>
-                      <a:prstDash val="solid"/>
-                      <a:round/>
-                      <a:headEnd type="none" w="med" len="med"/>
-                      <a:tailEnd type="none" w="med" len="med"/>
-                    </a:lnB>
-                    <a:lnTlToBr w="12700" cmpd="sng">
-                      <a:noFill/>
-                      <a:prstDash val="solid"/>
-                    </a:lnTlToBr>
-                    <a:lnBlToTr w="12700" cmpd="sng">
-                      <a:noFill/>
-                      <a:prstDash val="solid"/>
-                    </a:lnBlToTr>
-                  </a:tcPr>
-                </a:tc>
-                <a:tc>
-                  <a:txBody>
-                    <a:bodyPr/>
-                    <a:lstStyle/>
-                    <a:p>
-                      <a:pPr algn="ctr"/>
-                      <a:r>
-                        <a:rPr lang="en-GB" altLang="zh-CN" dirty="0" smtClean="0"/>
-                        <a:t>Yes</a:t>
-                      </a:r>
-                      <a:endParaRPr lang="zh-CN" altLang="en-US" dirty="0"/>
-                    </a:p>
-                  </a:txBody>
-                  <a:tcPr>
-                    <a:lnL w="12700" cap="flat" cmpd="sng" algn="ctr">
-                      <a:solidFill>
-                        <a:schemeClr val="tx1"/>
-                      </a:solidFill>
-                      <a:prstDash val="solid"/>
-                      <a:round/>
-                      <a:headEnd type="none" w="med" len="med"/>
-                      <a:tailEnd type="none" w="med" len="med"/>
-                    </a:lnL>
-                    <a:lnR w="12700" cap="flat" cmpd="sng" algn="ctr">
-                      <a:solidFill>
-                        <a:schemeClr val="tx1"/>
-                      </a:solidFill>
-                      <a:prstDash val="solid"/>
-                      <a:round/>
-                      <a:headEnd type="none" w="med" len="med"/>
-                      <a:tailEnd type="none" w="med" len="med"/>
-                    </a:lnR>
-                    <a:lnT w="12700" cap="flat" cmpd="sng" algn="ctr">
-                      <a:solidFill>
-                        <a:schemeClr val="tx1"/>
-                      </a:solidFill>
-                      <a:prstDash val="solid"/>
-                      <a:round/>
-                      <a:headEnd type="none" w="med" len="med"/>
-                      <a:tailEnd type="none" w="med" len="med"/>
-                    </a:lnT>
-                    <a:lnB w="12700" cap="flat" cmpd="sng" algn="ctr">
-                      <a:solidFill>
-                        <a:schemeClr val="tx1"/>
-                      </a:solidFill>
-                      <a:prstDash val="solid"/>
-                      <a:round/>
-                      <a:headEnd type="none" w="med" len="med"/>
-                      <a:tailEnd type="none" w="med" len="med"/>
-                    </a:lnB>
-                    <a:lnTlToBr w="12700" cmpd="sng">
-                      <a:noFill/>
-                      <a:prstDash val="solid"/>
-                    </a:lnTlToBr>
-                    <a:lnBlToTr w="12700" cmpd="sng">
-                      <a:noFill/>
-                      <a:prstDash val="solid"/>
-                    </a:lnBlToTr>
-                  </a:tcPr>
-                </a:tc>
-                <a:tc>
-                  <a:txBody>
-                    <a:bodyPr/>
-                    <a:lstStyle/>
-                    <a:p>
-                      <a:pPr algn="ctr"/>
-                      <a:r>
-                        <a:rPr lang="en-GB" altLang="zh-CN" dirty="0" smtClean="0"/>
-                        <a:t>Yes</a:t>
-                      </a:r>
-                      <a:endParaRPr lang="zh-CN" altLang="en-US" dirty="0"/>
-                    </a:p>
-                  </a:txBody>
-                  <a:tcPr>
-                    <a:lnL w="12700" cap="flat" cmpd="sng" algn="ctr">
-                      <a:solidFill>
-                        <a:schemeClr val="tx1"/>
-                      </a:solidFill>
-                      <a:prstDash val="solid"/>
-                      <a:round/>
-                      <a:headEnd type="none" w="med" len="med"/>
-                      <a:tailEnd type="none" w="med" len="med"/>
-                    </a:lnL>
-                    <a:lnR w="12700" cap="flat" cmpd="sng" algn="ctr">
-                      <a:solidFill>
-                        <a:schemeClr val="tx1"/>
-                      </a:solidFill>
-                      <a:prstDash val="solid"/>
-                      <a:round/>
-                      <a:headEnd type="none" w="med" len="med"/>
-                      <a:tailEnd type="none" w="med" len="med"/>
-                    </a:lnR>
-                    <a:lnT w="12700" cap="flat" cmpd="sng" algn="ctr">
-                      <a:solidFill>
-                        <a:schemeClr val="tx1"/>
-                      </a:solidFill>
-                      <a:prstDash val="solid"/>
-                      <a:round/>
-                      <a:headEnd type="none" w="med" len="med"/>
-                      <a:tailEnd type="none" w="med" len="med"/>
-                    </a:lnT>
-                    <a:lnB w="12700" cap="flat" cmpd="sng" algn="ctr">
-                      <a:solidFill>
-                        <a:schemeClr val="tx1"/>
-                      </a:solidFill>
-                      <a:prstDash val="solid"/>
-                      <a:round/>
-                      <a:headEnd type="none" w="med" len="med"/>
-                      <a:tailEnd type="none" w="med" len="med"/>
-                    </a:lnB>
-                    <a:lnTlToBr w="12700" cmpd="sng">
-                      <a:noFill/>
-                      <a:prstDash val="solid"/>
-                    </a:lnTlToBr>
-                    <a:lnBlToTr w="12700" cmpd="sng">
-                      <a:noFill/>
-                      <a:prstDash val="solid"/>
-                    </a:lnBlToTr>
-                  </a:tcPr>
-                </a:tc>
-              </a:tr>
-            </a:tbl>
-          </a:graphicData>
-        </a:graphic>
-      </p:graphicFrame>
-      <p:sp>
-        <p:nvSpPr>
-          <p:cNvPr id="9" name="文本框 8"/>
-          <p:cNvSpPr txBox="1"/>
-          <p:nvPr/>
-        </p:nvSpPr>
-        <p:spPr>
-          <a:xfrm>
-            <a:off x="395536" y="4365104"/>
-            <a:ext cx="4968552" cy="646331"/>
-          </a:xfrm>
-          <a:prstGeom prst="rect">
-            <a:avLst/>
-          </a:prstGeom>
-          <a:noFill/>
-        </p:spPr>
-        <p:txBody>
-          <a:bodyPr wrap="square" rtlCol="0">
-            <a:spAutoFit/>
-          </a:bodyPr>
-          <a:lstStyle/>
+              <a:t>    No matter which kind of hardware plan is choice, we need a distribute system for robot. This distribute system handles following tasks:</a:t>
+            </a:r>
+          </a:p>
           <a:p>
             <a:pPr marL="342900" indent="-342900">
               <a:buFont typeface="Arial" panose="020B0604020202020204" pitchFamily="34" charset="0"/>
               <a:buChar char="•"/>
             </a:pPr>
             <a:r>
-              <a:rPr lang="en-GB" altLang="zh-CN" sz="1800" b="1" dirty="0" smtClean="0">
-                <a:latin typeface="Ebrima" panose="02000000000000000000" pitchFamily="2" charset="0"/>
-                <a:ea typeface="Ebrima" panose="02000000000000000000" pitchFamily="2" charset="0"/>
-                <a:cs typeface="Ebrima" panose="02000000000000000000" pitchFamily="2" charset="0"/>
-              </a:rPr>
-              <a:t>Plan A is better(</a:t>
-            </a:r>
-            <a:r>
-              <a:rPr lang="en-GB" altLang="zh-CN" sz="1800" b="1" dirty="0"/>
-              <a:t> 50–100 times faster </a:t>
-            </a:r>
-            <a:r>
-              <a:rPr lang="en-GB" altLang="zh-CN" sz="1800" b="1" dirty="0" smtClean="0">
-                <a:latin typeface="Ebrima" panose="02000000000000000000" pitchFamily="2" charset="0"/>
-                <a:ea typeface="Ebrima" panose="02000000000000000000" pitchFamily="2" charset="0"/>
-                <a:cs typeface="Ebrima" panose="02000000000000000000" pitchFamily="2" charset="0"/>
-              </a:rPr>
-              <a:t>) when using GPU for image processing*  </a:t>
-            </a:r>
-            <a:endParaRPr lang="zh-CN" altLang="en-US" sz="1800" b="1" dirty="0">
-              <a:latin typeface="Ebrima" panose="02000000000000000000" pitchFamily="2" charset="0"/>
-              <a:cs typeface="Ebrima" panose="02000000000000000000" pitchFamily="2" charset="0"/>
-            </a:endParaRPr>
-          </a:p>
-        </p:txBody>
-      </p:sp>
-      <p:sp>
-        <p:nvSpPr>
-          <p:cNvPr id="4" name="矩形 3"/>
-          <p:cNvSpPr/>
-          <p:nvPr/>
-        </p:nvSpPr>
-        <p:spPr>
-          <a:xfrm>
-            <a:off x="606270" y="5211631"/>
-            <a:ext cx="4572000" cy="646331"/>
-          </a:xfrm>
-          <a:prstGeom prst="rect">
-            <a:avLst/>
-          </a:prstGeom>
-        </p:spPr>
-        <p:txBody>
-          <a:bodyPr>
-            <a:spAutoFit/>
-          </a:bodyPr>
-          <a:lstStyle/>
-          <a:p>
-            <a:r>
-              <a:rPr lang="zh-CN" altLang="en-US" sz="1800" dirty="0">
-                <a:latin typeface="Ebrima" panose="02000000000000000000" pitchFamily="2" charset="0"/>
-                <a:ea typeface="Ebrima" panose="02000000000000000000" pitchFamily="2" charset="0"/>
-                <a:cs typeface="Ebrima" panose="02000000000000000000" pitchFamily="2" charset="0"/>
-                <a:hlinkClick r:id="rId4"/>
-              </a:rPr>
-              <a:t>https://medium.com/altumea/gpu-vs-cpu-computing-what-to-choose-a9788a2370c4</a:t>
-            </a:r>
-            <a:endParaRPr lang="zh-CN" altLang="en-US" sz="1800" dirty="0">
-              <a:latin typeface="Ebrima" panose="02000000000000000000" pitchFamily="2" charset="0"/>
-              <a:ea typeface="Ebrima" panose="02000000000000000000" pitchFamily="2" charset="0"/>
-              <a:cs typeface="Ebrima" panose="02000000000000000000" pitchFamily="2" charset="0"/>
-            </a:endParaRPr>
+              <a:rPr lang="en-GB" altLang="zh-CN" dirty="0" smtClean="0">
+                <a:latin typeface="+mn-lt"/>
+              </a:rPr>
+              <a:t>Build up a local network.</a:t>
+            </a:r>
+          </a:p>
+          <a:p>
+            <a:pPr marL="342900" indent="-342900">
+              <a:buFont typeface="Arial" panose="020B0604020202020204" pitchFamily="34" charset="0"/>
+              <a:buChar char="•"/>
+            </a:pPr>
+            <a:r>
+              <a:rPr lang="en-GB" altLang="zh-CN" dirty="0" smtClean="0">
+                <a:latin typeface="+mn-lt"/>
+              </a:rPr>
+              <a:t>Transmission data through the network.</a:t>
+            </a:r>
+          </a:p>
+          <a:p>
+            <a:pPr marL="800100" lvl="1" indent="-342900">
+              <a:buFont typeface="Arial" panose="020B0604020202020204" pitchFamily="34" charset="0"/>
+              <a:buChar char="•"/>
+            </a:pPr>
+            <a:r>
+              <a:rPr lang="en-GB" altLang="zh-CN" dirty="0" smtClean="0">
+                <a:latin typeface="+mn-lt"/>
+              </a:rPr>
+              <a:t>Physical data: position, speed, distance…</a:t>
+            </a:r>
+          </a:p>
+          <a:p>
+            <a:pPr marL="800100" lvl="1" indent="-342900">
+              <a:buFont typeface="Arial" panose="020B0604020202020204" pitchFamily="34" charset="0"/>
+              <a:buChar char="•"/>
+            </a:pPr>
+            <a:r>
+              <a:rPr lang="en-GB" altLang="zh-CN" dirty="0" smtClean="0">
+                <a:latin typeface="+mn-lt"/>
+              </a:rPr>
+              <a:t>Command data: start to move, stop, setting target…</a:t>
+            </a:r>
+          </a:p>
+          <a:p>
+            <a:pPr marL="342900" indent="-342900">
+              <a:buFont typeface="Arial" panose="020B0604020202020204" pitchFamily="34" charset="0"/>
+              <a:buChar char="•"/>
+            </a:pPr>
+            <a:r>
+              <a:rPr lang="en-GB" altLang="zh-CN" dirty="0" smtClean="0">
+                <a:latin typeface="+mn-lt"/>
+              </a:rPr>
+              <a:t>Supply interface for other project.</a:t>
+            </a:r>
+          </a:p>
+          <a:p>
+            <a:pPr marL="800100" lvl="1" indent="-342900">
+              <a:buFont typeface="Arial" panose="020B0604020202020204" pitchFamily="34" charset="0"/>
+              <a:buChar char="•"/>
+            </a:pPr>
+            <a:r>
+              <a:rPr lang="en-GB" altLang="zh-CN" dirty="0" smtClean="0">
+                <a:latin typeface="+mn-lt"/>
+              </a:rPr>
+              <a:t>toolbox for </a:t>
+            </a:r>
+            <a:r>
+              <a:rPr lang="en-GB" altLang="zh-CN" dirty="0" err="1" smtClean="0">
+                <a:latin typeface="+mn-lt"/>
+              </a:rPr>
+              <a:t>matlab</a:t>
+            </a:r>
+            <a:r>
+              <a:rPr lang="en-GB" altLang="zh-CN" dirty="0" smtClean="0">
+                <a:latin typeface="+mn-lt"/>
+              </a:rPr>
+              <a:t>. </a:t>
+            </a:r>
+          </a:p>
+          <a:p>
+            <a:pPr marL="800100" lvl="1" indent="-342900">
+              <a:buFont typeface="Arial" panose="020B0604020202020204" pitchFamily="34" charset="0"/>
+              <a:buChar char="•"/>
+            </a:pPr>
+            <a:r>
+              <a:rPr lang="en-GB" altLang="zh-CN" dirty="0" smtClean="0">
+                <a:latin typeface="+mn-lt"/>
+              </a:rPr>
+              <a:t>C/C++ function interface.   </a:t>
+            </a:r>
           </a:p>
         </p:txBody>
       </p:sp>
     </p:spTree>
     <p:extLst>
       <p:ext uri="{BB962C8B-B14F-4D97-AF65-F5344CB8AC3E}">
-        <p14:creationId xmlns:p14="http://schemas.microsoft.com/office/powerpoint/2010/main" val="3238043910"/>
+        <p14:creationId xmlns:p14="http://schemas.microsoft.com/office/powerpoint/2010/main" val="187496112"/>
       </p:ext>
     </p:extLst>
   </p:cSld>
@@ -6637,7 +6351,7 @@
         <p:spPr>
           <a:xfrm>
             <a:off x="539552" y="1127500"/>
-            <a:ext cx="2935547" cy="1323439"/>
+            <a:ext cx="4198457" cy="400110"/>
           </a:xfrm>
           <a:prstGeom prst="rect">
             <a:avLst/>
@@ -6650,51 +6364,17 @@
           </a:bodyPr>
           <a:lstStyle/>
           <a:p>
-            <a:pPr marL="342900" indent="-342900">
-              <a:buFontTx/>
-              <a:buChar char="-"/>
-            </a:pPr>
+            <a:r>
+              <a:rPr lang="de-DE" b="1" dirty="0">
+                <a:latin typeface="+mn-lt"/>
+              </a:rPr>
+              <a:t>Distrubute System For </a:t>
+            </a:r>
             <a:r>
               <a:rPr lang="de-DE" b="1" dirty="0" smtClean="0">
                 <a:latin typeface="+mn-lt"/>
               </a:rPr>
-              <a:t>Comparision</a:t>
-            </a:r>
-          </a:p>
-          <a:p>
-            <a:pPr marL="914400" lvl="1" indent="-457200">
-              <a:buFont typeface="+mj-lt"/>
-              <a:buAutoNum type="arabicPeriod"/>
-            </a:pPr>
-            <a:r>
-              <a:rPr lang="de-DE" dirty="0" smtClean="0">
-                <a:latin typeface="+mn-lt"/>
-              </a:rPr>
-              <a:t>Support Software</a:t>
-            </a:r>
-          </a:p>
-          <a:p>
-            <a:pPr marL="914400" lvl="1" indent="-457200">
-              <a:buFont typeface="+mj-lt"/>
-              <a:buAutoNum type="arabicPeriod"/>
-            </a:pPr>
-            <a:r>
-              <a:rPr lang="de-DE" dirty="0" smtClean="0">
-                <a:latin typeface="+mn-lt"/>
-              </a:rPr>
-              <a:t>Support Technik</a:t>
-            </a:r>
-          </a:p>
-          <a:p>
-            <a:pPr marL="914400" lvl="1" indent="-457200">
-              <a:buFont typeface="+mj-lt"/>
-              <a:buAutoNum type="arabicPeriod"/>
-            </a:pPr>
-            <a:r>
-              <a:rPr lang="de-DE" b="1" dirty="0" smtClean="0">
-                <a:latin typeface="+mn-lt"/>
-              </a:rPr>
-              <a:t>Conclusion</a:t>
+              <a:t>Robot Example</a:t>
             </a:r>
           </a:p>
         </p:txBody>
@@ -6708,7 +6388,7 @@
         <p:spPr>
           <a:xfrm>
             <a:off x="3419872" y="188640"/>
-            <a:ext cx="3516797" cy="461665"/>
+            <a:ext cx="3760645" cy="461665"/>
           </a:xfrm>
           <a:prstGeom prst="rect">
             <a:avLst/>
@@ -6725,7 +6405,7 @@
               <a:rPr lang="de-DE" sz="2400" dirty="0" smtClean="0">
                 <a:latin typeface="+mn-lt"/>
               </a:rPr>
-              <a:t>Hardware Connection Plan</a:t>
+              <a:t>Distrubute System For Robot</a:t>
             </a:r>
             <a:endParaRPr lang="de-DE" sz="2400" dirty="0">
               <a:latin typeface="+mn-lt"/>
@@ -6733,60 +6413,46 @@
           </a:p>
         </p:txBody>
       </p:sp>
-      <p:pic>
-        <p:nvPicPr>
-          <p:cNvPr id="2" name="图片 1"/>
-          <p:cNvPicPr>
-            <a:picLocks noChangeAspect="1"/>
-          </p:cNvPicPr>
+      <p:sp>
+        <p:nvSpPr>
+          <p:cNvPr id="4" name="文本框 3"/>
+          <p:cNvSpPr txBox="1"/>
           <p:nvPr/>
-        </p:nvPicPr>
-        <p:blipFill>
-          <a:blip r:embed="rId2">
-            <a:extLst>
-              <a:ext uri="{28A0092B-C50C-407E-A947-70E740481C1C}">
-                <a14:useLocalDpi xmlns:a14="http://schemas.microsoft.com/office/drawing/2010/main" val="0"/>
-              </a:ext>
-            </a:extLst>
-          </a:blip>
-          <a:stretch>
-            <a:fillRect/>
-          </a:stretch>
-        </p:blipFill>
+        </p:nvSpPr>
         <p:spPr>
           <a:xfrm>
-            <a:off x="5556324" y="3985965"/>
-            <a:ext cx="3373715" cy="2088232"/>
+            <a:off x="575544" y="1527610"/>
+            <a:ext cx="8064896" cy="400110"/>
           </a:xfrm>
           <a:prstGeom prst="rect">
             <a:avLst/>
           </a:prstGeom>
-          <a:effectLst>
-            <a:outerShdw blurRad="50800" dist="38100" dir="2700000" algn="tl" rotWithShape="0">
-              <a:prstClr val="black">
-                <a:alpha val="40000"/>
-              </a:prstClr>
-            </a:outerShdw>
-          </a:effectLst>
+          <a:noFill/>
         </p:spPr>
-        <p:style>
-          <a:lnRef idx="2">
-            <a:schemeClr val="dk1"/>
-          </a:lnRef>
-          <a:fillRef idx="1">
-            <a:schemeClr val="lt1"/>
-          </a:fillRef>
-          <a:effectRef idx="0">
-            <a:schemeClr val="dk1"/>
-          </a:effectRef>
-          <a:fontRef idx="minor">
-            <a:schemeClr val="dk1"/>
-          </a:fontRef>
-        </p:style>
-      </p:pic>
+        <p:txBody>
+          <a:bodyPr wrap="square" rtlCol="0">
+            <a:spAutoFit/>
+          </a:bodyPr>
+          <a:lstStyle/>
+          <a:p>
+            <a:r>
+              <a:rPr lang="en-GB" altLang="zh-CN" dirty="0">
+                <a:latin typeface="+mn-lt"/>
+              </a:rPr>
+              <a:t> </a:t>
+            </a:r>
+            <a:r>
+              <a:rPr lang="en-GB" altLang="zh-CN" dirty="0" smtClean="0">
+                <a:latin typeface="+mn-lt"/>
+              </a:rPr>
+              <a:t>     </a:t>
+            </a:r>
+          </a:p>
+        </p:txBody>
+      </p:sp>
       <p:pic>
         <p:nvPicPr>
-          <p:cNvPr id="5" name="图片 4"/>
+          <p:cNvPr id="7" name="图片 6"/>
           <p:cNvPicPr>
             <a:picLocks noChangeAspect="1"/>
           </p:cNvPicPr>
@@ -6806,13 +6472,17 @@
         </p:blipFill>
         <p:spPr>
           <a:xfrm>
-            <a:off x="5556324" y="1135636"/>
-            <a:ext cx="3373715" cy="2229754"/>
+            <a:off x="882805" y="1758497"/>
+            <a:ext cx="2656369" cy="4710137"/>
           </a:xfrm>
           <a:prstGeom prst="rect">
             <a:avLst/>
           </a:prstGeom>
-          <a:ln/>
+          <a:ln>
+            <a:solidFill>
+              <a:schemeClr val="tx1"/>
+            </a:solidFill>
+          </a:ln>
           <a:effectLst>
             <a:outerShdw blurRad="50800" dist="38100" dir="2700000" algn="tl" rotWithShape="0">
               <a:prstClr val="black">
@@ -6821,31 +6491,121 @@
             </a:outerShdw>
           </a:effectLst>
         </p:spPr>
+      </p:pic>
+      <p:pic>
+        <p:nvPicPr>
+          <p:cNvPr id="2" name="图片 1"/>
+          <p:cNvPicPr>
+            <a:picLocks noChangeAspect="1"/>
+          </p:cNvPicPr>
+          <p:nvPr/>
+        </p:nvPicPr>
+        <p:blipFill>
+          <a:blip r:embed="rId4">
+            <a:extLst>
+              <a:ext uri="{28A0092B-C50C-407E-A947-70E740481C1C}">
+                <a14:useLocalDpi xmlns:a14="http://schemas.microsoft.com/office/drawing/2010/main" val="0"/>
+              </a:ext>
+            </a:extLst>
+          </a:blip>
+          <a:stretch>
+            <a:fillRect/>
+          </a:stretch>
+        </p:blipFill>
+        <p:spPr>
+          <a:xfrm>
+            <a:off x="5300194" y="1573944"/>
+            <a:ext cx="1821250" cy="1821250"/>
+          </a:xfrm>
+          <a:prstGeom prst="rect">
+            <a:avLst/>
+          </a:prstGeom>
+        </p:spPr>
+      </p:pic>
+      <p:cxnSp>
+        <p:nvCxnSpPr>
+          <p:cNvPr id="5" name="直接箭头连接符 4"/>
+          <p:cNvCxnSpPr/>
+          <p:nvPr/>
+        </p:nvCxnSpPr>
+        <p:spPr>
+          <a:xfrm flipH="1">
+            <a:off x="3203848" y="2780928"/>
+            <a:ext cx="1880322" cy="0"/>
+          </a:xfrm>
+          <a:prstGeom prst="straightConnector1">
+            <a:avLst/>
+          </a:prstGeom>
+          <a:ln>
+            <a:tailEnd type="triangle"/>
+          </a:ln>
+        </p:spPr>
         <p:style>
-          <a:lnRef idx="2">
+          <a:lnRef idx="1">
             <a:schemeClr val="dk1"/>
           </a:lnRef>
-          <a:fillRef idx="1">
-            <a:schemeClr val="lt1"/>
+          <a:fillRef idx="0">
+            <a:schemeClr val="dk1"/>
           </a:fillRef>
           <a:effectRef idx="0">
             <a:schemeClr val="dk1"/>
           </a:effectRef>
           <a:fontRef idx="minor">
-            <a:schemeClr val="dk1"/>
+            <a:schemeClr val="tx1"/>
           </a:fontRef>
         </p:style>
-      </p:pic>
-      <p:sp>
-        <p:nvSpPr>
-          <p:cNvPr id="3" name="文本框 2"/>
+      </p:cxnSp>
+      <p:sp>
+        <p:nvSpPr>
+          <p:cNvPr id="9" name="云形标注 8"/>
+          <p:cNvSpPr/>
+          <p:nvPr/>
+        </p:nvSpPr>
+        <p:spPr>
+          <a:xfrm>
+            <a:off x="840948" y="1327555"/>
+            <a:ext cx="7452381" cy="2893533"/>
+          </a:xfrm>
+          <a:prstGeom prst="cloudCallout">
+            <a:avLst/>
+          </a:prstGeom>
+          <a:noFill/>
+        </p:spPr>
+        <p:style>
+          <a:lnRef idx="2">
+            <a:schemeClr val="accent1">
+              <a:shade val="50000"/>
+            </a:schemeClr>
+          </a:lnRef>
+          <a:fillRef idx="1">
+            <a:schemeClr val="accent1"/>
+          </a:fillRef>
+          <a:effectRef idx="0">
+            <a:schemeClr val="accent1"/>
+          </a:effectRef>
+          <a:fontRef idx="minor">
+            <a:schemeClr val="lt1"/>
+          </a:fontRef>
+        </p:style>
+        <p:txBody>
+          <a:bodyPr rtlCol="0" anchor="ctr"/>
+          <a:lstStyle/>
+          <a:p>
+            <a:pPr algn="ctr"/>
+            <a:endParaRPr lang="zh-CN" altLang="en-US"/>
+          </a:p>
+        </p:txBody>
+      </p:sp>
+      <p:sp>
+        <p:nvSpPr>
+          <p:cNvPr id="10" name="文本框 9"/>
           <p:cNvSpPr txBox="1"/>
           <p:nvPr/>
         </p:nvSpPr>
         <p:spPr>
           <a:xfrm>
-            <a:off x="5898817" y="3365390"/>
-            <a:ext cx="2736304" cy="461665"/>
+            <a:off x="5580112" y="3990440"/>
+            <a:ext cx="2520280" cy="400110"/>
           </a:xfrm>
           <a:prstGeom prst="rect">
             <a:avLst/>
@@ -6858,330 +6618,120 @@
           </a:bodyPr>
           <a:lstStyle/>
           <a:p>
-            <a:pPr algn="ctr"/>
-            <a:r>
-              <a:rPr lang="en-GB" altLang="zh-CN" sz="2400" dirty="0">
-                <a:latin typeface="+mn-lt"/>
-              </a:rPr>
-              <a:t>PLAN</a:t>
-            </a:r>
-            <a:r>
-              <a:rPr lang="en-GB" altLang="zh-CN" sz="2400" dirty="0">
-                <a:latin typeface="+mn-lt"/>
-              </a:rPr>
-              <a:t> A</a:t>
-            </a:r>
-            <a:endParaRPr lang="zh-CN" altLang="en-US" sz="2400" dirty="0">
-              <a:latin typeface="+mn-lt"/>
-            </a:endParaRPr>
+            <a:r>
+              <a:rPr lang="en-US" altLang="zh-CN" dirty="0" smtClean="0"/>
+              <a:t>Wireless Network</a:t>
+            </a:r>
+            <a:endParaRPr lang="zh-CN" altLang="en-US" dirty="0"/>
           </a:p>
         </p:txBody>
       </p:sp>
       <p:sp>
         <p:nvSpPr>
-          <p:cNvPr id="7" name="文本框 6"/>
+          <p:cNvPr id="11" name="文本框 10"/>
           <p:cNvSpPr txBox="1"/>
           <p:nvPr/>
         </p:nvSpPr>
         <p:spPr>
           <a:xfrm>
-            <a:off x="5898817" y="6074197"/>
-            <a:ext cx="2736304" cy="461665"/>
+            <a:off x="2262388" y="2327830"/>
+            <a:ext cx="833448" cy="523220"/>
           </a:xfrm>
           <a:prstGeom prst="rect">
             <a:avLst/>
           </a:prstGeom>
-          <a:noFill/>
         </p:spPr>
+        <p:style>
+          <a:lnRef idx="2">
+            <a:schemeClr val="accent6"/>
+          </a:lnRef>
+          <a:fillRef idx="1">
+            <a:schemeClr val="lt1"/>
+          </a:fillRef>
+          <a:effectRef idx="0">
+            <a:schemeClr val="accent6"/>
+          </a:effectRef>
+          <a:fontRef idx="minor">
+            <a:schemeClr val="dk1"/>
+          </a:fontRef>
+        </p:style>
         <p:txBody>
           <a:bodyPr wrap="square" rtlCol="0">
             <a:spAutoFit/>
           </a:bodyPr>
           <a:lstStyle/>
           <a:p>
-            <a:pPr algn="ctr"/>
-            <a:r>
-              <a:rPr lang="en-GB" altLang="zh-CN" sz="2400" dirty="0">
-                <a:latin typeface="+mn-lt"/>
-              </a:rPr>
-              <a:t>PLAN</a:t>
-            </a:r>
-            <a:r>
-              <a:rPr lang="en-GB" altLang="zh-CN" sz="2400" dirty="0">
-                <a:latin typeface="+mn-lt"/>
-              </a:rPr>
-              <a:t> </a:t>
-            </a:r>
-            <a:r>
-              <a:rPr lang="en-GB" altLang="zh-CN" sz="2400" dirty="0" smtClean="0">
-                <a:latin typeface="+mn-lt"/>
-              </a:rPr>
-              <a:t>B</a:t>
-            </a:r>
-            <a:endParaRPr lang="zh-CN" altLang="en-US" sz="2400" dirty="0">
-              <a:latin typeface="+mn-lt"/>
+            <a:r>
+              <a:rPr lang="en-US" altLang="zh-CN" sz="2800" b="1" dirty="0" smtClean="0">
+                <a:solidFill>
+                  <a:schemeClr val="bg2">
+                    <a:lumMod val="10000"/>
+                  </a:schemeClr>
+                </a:solidFill>
+              </a:rPr>
+              <a:t>PC1</a:t>
+            </a:r>
+            <a:endParaRPr lang="zh-CN" altLang="en-US" sz="2800" b="1" dirty="0">
+              <a:solidFill>
+                <a:schemeClr val="bg2">
+                  <a:lumMod val="10000"/>
+                </a:schemeClr>
+              </a:solidFill>
             </a:endParaRPr>
           </a:p>
         </p:txBody>
       </p:sp>
       <p:sp>
         <p:nvSpPr>
-          <p:cNvPr id="9" name="文本框 8"/>
+          <p:cNvPr id="15" name="文本框 14"/>
           <p:cNvSpPr txBox="1"/>
           <p:nvPr/>
         </p:nvSpPr>
         <p:spPr>
           <a:xfrm>
-            <a:off x="416526" y="2852936"/>
-            <a:ext cx="4968552" cy="3139321"/>
+            <a:off x="6612151" y="1895619"/>
+            <a:ext cx="833448" cy="523220"/>
           </a:xfrm>
           <a:prstGeom prst="rect">
             <a:avLst/>
           </a:prstGeom>
-          <a:noFill/>
         </p:spPr>
+        <p:style>
+          <a:lnRef idx="2">
+            <a:schemeClr val="accent6"/>
+          </a:lnRef>
+          <a:fillRef idx="1">
+            <a:schemeClr val="lt1"/>
+          </a:fillRef>
+          <a:effectRef idx="0">
+            <a:schemeClr val="accent6"/>
+          </a:effectRef>
+          <a:fontRef idx="minor">
+            <a:schemeClr val="dk1"/>
+          </a:fontRef>
+        </p:style>
         <p:txBody>
           <a:bodyPr wrap="square" rtlCol="0">
             <a:spAutoFit/>
           </a:bodyPr>
           <a:lstStyle/>
           <a:p>
-            <a:pPr marL="342900" indent="-342900">
-              <a:buFont typeface="Arial" panose="020B0604020202020204" pitchFamily="34" charset="0"/>
-              <a:buChar char="•"/>
-            </a:pPr>
-            <a:r>
-              <a:rPr lang="en-GB" altLang="zh-CN" sz="1800" dirty="0" smtClean="0">
-                <a:latin typeface="Ebrima" panose="02000000000000000000" pitchFamily="2" charset="0"/>
-                <a:ea typeface="Ebrima" panose="02000000000000000000" pitchFamily="2" charset="0"/>
-                <a:cs typeface="Ebrima" panose="02000000000000000000" pitchFamily="2" charset="0"/>
-              </a:rPr>
-              <a:t>Plan A needs </a:t>
-            </a:r>
-            <a:r>
-              <a:rPr lang="en-GB" altLang="zh-CN" sz="1800" b="1" dirty="0" smtClean="0">
-                <a:latin typeface="Ebrima" panose="02000000000000000000" pitchFamily="2" charset="0"/>
-                <a:ea typeface="Ebrima" panose="02000000000000000000" pitchFamily="2" charset="0"/>
-                <a:cs typeface="Ebrima" panose="02000000000000000000" pitchFamily="2" charset="0"/>
-              </a:rPr>
-              <a:t>extra laptops </a:t>
-            </a:r>
-            <a:r>
-              <a:rPr lang="en-GB" altLang="zh-CN" sz="1800" dirty="0" smtClean="0">
-                <a:latin typeface="Ebrima" panose="02000000000000000000" pitchFamily="2" charset="0"/>
-                <a:ea typeface="Ebrima" panose="02000000000000000000" pitchFamily="2" charset="0"/>
-                <a:cs typeface="Ebrima" panose="02000000000000000000" pitchFamily="2" charset="0"/>
-              </a:rPr>
-              <a:t>for each Robot.</a:t>
-            </a:r>
-          </a:p>
-          <a:p>
-            <a:pPr marL="342900" indent="-342900">
-              <a:buFont typeface="Arial" panose="020B0604020202020204" pitchFamily="34" charset="0"/>
-              <a:buChar char="•"/>
-            </a:pPr>
-            <a:r>
-              <a:rPr lang="en-GB" altLang="zh-CN" sz="1800" dirty="0" smtClean="0">
-                <a:latin typeface="Ebrima" panose="02000000000000000000" pitchFamily="2" charset="0"/>
-                <a:ea typeface="Ebrima" panose="02000000000000000000" pitchFamily="2" charset="0"/>
-                <a:cs typeface="Ebrima" panose="02000000000000000000" pitchFamily="2" charset="0"/>
-              </a:rPr>
-              <a:t>Plan A has </a:t>
-            </a:r>
-            <a:r>
-              <a:rPr lang="en-GB" altLang="zh-CN" sz="1800" b="1" dirty="0" smtClean="0">
-                <a:latin typeface="Ebrima" panose="02000000000000000000" pitchFamily="2" charset="0"/>
-                <a:ea typeface="Ebrima" panose="02000000000000000000" pitchFamily="2" charset="0"/>
-                <a:cs typeface="Ebrima" panose="02000000000000000000" pitchFamily="2" charset="0"/>
-              </a:rPr>
-              <a:t>powerful functionality</a:t>
-            </a:r>
-            <a:r>
-              <a:rPr lang="en-GB" altLang="zh-CN" sz="1800" dirty="0" smtClean="0">
-                <a:latin typeface="Ebrima" panose="02000000000000000000" pitchFamily="2" charset="0"/>
-                <a:ea typeface="Ebrima" panose="02000000000000000000" pitchFamily="2" charset="0"/>
-                <a:cs typeface="Ebrima" panose="02000000000000000000" pitchFamily="2" charset="0"/>
-              </a:rPr>
-              <a:t>, like image processing.</a:t>
-            </a:r>
-          </a:p>
-          <a:p>
-            <a:pPr marL="342900" indent="-342900">
-              <a:buFont typeface="Arial" panose="020B0604020202020204" pitchFamily="34" charset="0"/>
-              <a:buChar char="•"/>
-            </a:pPr>
-            <a:r>
-              <a:rPr lang="en-GB" altLang="zh-CN" sz="1800" dirty="0" smtClean="0">
-                <a:latin typeface="Ebrima" panose="02000000000000000000" pitchFamily="2" charset="0"/>
-                <a:ea typeface="Ebrima" panose="02000000000000000000" pitchFamily="2" charset="0"/>
-                <a:cs typeface="Ebrima" panose="02000000000000000000" pitchFamily="2" charset="0"/>
-              </a:rPr>
-              <a:t>Plan A doesn’t change current platform.</a:t>
-            </a:r>
-          </a:p>
-          <a:p>
-            <a:pPr marL="342900" indent="-342900">
-              <a:buFont typeface="Arial" panose="020B0604020202020204" pitchFamily="34" charset="0"/>
-              <a:buChar char="•"/>
-            </a:pPr>
-            <a:r>
-              <a:rPr lang="en-GB" altLang="zh-CN" sz="1800" dirty="0" smtClean="0">
-                <a:latin typeface="Ebrima" panose="02000000000000000000" pitchFamily="2" charset="0"/>
-                <a:ea typeface="Ebrima" panose="02000000000000000000" pitchFamily="2" charset="0"/>
-                <a:cs typeface="Ebrima" panose="02000000000000000000" pitchFamily="2" charset="0"/>
-              </a:rPr>
-              <a:t>Plan A support </a:t>
-            </a:r>
-            <a:r>
-              <a:rPr lang="en-GB" altLang="zh-CN" sz="1800" b="1" dirty="0" smtClean="0">
-                <a:latin typeface="Ebrima" panose="02000000000000000000" pitchFamily="2" charset="0"/>
-                <a:ea typeface="Ebrima" panose="02000000000000000000" pitchFamily="2" charset="0"/>
-                <a:cs typeface="Ebrima" panose="02000000000000000000" pitchFamily="2" charset="0"/>
-              </a:rPr>
-              <a:t>more software</a:t>
-            </a:r>
-            <a:r>
-              <a:rPr lang="en-GB" altLang="zh-CN" sz="1800" dirty="0" smtClean="0">
-                <a:latin typeface="Ebrima" panose="02000000000000000000" pitchFamily="2" charset="0"/>
-                <a:ea typeface="Ebrima" panose="02000000000000000000" pitchFamily="2" charset="0"/>
-                <a:cs typeface="Ebrima" panose="02000000000000000000" pitchFamily="2" charset="0"/>
-              </a:rPr>
-              <a:t>(like </a:t>
-            </a:r>
-            <a:r>
-              <a:rPr lang="en-GB" altLang="zh-CN" sz="1800" dirty="0" err="1" smtClean="0">
-                <a:latin typeface="Ebrima" panose="02000000000000000000" pitchFamily="2" charset="0"/>
-                <a:ea typeface="Ebrima" panose="02000000000000000000" pitchFamily="2" charset="0"/>
-                <a:cs typeface="Ebrima" panose="02000000000000000000" pitchFamily="2" charset="0"/>
-              </a:rPr>
-              <a:t>Matlab</a:t>
-            </a:r>
-            <a:r>
-              <a:rPr lang="en-GB" altLang="zh-CN" sz="1800" dirty="0" smtClean="0">
-                <a:latin typeface="Ebrima" panose="02000000000000000000" pitchFamily="2" charset="0"/>
-                <a:ea typeface="Ebrima" panose="02000000000000000000" pitchFamily="2" charset="0"/>
-                <a:cs typeface="Ebrima" panose="02000000000000000000" pitchFamily="2" charset="0"/>
-              </a:rPr>
-              <a:t>)</a:t>
-            </a:r>
-          </a:p>
-          <a:p>
-            <a:pPr marL="342900" indent="-342900">
-              <a:buFont typeface="Arial" panose="020B0604020202020204" pitchFamily="34" charset="0"/>
-              <a:buChar char="•"/>
-            </a:pPr>
-            <a:endParaRPr lang="en-GB" altLang="zh-CN" sz="1800" dirty="0">
-              <a:latin typeface="Ebrima" panose="02000000000000000000" pitchFamily="2" charset="0"/>
-              <a:ea typeface="Ebrima" panose="02000000000000000000" pitchFamily="2" charset="0"/>
-              <a:cs typeface="Ebrima" panose="02000000000000000000" pitchFamily="2" charset="0"/>
-            </a:endParaRPr>
-          </a:p>
-          <a:p>
-            <a:pPr marL="342900" indent="-342900">
-              <a:buFont typeface="Arial" panose="020B0604020202020204" pitchFamily="34" charset="0"/>
-              <a:buChar char="•"/>
-            </a:pPr>
-            <a:r>
-              <a:rPr lang="en-GB" altLang="zh-CN" sz="1800" dirty="0" smtClean="0">
-                <a:latin typeface="Ebrima" panose="02000000000000000000" pitchFamily="2" charset="0"/>
-                <a:ea typeface="Ebrima" panose="02000000000000000000" pitchFamily="2" charset="0"/>
-                <a:cs typeface="Ebrima" panose="02000000000000000000" pitchFamily="2" charset="0"/>
-              </a:rPr>
-              <a:t>Plan B has the </a:t>
-            </a:r>
-            <a:r>
-              <a:rPr lang="en-GB" altLang="zh-CN" sz="1800" b="1" dirty="0" smtClean="0">
-                <a:latin typeface="Ebrima" panose="02000000000000000000" pitchFamily="2" charset="0"/>
-                <a:ea typeface="Ebrima" panose="02000000000000000000" pitchFamily="2" charset="0"/>
-                <a:cs typeface="Ebrima" panose="02000000000000000000" pitchFamily="2" charset="0"/>
-              </a:rPr>
-              <a:t>simple hardware structure</a:t>
-            </a:r>
-            <a:r>
-              <a:rPr lang="en-GB" altLang="zh-CN" sz="1800" dirty="0" smtClean="0">
-                <a:latin typeface="Ebrima" panose="02000000000000000000" pitchFamily="2" charset="0"/>
-                <a:ea typeface="Ebrima" panose="02000000000000000000" pitchFamily="2" charset="0"/>
-                <a:cs typeface="Ebrima" panose="02000000000000000000" pitchFamily="2" charset="0"/>
-              </a:rPr>
-              <a:t>.</a:t>
-            </a:r>
-          </a:p>
-          <a:p>
-            <a:pPr marL="342900" indent="-342900">
-              <a:buFont typeface="Arial" panose="020B0604020202020204" pitchFamily="34" charset="0"/>
-              <a:buChar char="•"/>
-            </a:pPr>
-            <a:r>
-              <a:rPr lang="en-GB" altLang="zh-CN" sz="1800" dirty="0" smtClean="0">
-                <a:latin typeface="Ebrima" panose="02000000000000000000" pitchFamily="2" charset="0"/>
-                <a:ea typeface="Ebrima" panose="02000000000000000000" pitchFamily="2" charset="0"/>
-                <a:cs typeface="Ebrima" panose="02000000000000000000" pitchFamily="2" charset="0"/>
-              </a:rPr>
-              <a:t>Plan B costs </a:t>
-            </a:r>
-            <a:r>
-              <a:rPr lang="en-GB" altLang="zh-CN" sz="1800" b="1" dirty="0" smtClean="0">
-                <a:latin typeface="Ebrima" panose="02000000000000000000" pitchFamily="2" charset="0"/>
-                <a:ea typeface="Ebrima" panose="02000000000000000000" pitchFamily="2" charset="0"/>
-                <a:cs typeface="Ebrima" panose="02000000000000000000" pitchFamily="2" charset="0"/>
-              </a:rPr>
-              <a:t>more less</a:t>
-            </a:r>
-            <a:r>
-              <a:rPr lang="en-GB" altLang="zh-CN" sz="1800" dirty="0" smtClean="0">
-                <a:latin typeface="Ebrima" panose="02000000000000000000" pitchFamily="2" charset="0"/>
-                <a:ea typeface="Ebrima" panose="02000000000000000000" pitchFamily="2" charset="0"/>
-                <a:cs typeface="Ebrima" panose="02000000000000000000" pitchFamily="2" charset="0"/>
-              </a:rPr>
-              <a:t>.</a:t>
-            </a:r>
-          </a:p>
-          <a:p>
-            <a:pPr marL="342900" indent="-342900">
-              <a:buFont typeface="Arial" panose="020B0604020202020204" pitchFamily="34" charset="0"/>
-              <a:buChar char="•"/>
-            </a:pPr>
-            <a:r>
-              <a:rPr lang="en-GB" altLang="zh-CN" sz="1800" dirty="0" smtClean="0">
-                <a:latin typeface="Ebrima" panose="02000000000000000000" pitchFamily="2" charset="0"/>
-                <a:ea typeface="Ebrima" panose="02000000000000000000" pitchFamily="2" charset="0"/>
-                <a:cs typeface="Ebrima" panose="02000000000000000000" pitchFamily="2" charset="0"/>
-              </a:rPr>
-              <a:t>Plan B needs </a:t>
-            </a:r>
-            <a:r>
-              <a:rPr lang="en-GB" altLang="zh-CN" sz="1800" b="1" dirty="0" smtClean="0">
-                <a:latin typeface="Ebrima" panose="02000000000000000000" pitchFamily="2" charset="0"/>
-                <a:ea typeface="Ebrima" panose="02000000000000000000" pitchFamily="2" charset="0"/>
-                <a:cs typeface="Ebrima" panose="02000000000000000000" pitchFamily="2" charset="0"/>
-              </a:rPr>
-              <a:t>transform current platform to </a:t>
-            </a:r>
-            <a:r>
-              <a:rPr lang="en-GB" altLang="zh-CN" sz="1800" b="1" dirty="0" err="1" smtClean="0">
-                <a:latin typeface="Ebrima" panose="02000000000000000000" pitchFamily="2" charset="0"/>
-                <a:ea typeface="Ebrima" panose="02000000000000000000" pitchFamily="2" charset="0"/>
-                <a:cs typeface="Ebrima" panose="02000000000000000000" pitchFamily="2" charset="0"/>
-              </a:rPr>
-              <a:t>linux</a:t>
-            </a:r>
-            <a:r>
-              <a:rPr lang="en-GB" altLang="zh-CN" sz="1800" b="1" dirty="0" smtClean="0">
-                <a:latin typeface="Ebrima" panose="02000000000000000000" pitchFamily="2" charset="0"/>
-                <a:ea typeface="Ebrima" panose="02000000000000000000" pitchFamily="2" charset="0"/>
-                <a:cs typeface="Ebrima" panose="02000000000000000000" pitchFamily="2" charset="0"/>
-              </a:rPr>
-              <a:t>.</a:t>
-            </a:r>
-          </a:p>
-          <a:p>
-            <a:pPr marL="342900" indent="-342900">
-              <a:buFont typeface="Arial" panose="020B0604020202020204" pitchFamily="34" charset="0"/>
-              <a:buChar char="•"/>
-            </a:pPr>
-            <a:endParaRPr lang="zh-CN" altLang="en-US" sz="1800" dirty="0">
-              <a:latin typeface="Ebrima" panose="02000000000000000000" pitchFamily="2" charset="0"/>
-              <a:cs typeface="Ebrima" panose="02000000000000000000" pitchFamily="2" charset="0"/>
+            <a:r>
+              <a:rPr lang="en-US" altLang="zh-CN" sz="2800" b="1" dirty="0" smtClean="0">
+                <a:solidFill>
+                  <a:schemeClr val="bg2">
+                    <a:lumMod val="10000"/>
+                  </a:schemeClr>
+                </a:solidFill>
+              </a:rPr>
+              <a:t>PC2</a:t>
+            </a:r>
+            <a:endParaRPr lang="zh-CN" altLang="en-US" sz="2800" b="1" dirty="0">
+              <a:solidFill>
+                <a:schemeClr val="bg2">
+                  <a:lumMod val="10000"/>
+                </a:schemeClr>
+              </a:solidFill>
             </a:endParaRPr>
           </a:p>
         </p:txBody>
@@ -7189,7 +6739,7 @@
     </p:spTree>
     <p:extLst>
       <p:ext uri="{BB962C8B-B14F-4D97-AF65-F5344CB8AC3E}">
-        <p14:creationId xmlns:p14="http://schemas.microsoft.com/office/powerpoint/2010/main" val="1899244114"/>
+        <p14:creationId xmlns:p14="http://schemas.microsoft.com/office/powerpoint/2010/main" val="2374247057"/>
       </p:ext>
     </p:extLst>
   </p:cSld>
@@ -7232,7 +6782,7 @@
         <p:spPr>
           <a:xfrm>
             <a:off x="539552" y="1127500"/>
-            <a:ext cx="3235886" cy="400110"/>
+            <a:ext cx="4284571" cy="400110"/>
           </a:xfrm>
           <a:prstGeom prst="rect">
             <a:avLst/>
@@ -7255,8 +6805,11 @@
               <a:rPr lang="de-DE" b="1" dirty="0" smtClean="0">
                 <a:latin typeface="+mn-lt"/>
               </a:rPr>
-              <a:t>Robot</a:t>
-            </a:r>
+              <a:t>Robot Structure</a:t>
+            </a:r>
+            <a:endParaRPr lang="de-DE" b="1" dirty="0" smtClean="0">
+              <a:latin typeface="+mn-lt"/>
+            </a:endParaRPr>
           </a:p>
         </p:txBody>
       </p:sp>
@@ -7303,7 +6856,7 @@
         <p:spPr>
           <a:xfrm>
             <a:off x="575544" y="1527610"/>
-            <a:ext cx="8064896" cy="2862322"/>
+            <a:ext cx="8064896" cy="400110"/>
           </a:xfrm>
           <a:prstGeom prst="rect">
             <a:avLst/>
@@ -7317,120 +6870,48 @@
           <a:lstStyle/>
           <a:p>
             <a:r>
-              <a:rPr lang="en-GB" altLang="zh-CN" dirty="0">
-                <a:latin typeface="+mn-lt"/>
-              </a:rPr>
-              <a:t> </a:t>
-            </a:r>
-            <a:r>
               <a:rPr lang="en-GB" altLang="zh-CN" dirty="0" smtClean="0">
                 <a:latin typeface="+mn-lt"/>
               </a:rPr>
-              <a:t>    No matter which kind of hardware plan is choice, we need a distribute system for robot. This distribute system handles following tasks:</a:t>
-            </a:r>
-          </a:p>
-          <a:p>
-            <a:pPr marL="342900" indent="-342900">
-              <a:buFont typeface="Arial" panose="020B0604020202020204" pitchFamily="34" charset="0"/>
-              <a:buChar char="•"/>
-            </a:pPr>
-            <a:r>
-              <a:rPr lang="en-GB" altLang="zh-CN" dirty="0" smtClean="0">
-                <a:latin typeface="+mn-lt"/>
-              </a:rPr>
-              <a:t>Build up a local network.</a:t>
-            </a:r>
-          </a:p>
-          <a:p>
-            <a:pPr marL="342900" indent="-342900">
-              <a:buFont typeface="Arial" panose="020B0604020202020204" pitchFamily="34" charset="0"/>
-              <a:buChar char="•"/>
-            </a:pPr>
-            <a:r>
-              <a:rPr lang="en-GB" altLang="zh-CN" dirty="0" smtClean="0">
-                <a:latin typeface="+mn-lt"/>
-              </a:rPr>
-              <a:t>Transmission data through the network.</a:t>
-            </a:r>
-          </a:p>
-          <a:p>
-            <a:pPr marL="800100" lvl="1" indent="-342900">
-              <a:buFont typeface="Arial" panose="020B0604020202020204" pitchFamily="34" charset="0"/>
-              <a:buChar char="•"/>
-            </a:pPr>
-            <a:r>
-              <a:rPr lang="en-GB" altLang="zh-CN" dirty="0" smtClean="0">
-                <a:latin typeface="+mn-lt"/>
-              </a:rPr>
-              <a:t>Physical data: position, speed, distance…</a:t>
-            </a:r>
-          </a:p>
-          <a:p>
-            <a:pPr marL="800100" lvl="1" indent="-342900">
-              <a:buFont typeface="Arial" panose="020B0604020202020204" pitchFamily="34" charset="0"/>
-              <a:buChar char="•"/>
-            </a:pPr>
-            <a:r>
-              <a:rPr lang="en-GB" altLang="zh-CN" dirty="0" smtClean="0">
-                <a:latin typeface="+mn-lt"/>
-              </a:rPr>
-              <a:t>Command data: start to move, stop, setting target…</a:t>
-            </a:r>
-          </a:p>
-          <a:p>
-            <a:pPr marL="342900" indent="-342900">
-              <a:buFont typeface="Arial" panose="020B0604020202020204" pitchFamily="34" charset="0"/>
-              <a:buChar char="•"/>
-            </a:pPr>
-            <a:r>
-              <a:rPr lang="en-GB" altLang="zh-CN" dirty="0" smtClean="0">
-                <a:latin typeface="+mn-lt"/>
-              </a:rPr>
-              <a:t>Supply interface for other project.</a:t>
-            </a:r>
-          </a:p>
-          <a:p>
-            <a:pPr marL="800100" lvl="1" indent="-342900">
-              <a:buFont typeface="Arial" panose="020B0604020202020204" pitchFamily="34" charset="0"/>
-              <a:buChar char="•"/>
-            </a:pPr>
-            <a:r>
-              <a:rPr lang="en-GB" altLang="zh-CN" dirty="0" smtClean="0">
-                <a:latin typeface="+mn-lt"/>
-              </a:rPr>
-              <a:t>toolbox for </a:t>
-            </a:r>
-            <a:r>
-              <a:rPr lang="en-GB" altLang="zh-CN" dirty="0" err="1" smtClean="0">
-                <a:latin typeface="+mn-lt"/>
-              </a:rPr>
-              <a:t>matlab</a:t>
-            </a:r>
-            <a:r>
-              <a:rPr lang="en-GB" altLang="zh-CN" dirty="0" smtClean="0">
-                <a:latin typeface="+mn-lt"/>
-              </a:rPr>
-              <a:t>. </a:t>
-            </a:r>
-          </a:p>
-          <a:p>
-            <a:pPr marL="800100" lvl="1" indent="-342900">
-              <a:buFont typeface="Arial" panose="020B0604020202020204" pitchFamily="34" charset="0"/>
-              <a:buChar char="•"/>
-            </a:pPr>
-            <a:r>
-              <a:rPr lang="en-GB" altLang="zh-CN" dirty="0" smtClean="0">
-                <a:latin typeface="+mn-lt"/>
-              </a:rPr>
-              <a:t>C/C++ function interface.   </a:t>
+              <a:t> </a:t>
             </a:r>
           </a:p>
         </p:txBody>
       </p:sp>
+      <p:pic>
+        <p:nvPicPr>
+          <p:cNvPr id="2" name="图片 1"/>
+          <p:cNvPicPr>
+            <a:picLocks noChangeAspect="1"/>
+          </p:cNvPicPr>
+          <p:nvPr/>
+        </p:nvPicPr>
+        <p:blipFill>
+          <a:blip r:embed="rId3">
+            <a:extLst>
+              <a:ext uri="{28A0092B-C50C-407E-A947-70E740481C1C}">
+                <a14:useLocalDpi xmlns:a14="http://schemas.microsoft.com/office/drawing/2010/main" val="0"/>
+              </a:ext>
+            </a:extLst>
+          </a:blip>
+          <a:stretch>
+            <a:fillRect/>
+          </a:stretch>
+        </p:blipFill>
+        <p:spPr>
+          <a:xfrm>
+            <a:off x="726554" y="1727665"/>
+            <a:ext cx="7762875" cy="4238625"/>
+          </a:xfrm>
+          <a:prstGeom prst="rect">
+            <a:avLst/>
+          </a:prstGeom>
+        </p:spPr>
+      </p:pic>
     </p:spTree>
     <p:extLst>
       <p:ext uri="{BB962C8B-B14F-4D97-AF65-F5344CB8AC3E}">
-        <p14:creationId xmlns:p14="http://schemas.microsoft.com/office/powerpoint/2010/main" val="187496112"/>
+        <p14:creationId xmlns:p14="http://schemas.microsoft.com/office/powerpoint/2010/main" val="280520276"/>
       </p:ext>
     </p:extLst>
   </p:cSld>
@@ -7473,7 +6954,7 @@
         <p:spPr>
           <a:xfrm>
             <a:off x="539552" y="1127500"/>
-            <a:ext cx="3235886" cy="400110"/>
+            <a:ext cx="5265352" cy="400110"/>
           </a:xfrm>
           <a:prstGeom prst="rect">
             <a:avLst/>
@@ -7487,16 +6968,10 @@
           <a:lstStyle/>
           <a:p>
             <a:r>
-              <a:rPr lang="de-DE" b="1" dirty="0">
-                <a:latin typeface="+mn-lt"/>
-              </a:rPr>
-              <a:t>Distrubute System For </a:t>
-            </a:r>
-            <a:r>
               <a:rPr lang="de-DE" b="1" dirty="0" smtClean="0">
                 <a:latin typeface="+mn-lt"/>
               </a:rPr>
-              <a:t>Robot</a:t>
+              <a:t>Topic: Distrubute control base on image process</a:t>
             </a:r>
           </a:p>
         </p:txBody>
@@ -7568,14 +7043,14 @@
       </p:sp>
       <p:pic>
         <p:nvPicPr>
-          <p:cNvPr id="6" name="图片 5"/>
+          <p:cNvPr id="3" name="图片 2"/>
           <p:cNvPicPr>
             <a:picLocks noChangeAspect="1"/>
           </p:cNvPicPr>
           <p:nvPr/>
         </p:nvPicPr>
         <p:blipFill>
-          <a:blip r:embed="rId2">
+          <a:blip r:embed="rId3">
             <a:extLst>
               <a:ext uri="{28A0092B-C50C-407E-A947-70E740481C1C}">
                 <a14:useLocalDpi xmlns:a14="http://schemas.microsoft.com/office/drawing/2010/main" val="0"/>
@@ -7588,8 +7063,8 @@
         </p:blipFill>
         <p:spPr>
           <a:xfrm>
-            <a:off x="904032" y="1727665"/>
-            <a:ext cx="7772400" cy="4238625"/>
+            <a:off x="721792" y="1727665"/>
+            <a:ext cx="7772400" cy="4248150"/>
           </a:xfrm>
           <a:prstGeom prst="rect">
             <a:avLst/>
@@ -7599,7 +7074,7 @@
     </p:spTree>
     <p:extLst>
       <p:ext uri="{BB962C8B-B14F-4D97-AF65-F5344CB8AC3E}">
-        <p14:creationId xmlns:p14="http://schemas.microsoft.com/office/powerpoint/2010/main" val="280520276"/>
+        <p14:creationId xmlns:p14="http://schemas.microsoft.com/office/powerpoint/2010/main" val="2863977462"/>
       </p:ext>
     </p:extLst>
   </p:cSld>
@@ -7633,16 +7108,962 @@
           <a:chExt cx="0" cy="0"/>
         </a:xfrm>
       </p:grpSpPr>
-      <p:sp>
-        <p:nvSpPr>
-          <p:cNvPr id="53" name="Textfeld 52"/>
+      <p:grpSp>
+        <p:nvGrpSpPr>
+          <p:cNvPr id="6" name="Gruppieren 5"/>
+          <p:cNvGrpSpPr/>
+          <p:nvPr/>
+        </p:nvGrpSpPr>
+        <p:grpSpPr>
+          <a:xfrm>
+            <a:off x="539552" y="2492896"/>
+            <a:ext cx="1800200" cy="1635727"/>
+            <a:chOff x="1187624" y="2852936"/>
+            <a:chExt cx="2615066" cy="2376144"/>
+          </a:xfrm>
+        </p:grpSpPr>
+        <p:pic>
+          <p:nvPicPr>
+            <p:cNvPr id="3" name="Grafik 2"/>
+            <p:cNvPicPr>
+              <a:picLocks noChangeAspect="1"/>
+            </p:cNvPicPr>
+            <p:nvPr/>
+          </p:nvPicPr>
+          <p:blipFill>
+            <a:blip r:embed="rId3"/>
+            <a:stretch>
+              <a:fillRect/>
+            </a:stretch>
+          </p:blipFill>
+          <p:spPr>
+            <a:xfrm>
+              <a:off x="1907704" y="2852936"/>
+              <a:ext cx="1102898" cy="1080000"/>
+            </a:xfrm>
+            <a:prstGeom prst="rect">
+              <a:avLst/>
+            </a:prstGeom>
+          </p:spPr>
+        </p:pic>
+        <p:pic>
+          <p:nvPicPr>
+            <p:cNvPr id="4" name="Grafik 3"/>
+            <p:cNvPicPr>
+              <a:picLocks noChangeAspect="1"/>
+            </p:cNvPicPr>
+            <p:nvPr/>
+          </p:nvPicPr>
+          <p:blipFill>
+            <a:blip r:embed="rId3"/>
+            <a:stretch>
+              <a:fillRect/>
+            </a:stretch>
+          </p:blipFill>
+          <p:spPr>
+            <a:xfrm>
+              <a:off x="1187624" y="4149080"/>
+              <a:ext cx="1102898" cy="1080000"/>
+            </a:xfrm>
+            <a:prstGeom prst="rect">
+              <a:avLst/>
+            </a:prstGeom>
+          </p:spPr>
+        </p:pic>
+        <p:pic>
+          <p:nvPicPr>
+            <p:cNvPr id="5" name="Grafik 4"/>
+            <p:cNvPicPr>
+              <a:picLocks noChangeAspect="1"/>
+            </p:cNvPicPr>
+            <p:nvPr/>
+          </p:nvPicPr>
+          <p:blipFill>
+            <a:blip r:embed="rId3"/>
+            <a:stretch>
+              <a:fillRect/>
+            </a:stretch>
+          </p:blipFill>
+          <p:spPr>
+            <a:xfrm>
+              <a:off x="2699792" y="4149080"/>
+              <a:ext cx="1102898" cy="1080000"/>
+            </a:xfrm>
+            <a:prstGeom prst="rect">
+              <a:avLst/>
+            </a:prstGeom>
+          </p:spPr>
+        </p:pic>
+      </p:grpSp>
+      <p:sp>
+        <p:nvSpPr>
+          <p:cNvPr id="7" name="Ellipse 6"/>
+          <p:cNvSpPr/>
+          <p:nvPr/>
+        </p:nvSpPr>
+        <p:spPr>
+          <a:xfrm>
+            <a:off x="1035252" y="1412776"/>
+            <a:ext cx="288032" cy="288032"/>
+          </a:xfrm>
+          <a:prstGeom prst="ellipse">
+            <a:avLst/>
+          </a:prstGeom>
+          <a:solidFill>
+            <a:srgbClr val="F91515"/>
+          </a:solidFill>
+          <a:ln>
+            <a:solidFill>
+              <a:srgbClr val="F91515"/>
+            </a:solidFill>
+          </a:ln>
+        </p:spPr>
+        <p:style>
+          <a:lnRef idx="2">
+            <a:schemeClr val="accent1">
+              <a:shade val="50000"/>
+            </a:schemeClr>
+          </a:lnRef>
+          <a:fillRef idx="1">
+            <a:schemeClr val="accent1"/>
+          </a:fillRef>
+          <a:effectRef idx="0">
+            <a:schemeClr val="accent1"/>
+          </a:effectRef>
+          <a:fontRef idx="minor">
+            <a:schemeClr val="lt1"/>
+          </a:fontRef>
+        </p:style>
+        <p:txBody>
+          <a:bodyPr rtlCol="0" anchor="ctr"/>
+          <a:lstStyle/>
+          <a:p>
+            <a:pPr algn="ctr"/>
+            <a:endParaRPr lang="de-DE"/>
+          </a:p>
+        </p:txBody>
+      </p:sp>
+      <p:sp>
+        <p:nvSpPr>
+          <p:cNvPr id="8" name="Textfeld 7"/>
           <p:cNvSpPr txBox="1"/>
           <p:nvPr/>
         </p:nvSpPr>
         <p:spPr>
           <a:xfrm>
-            <a:off x="539552" y="1127500"/>
-            <a:ext cx="5265352" cy="400110"/>
+            <a:off x="1448743" y="1412776"/>
+            <a:ext cx="1152128" cy="400110"/>
+          </a:xfrm>
+          <a:prstGeom prst="rect">
+            <a:avLst/>
+          </a:prstGeom>
+          <a:noFill/>
+        </p:spPr>
+        <p:txBody>
+          <a:bodyPr wrap="square" rtlCol="0">
+            <a:spAutoFit/>
+          </a:bodyPr>
+          <a:lstStyle/>
+          <a:p>
+            <a:r>
+              <a:rPr lang="de-DE" altLang="zh-CN" dirty="0" err="1" smtClean="0"/>
+              <a:t>target</a:t>
+            </a:r>
+            <a:endParaRPr lang="de-DE" dirty="0"/>
+          </a:p>
+        </p:txBody>
+      </p:sp>
+      <p:grpSp>
+        <p:nvGrpSpPr>
+          <p:cNvPr id="9" name="Gruppieren 8"/>
+          <p:cNvGrpSpPr/>
+          <p:nvPr/>
+        </p:nvGrpSpPr>
+        <p:grpSpPr>
+          <a:xfrm rot="8718990">
+            <a:off x="6299686" y="1716329"/>
+            <a:ext cx="1800200" cy="1635727"/>
+            <a:chOff x="1187624" y="2852936"/>
+            <a:chExt cx="2615066" cy="2376144"/>
+          </a:xfrm>
+        </p:grpSpPr>
+        <p:pic>
+          <p:nvPicPr>
+            <p:cNvPr id="10" name="Grafik 9"/>
+            <p:cNvPicPr>
+              <a:picLocks noChangeAspect="1"/>
+            </p:cNvPicPr>
+            <p:nvPr/>
+          </p:nvPicPr>
+          <p:blipFill>
+            <a:blip r:embed="rId3"/>
+            <a:stretch>
+              <a:fillRect/>
+            </a:stretch>
+          </p:blipFill>
+          <p:spPr>
+            <a:xfrm>
+              <a:off x="1907704" y="2852936"/>
+              <a:ext cx="1102898" cy="1080000"/>
+            </a:xfrm>
+            <a:prstGeom prst="rect">
+              <a:avLst/>
+            </a:prstGeom>
+          </p:spPr>
+        </p:pic>
+        <p:pic>
+          <p:nvPicPr>
+            <p:cNvPr id="11" name="Grafik 10"/>
+            <p:cNvPicPr>
+              <a:picLocks noChangeAspect="1"/>
+            </p:cNvPicPr>
+            <p:nvPr/>
+          </p:nvPicPr>
+          <p:blipFill>
+            <a:blip r:embed="rId3"/>
+            <a:stretch>
+              <a:fillRect/>
+            </a:stretch>
+          </p:blipFill>
+          <p:spPr>
+            <a:xfrm>
+              <a:off x="1187624" y="4149080"/>
+              <a:ext cx="1102898" cy="1080000"/>
+            </a:xfrm>
+            <a:prstGeom prst="rect">
+              <a:avLst/>
+            </a:prstGeom>
+          </p:spPr>
+        </p:pic>
+        <p:pic>
+          <p:nvPicPr>
+            <p:cNvPr id="12" name="Grafik 11"/>
+            <p:cNvPicPr>
+              <a:picLocks noChangeAspect="1"/>
+            </p:cNvPicPr>
+            <p:nvPr/>
+          </p:nvPicPr>
+          <p:blipFill>
+            <a:blip r:embed="rId3"/>
+            <a:stretch>
+              <a:fillRect/>
+            </a:stretch>
+          </p:blipFill>
+          <p:spPr>
+            <a:xfrm>
+              <a:off x="2699792" y="4149080"/>
+              <a:ext cx="1102898" cy="1080000"/>
+            </a:xfrm>
+            <a:prstGeom prst="rect">
+              <a:avLst/>
+            </a:prstGeom>
+          </p:spPr>
+        </p:pic>
+      </p:grpSp>
+      <p:sp>
+        <p:nvSpPr>
+          <p:cNvPr id="13" name="Ellipse 12"/>
+          <p:cNvSpPr/>
+          <p:nvPr/>
+        </p:nvSpPr>
+        <p:spPr>
+          <a:xfrm>
+            <a:off x="3191163" y="5129282"/>
+            <a:ext cx="288032" cy="288032"/>
+          </a:xfrm>
+          <a:prstGeom prst="ellipse">
+            <a:avLst/>
+          </a:prstGeom>
+          <a:solidFill>
+            <a:srgbClr val="F91515"/>
+          </a:solidFill>
+          <a:ln>
+            <a:solidFill>
+              <a:srgbClr val="F91515"/>
+            </a:solidFill>
+          </a:ln>
+        </p:spPr>
+        <p:style>
+          <a:lnRef idx="2">
+            <a:schemeClr val="accent1">
+              <a:shade val="50000"/>
+            </a:schemeClr>
+          </a:lnRef>
+          <a:fillRef idx="1">
+            <a:schemeClr val="accent1"/>
+          </a:fillRef>
+          <a:effectRef idx="0">
+            <a:schemeClr val="accent1"/>
+          </a:effectRef>
+          <a:fontRef idx="minor">
+            <a:schemeClr val="lt1"/>
+          </a:fontRef>
+        </p:style>
+        <p:txBody>
+          <a:bodyPr rtlCol="0" anchor="ctr"/>
+          <a:lstStyle/>
+          <a:p>
+            <a:pPr algn="ctr"/>
+            <a:endParaRPr lang="de-DE"/>
+          </a:p>
+        </p:txBody>
+      </p:sp>
+      <p:sp>
+        <p:nvSpPr>
+          <p:cNvPr id="14" name="Textfeld 13"/>
+          <p:cNvSpPr txBox="1"/>
+          <p:nvPr/>
+        </p:nvSpPr>
+        <p:spPr>
+          <a:xfrm>
+            <a:off x="2950873" y="5493381"/>
+            <a:ext cx="1152128" cy="400110"/>
+          </a:xfrm>
+          <a:prstGeom prst="rect">
+            <a:avLst/>
+          </a:prstGeom>
+          <a:noFill/>
+        </p:spPr>
+        <p:txBody>
+          <a:bodyPr wrap="square" rtlCol="0">
+            <a:spAutoFit/>
+          </a:bodyPr>
+          <a:lstStyle/>
+          <a:p>
+            <a:r>
+              <a:rPr lang="de-DE" altLang="zh-CN" dirty="0" err="1" smtClean="0"/>
+              <a:t>target</a:t>
+            </a:r>
+            <a:endParaRPr lang="de-DE" dirty="0"/>
+          </a:p>
+        </p:txBody>
+      </p:sp>
+      <p:sp>
+        <p:nvSpPr>
+          <p:cNvPr id="15" name="Textfeld 14"/>
+          <p:cNvSpPr txBox="1"/>
+          <p:nvPr/>
+        </p:nvSpPr>
+        <p:spPr>
+          <a:xfrm>
+            <a:off x="1225133" y="2800097"/>
+            <a:ext cx="379468" cy="400110"/>
+          </a:xfrm>
+          <a:prstGeom prst="rect">
+            <a:avLst/>
+          </a:prstGeom>
+          <a:noFill/>
+        </p:spPr>
+        <p:txBody>
+          <a:bodyPr wrap="square" rtlCol="0">
+            <a:spAutoFit/>
+          </a:bodyPr>
+          <a:lstStyle/>
+          <a:p>
+            <a:r>
+              <a:rPr lang="de-DE" altLang="zh-CN" dirty="0" smtClean="0">
+                <a:solidFill>
+                  <a:srgbClr val="FF0000"/>
+                </a:solidFill>
+              </a:rPr>
+              <a:t>1</a:t>
+            </a:r>
+            <a:endParaRPr lang="de-DE" dirty="0">
+              <a:solidFill>
+                <a:srgbClr val="FF0000"/>
+              </a:solidFill>
+            </a:endParaRPr>
+          </a:p>
+        </p:txBody>
+      </p:sp>
+      <p:sp>
+        <p:nvSpPr>
+          <p:cNvPr id="16" name="Textfeld 15"/>
+          <p:cNvSpPr txBox="1"/>
+          <p:nvPr/>
+        </p:nvSpPr>
+        <p:spPr>
+          <a:xfrm>
+            <a:off x="729433" y="3705628"/>
+            <a:ext cx="379468" cy="400110"/>
+          </a:xfrm>
+          <a:prstGeom prst="rect">
+            <a:avLst/>
+          </a:prstGeom>
+          <a:noFill/>
+        </p:spPr>
+        <p:txBody>
+          <a:bodyPr wrap="square" rtlCol="0">
+            <a:spAutoFit/>
+          </a:bodyPr>
+          <a:lstStyle/>
+          <a:p>
+            <a:r>
+              <a:rPr lang="de-DE" dirty="0">
+                <a:solidFill>
+                  <a:srgbClr val="FF0000"/>
+                </a:solidFill>
+              </a:rPr>
+              <a:t>2</a:t>
+            </a:r>
+          </a:p>
+        </p:txBody>
+      </p:sp>
+      <p:sp>
+        <p:nvSpPr>
+          <p:cNvPr id="17" name="Textfeld 16"/>
+          <p:cNvSpPr txBox="1"/>
+          <p:nvPr/>
+        </p:nvSpPr>
+        <p:spPr>
+          <a:xfrm>
+            <a:off x="1750151" y="3716318"/>
+            <a:ext cx="379468" cy="400110"/>
+          </a:xfrm>
+          <a:prstGeom prst="rect">
+            <a:avLst/>
+          </a:prstGeom>
+          <a:noFill/>
+        </p:spPr>
+        <p:txBody>
+          <a:bodyPr wrap="square" rtlCol="0">
+            <a:spAutoFit/>
+          </a:bodyPr>
+          <a:lstStyle/>
+          <a:p>
+            <a:r>
+              <a:rPr lang="de-DE" altLang="zh-CN" dirty="0" smtClean="0">
+                <a:solidFill>
+                  <a:srgbClr val="FF0000"/>
+                </a:solidFill>
+              </a:rPr>
+              <a:t>3</a:t>
+            </a:r>
+            <a:endParaRPr lang="de-DE" dirty="0">
+              <a:solidFill>
+                <a:srgbClr val="FF0000"/>
+              </a:solidFill>
+            </a:endParaRPr>
+          </a:p>
+        </p:txBody>
+      </p:sp>
+      <p:sp>
+        <p:nvSpPr>
+          <p:cNvPr id="18" name="Textfeld 17"/>
+          <p:cNvSpPr txBox="1"/>
+          <p:nvPr/>
+        </p:nvSpPr>
+        <p:spPr>
+          <a:xfrm>
+            <a:off x="4438472" y="3438869"/>
+            <a:ext cx="379468" cy="400110"/>
+          </a:xfrm>
+          <a:prstGeom prst="rect">
+            <a:avLst/>
+          </a:prstGeom>
+          <a:noFill/>
+        </p:spPr>
+        <p:txBody>
+          <a:bodyPr wrap="square" rtlCol="0">
+            <a:spAutoFit/>
+          </a:bodyPr>
+          <a:lstStyle/>
+          <a:p>
+            <a:r>
+              <a:rPr lang="de-DE" altLang="zh-CN" dirty="0" smtClean="0">
+                <a:solidFill>
+                  <a:srgbClr val="FF0000"/>
+                </a:solidFill>
+              </a:rPr>
+              <a:t>1</a:t>
+            </a:r>
+            <a:endParaRPr lang="de-DE" dirty="0">
+              <a:solidFill>
+                <a:srgbClr val="FF0000"/>
+              </a:solidFill>
+            </a:endParaRPr>
+          </a:p>
+        </p:txBody>
+      </p:sp>
+      <p:sp>
+        <p:nvSpPr>
+          <p:cNvPr id="19" name="Textfeld 18"/>
+          <p:cNvSpPr txBox="1"/>
+          <p:nvPr/>
+        </p:nvSpPr>
+        <p:spPr>
+          <a:xfrm>
+            <a:off x="4064768" y="4414318"/>
+            <a:ext cx="379468" cy="400110"/>
+          </a:xfrm>
+          <a:prstGeom prst="rect">
+            <a:avLst/>
+          </a:prstGeom>
+          <a:noFill/>
+        </p:spPr>
+        <p:txBody>
+          <a:bodyPr wrap="square" rtlCol="0">
+            <a:spAutoFit/>
+          </a:bodyPr>
+          <a:lstStyle/>
+          <a:p>
+            <a:r>
+              <a:rPr lang="de-DE" altLang="zh-CN" dirty="0" smtClean="0">
+                <a:solidFill>
+                  <a:srgbClr val="FF0000"/>
+                </a:solidFill>
+              </a:rPr>
+              <a:t>2</a:t>
+            </a:r>
+            <a:endParaRPr lang="de-DE" dirty="0">
+              <a:solidFill>
+                <a:srgbClr val="FF0000"/>
+              </a:solidFill>
+            </a:endParaRPr>
+          </a:p>
+        </p:txBody>
+      </p:sp>
+      <p:sp>
+        <p:nvSpPr>
+          <p:cNvPr id="20" name="Textfeld 19"/>
+          <p:cNvSpPr txBox="1"/>
+          <p:nvPr/>
+        </p:nvSpPr>
+        <p:spPr>
+          <a:xfrm>
+            <a:off x="5083008" y="4216473"/>
+            <a:ext cx="379468" cy="400110"/>
+          </a:xfrm>
+          <a:prstGeom prst="rect">
+            <a:avLst/>
+          </a:prstGeom>
+          <a:noFill/>
+        </p:spPr>
+        <p:txBody>
+          <a:bodyPr wrap="square" rtlCol="0">
+            <a:spAutoFit/>
+          </a:bodyPr>
+          <a:lstStyle/>
+          <a:p>
+            <a:r>
+              <a:rPr lang="de-DE" altLang="zh-CN" dirty="0" smtClean="0">
+                <a:solidFill>
+                  <a:srgbClr val="FF0000"/>
+                </a:solidFill>
+              </a:rPr>
+              <a:t>3</a:t>
+            </a:r>
+            <a:endParaRPr lang="de-DE" dirty="0">
+              <a:solidFill>
+                <a:srgbClr val="FF0000"/>
+              </a:solidFill>
+            </a:endParaRPr>
+          </a:p>
+        </p:txBody>
+      </p:sp>
+      <p:sp>
+        <p:nvSpPr>
+          <p:cNvPr id="21" name="Ellipse 20"/>
+          <p:cNvSpPr/>
+          <p:nvPr/>
+        </p:nvSpPr>
+        <p:spPr>
+          <a:xfrm>
+            <a:off x="7902525" y="3550947"/>
+            <a:ext cx="288032" cy="288032"/>
+          </a:xfrm>
+          <a:prstGeom prst="ellipse">
+            <a:avLst/>
+          </a:prstGeom>
+          <a:solidFill>
+            <a:srgbClr val="F91515"/>
+          </a:solidFill>
+          <a:ln>
+            <a:solidFill>
+              <a:srgbClr val="F91515"/>
+            </a:solidFill>
+          </a:ln>
+        </p:spPr>
+        <p:style>
+          <a:lnRef idx="2">
+            <a:schemeClr val="accent1">
+              <a:shade val="50000"/>
+            </a:schemeClr>
+          </a:lnRef>
+          <a:fillRef idx="1">
+            <a:schemeClr val="accent1"/>
+          </a:fillRef>
+          <a:effectRef idx="0">
+            <a:schemeClr val="accent1"/>
+          </a:effectRef>
+          <a:fontRef idx="minor">
+            <a:schemeClr val="lt1"/>
+          </a:fontRef>
+        </p:style>
+        <p:txBody>
+          <a:bodyPr rtlCol="0" anchor="ctr"/>
+          <a:lstStyle/>
+          <a:p>
+            <a:pPr algn="ctr"/>
+            <a:endParaRPr lang="de-DE"/>
+          </a:p>
+        </p:txBody>
+      </p:sp>
+      <p:sp>
+        <p:nvSpPr>
+          <p:cNvPr id="22" name="Textfeld 21"/>
+          <p:cNvSpPr txBox="1"/>
+          <p:nvPr/>
+        </p:nvSpPr>
+        <p:spPr>
+          <a:xfrm>
+            <a:off x="7662235" y="3915046"/>
+            <a:ext cx="1152128" cy="400110"/>
+          </a:xfrm>
+          <a:prstGeom prst="rect">
+            <a:avLst/>
+          </a:prstGeom>
+          <a:noFill/>
+        </p:spPr>
+        <p:txBody>
+          <a:bodyPr wrap="square" rtlCol="0">
+            <a:spAutoFit/>
+          </a:bodyPr>
+          <a:lstStyle/>
+          <a:p>
+            <a:r>
+              <a:rPr lang="de-DE" altLang="zh-CN" dirty="0" err="1" smtClean="0"/>
+              <a:t>target</a:t>
+            </a:r>
+            <a:endParaRPr lang="de-DE" dirty="0"/>
+          </a:p>
+        </p:txBody>
+      </p:sp>
+      <p:grpSp>
+        <p:nvGrpSpPr>
+          <p:cNvPr id="35" name="Gruppieren 34"/>
+          <p:cNvGrpSpPr/>
+          <p:nvPr/>
+        </p:nvGrpSpPr>
+        <p:grpSpPr>
+          <a:xfrm rot="13952891">
+            <a:off x="3735783" y="3708081"/>
+            <a:ext cx="1800200" cy="1635727"/>
+            <a:chOff x="1187624" y="2852936"/>
+            <a:chExt cx="2615066" cy="2376144"/>
+          </a:xfrm>
+        </p:grpSpPr>
+        <p:pic>
+          <p:nvPicPr>
+            <p:cNvPr id="36" name="Grafik 35"/>
+            <p:cNvPicPr>
+              <a:picLocks noChangeAspect="1"/>
+            </p:cNvPicPr>
+            <p:nvPr/>
+          </p:nvPicPr>
+          <p:blipFill>
+            <a:blip r:embed="rId3"/>
+            <a:stretch>
+              <a:fillRect/>
+            </a:stretch>
+          </p:blipFill>
+          <p:spPr>
+            <a:xfrm>
+              <a:off x="1907704" y="2852936"/>
+              <a:ext cx="1102898" cy="1080000"/>
+            </a:xfrm>
+            <a:prstGeom prst="rect">
+              <a:avLst/>
+            </a:prstGeom>
+          </p:spPr>
+        </p:pic>
+        <p:pic>
+          <p:nvPicPr>
+            <p:cNvPr id="37" name="Grafik 36"/>
+            <p:cNvPicPr>
+              <a:picLocks noChangeAspect="1"/>
+            </p:cNvPicPr>
+            <p:nvPr/>
+          </p:nvPicPr>
+          <p:blipFill>
+            <a:blip r:embed="rId3"/>
+            <a:stretch>
+              <a:fillRect/>
+            </a:stretch>
+          </p:blipFill>
+          <p:spPr>
+            <a:xfrm>
+              <a:off x="1187624" y="4149080"/>
+              <a:ext cx="1102898" cy="1080000"/>
+            </a:xfrm>
+            <a:prstGeom prst="rect">
+              <a:avLst/>
+            </a:prstGeom>
+          </p:spPr>
+        </p:pic>
+        <p:pic>
+          <p:nvPicPr>
+            <p:cNvPr id="38" name="Grafik 37"/>
+            <p:cNvPicPr>
+              <a:picLocks noChangeAspect="1"/>
+            </p:cNvPicPr>
+            <p:nvPr/>
+          </p:nvPicPr>
+          <p:blipFill>
+            <a:blip r:embed="rId3"/>
+            <a:stretch>
+              <a:fillRect/>
+            </a:stretch>
+          </p:blipFill>
+          <p:spPr>
+            <a:xfrm>
+              <a:off x="2699792" y="4149080"/>
+              <a:ext cx="1102898" cy="1080000"/>
+            </a:xfrm>
+            <a:prstGeom prst="rect">
+              <a:avLst/>
+            </a:prstGeom>
+          </p:spPr>
+        </p:pic>
+      </p:grpSp>
+      <p:sp>
+        <p:nvSpPr>
+          <p:cNvPr id="41" name="Textfeld 40"/>
+          <p:cNvSpPr txBox="1"/>
+          <p:nvPr/>
+        </p:nvSpPr>
+        <p:spPr>
+          <a:xfrm>
+            <a:off x="4590872" y="3591269"/>
+            <a:ext cx="379468" cy="400110"/>
+          </a:xfrm>
+          <a:prstGeom prst="rect">
+            <a:avLst/>
+          </a:prstGeom>
+          <a:noFill/>
+        </p:spPr>
+        <p:txBody>
+          <a:bodyPr wrap="square" rtlCol="0">
+            <a:spAutoFit/>
+          </a:bodyPr>
+          <a:lstStyle/>
+          <a:p>
+            <a:r>
+              <a:rPr lang="de-DE" altLang="zh-CN" dirty="0" smtClean="0">
+                <a:solidFill>
+                  <a:srgbClr val="FF0000"/>
+                </a:solidFill>
+              </a:rPr>
+              <a:t>1</a:t>
+            </a:r>
+            <a:endParaRPr lang="de-DE" dirty="0">
+              <a:solidFill>
+                <a:srgbClr val="FF0000"/>
+              </a:solidFill>
+            </a:endParaRPr>
+          </a:p>
+        </p:txBody>
+      </p:sp>
+      <p:sp>
+        <p:nvSpPr>
+          <p:cNvPr id="42" name="Textfeld 41"/>
+          <p:cNvSpPr txBox="1"/>
+          <p:nvPr/>
+        </p:nvSpPr>
+        <p:spPr>
+          <a:xfrm>
+            <a:off x="4217168" y="4566718"/>
+            <a:ext cx="379468" cy="400110"/>
+          </a:xfrm>
+          <a:prstGeom prst="rect">
+            <a:avLst/>
+          </a:prstGeom>
+          <a:noFill/>
+        </p:spPr>
+        <p:txBody>
+          <a:bodyPr wrap="square" rtlCol="0">
+            <a:spAutoFit/>
+          </a:bodyPr>
+          <a:lstStyle/>
+          <a:p>
+            <a:r>
+              <a:rPr lang="de-DE" altLang="zh-CN" dirty="0" smtClean="0">
+                <a:solidFill>
+                  <a:srgbClr val="FF0000"/>
+                </a:solidFill>
+              </a:rPr>
+              <a:t>2</a:t>
+            </a:r>
+            <a:endParaRPr lang="de-DE" dirty="0">
+              <a:solidFill>
+                <a:srgbClr val="FF0000"/>
+              </a:solidFill>
+            </a:endParaRPr>
+          </a:p>
+        </p:txBody>
+      </p:sp>
+      <p:sp>
+        <p:nvSpPr>
+          <p:cNvPr id="43" name="Textfeld 42"/>
+          <p:cNvSpPr txBox="1"/>
+          <p:nvPr/>
+        </p:nvSpPr>
+        <p:spPr>
+          <a:xfrm>
+            <a:off x="5235408" y="4368873"/>
+            <a:ext cx="379468" cy="400110"/>
+          </a:xfrm>
+          <a:prstGeom prst="rect">
+            <a:avLst/>
+          </a:prstGeom>
+          <a:noFill/>
+        </p:spPr>
+        <p:txBody>
+          <a:bodyPr wrap="square" rtlCol="0">
+            <a:spAutoFit/>
+          </a:bodyPr>
+          <a:lstStyle/>
+          <a:p>
+            <a:r>
+              <a:rPr lang="de-DE" altLang="zh-CN" dirty="0" smtClean="0">
+                <a:solidFill>
+                  <a:srgbClr val="FF0000"/>
+                </a:solidFill>
+              </a:rPr>
+              <a:t>3</a:t>
+            </a:r>
+            <a:endParaRPr lang="de-DE" dirty="0">
+              <a:solidFill>
+                <a:srgbClr val="FF0000"/>
+              </a:solidFill>
+            </a:endParaRPr>
+          </a:p>
+        </p:txBody>
+      </p:sp>
+      <p:sp>
+        <p:nvSpPr>
+          <p:cNvPr id="44" name="Textfeld 43"/>
+          <p:cNvSpPr txBox="1"/>
+          <p:nvPr/>
+        </p:nvSpPr>
+        <p:spPr>
+          <a:xfrm>
+            <a:off x="6320164" y="2165192"/>
+            <a:ext cx="379468" cy="400110"/>
+          </a:xfrm>
+          <a:prstGeom prst="rect">
+            <a:avLst/>
+          </a:prstGeom>
+          <a:noFill/>
+        </p:spPr>
+        <p:txBody>
+          <a:bodyPr wrap="square" rtlCol="0">
+            <a:spAutoFit/>
+          </a:bodyPr>
+          <a:lstStyle/>
+          <a:p>
+            <a:r>
+              <a:rPr lang="de-DE" altLang="zh-CN" dirty="0" smtClean="0">
+                <a:solidFill>
+                  <a:srgbClr val="FF0000"/>
+                </a:solidFill>
+              </a:rPr>
+              <a:t>2</a:t>
+            </a:r>
+            <a:endParaRPr lang="de-DE" dirty="0">
+              <a:solidFill>
+                <a:srgbClr val="FF0000"/>
+              </a:solidFill>
+            </a:endParaRPr>
+          </a:p>
+        </p:txBody>
+      </p:sp>
+      <p:sp>
+        <p:nvSpPr>
+          <p:cNvPr id="45" name="Textfeld 44"/>
+          <p:cNvSpPr txBox="1"/>
+          <p:nvPr/>
+        </p:nvSpPr>
+        <p:spPr>
+          <a:xfrm>
+            <a:off x="7276278" y="2565302"/>
+            <a:ext cx="379468" cy="400110"/>
+          </a:xfrm>
+          <a:prstGeom prst="rect">
+            <a:avLst/>
+          </a:prstGeom>
+          <a:noFill/>
+        </p:spPr>
+        <p:txBody>
+          <a:bodyPr wrap="square" rtlCol="0">
+            <a:spAutoFit/>
+          </a:bodyPr>
+          <a:lstStyle/>
+          <a:p>
+            <a:r>
+              <a:rPr lang="de-DE" altLang="zh-CN" dirty="0" smtClean="0">
+                <a:solidFill>
+                  <a:srgbClr val="FF0000"/>
+                </a:solidFill>
+              </a:rPr>
+              <a:t>3</a:t>
+            </a:r>
+            <a:endParaRPr lang="de-DE" dirty="0">
+              <a:solidFill>
+                <a:srgbClr val="FF0000"/>
+              </a:solidFill>
+            </a:endParaRPr>
+          </a:p>
+        </p:txBody>
+      </p:sp>
+      <p:sp>
+        <p:nvSpPr>
+          <p:cNvPr id="46" name="Textfeld 45"/>
+          <p:cNvSpPr txBox="1"/>
+          <p:nvPr/>
+        </p:nvSpPr>
+        <p:spPr>
+          <a:xfrm>
+            <a:off x="7184184" y="1500753"/>
+            <a:ext cx="379468" cy="400110"/>
+          </a:xfrm>
+          <a:prstGeom prst="rect">
+            <a:avLst/>
+          </a:prstGeom>
+          <a:noFill/>
+        </p:spPr>
+        <p:txBody>
+          <a:bodyPr wrap="square" rtlCol="0">
+            <a:spAutoFit/>
+          </a:bodyPr>
+          <a:lstStyle/>
+          <a:p>
+            <a:r>
+              <a:rPr lang="de-DE" altLang="zh-CN" dirty="0" smtClean="0">
+                <a:solidFill>
+                  <a:srgbClr val="FF0000"/>
+                </a:solidFill>
+              </a:rPr>
+              <a:t>1</a:t>
+            </a:r>
+            <a:endParaRPr lang="de-DE" dirty="0">
+              <a:solidFill>
+                <a:srgbClr val="FF0000"/>
+              </a:solidFill>
+            </a:endParaRPr>
+          </a:p>
+        </p:txBody>
+      </p:sp>
+      <p:sp>
+        <p:nvSpPr>
+          <p:cNvPr id="32" name="Textfeld 54"/>
+          <p:cNvSpPr txBox="1"/>
+          <p:nvPr/>
+        </p:nvSpPr>
+        <p:spPr>
+          <a:xfrm>
+            <a:off x="3419872" y="188640"/>
+            <a:ext cx="3626955" cy="461665"/>
           </a:xfrm>
           <a:prstGeom prst="rect">
             <a:avLst/>
@@ -7656,41 +8077,10 @@
           <a:lstStyle/>
           <a:p>
             <a:r>
-              <a:rPr lang="de-DE" b="1" dirty="0" smtClean="0">
-                <a:latin typeface="+mn-lt"/>
-              </a:rPr>
-              <a:t>Topic: Distrubute control base on image process</a:t>
-            </a:r>
-          </a:p>
-        </p:txBody>
-      </p:sp>
-      <p:sp>
-        <p:nvSpPr>
-          <p:cNvPr id="55" name="Textfeld 54"/>
-          <p:cNvSpPr txBox="1"/>
-          <p:nvPr/>
-        </p:nvSpPr>
-        <p:spPr>
-          <a:xfrm>
-            <a:off x="3419872" y="188640"/>
-            <a:ext cx="3760645" cy="461665"/>
-          </a:xfrm>
-          <a:prstGeom prst="rect">
-            <a:avLst/>
-          </a:prstGeom>
-          <a:noFill/>
-        </p:spPr>
-        <p:txBody>
-          <a:bodyPr wrap="none" rtlCol="0">
-            <a:spAutoFit/>
-          </a:bodyPr>
-          <a:lstStyle/>
-          <a:p>
-            <a:r>
               <a:rPr lang="de-DE" sz="2400" dirty="0" smtClean="0">
                 <a:latin typeface="+mn-lt"/>
               </a:rPr>
-              <a:t>Distrubute System For Robot</a:t>
+              <a:t>Distrubute Control Example</a:t>
             </a:r>
             <a:endParaRPr lang="de-DE" sz="2400" dirty="0">
               <a:latin typeface="+mn-lt"/>
@@ -7698,71 +8088,10 @@
           </a:p>
         </p:txBody>
       </p:sp>
-      <p:sp>
-        <p:nvSpPr>
-          <p:cNvPr id="4" name="文本框 3"/>
-          <p:cNvSpPr txBox="1"/>
-          <p:nvPr/>
-        </p:nvSpPr>
-        <p:spPr>
-          <a:xfrm>
-            <a:off x="575544" y="1527610"/>
-            <a:ext cx="8064896" cy="400110"/>
-          </a:xfrm>
-          <a:prstGeom prst="rect">
-            <a:avLst/>
-          </a:prstGeom>
-          <a:noFill/>
-        </p:spPr>
-        <p:txBody>
-          <a:bodyPr wrap="square" rtlCol="0">
-            <a:spAutoFit/>
-          </a:bodyPr>
-          <a:lstStyle/>
-          <a:p>
-            <a:r>
-              <a:rPr lang="en-GB" altLang="zh-CN" dirty="0" smtClean="0">
-                <a:latin typeface="+mn-lt"/>
-              </a:rPr>
-              <a:t> </a:t>
-            </a:r>
-          </a:p>
-        </p:txBody>
-      </p:sp>
-      <p:pic>
-        <p:nvPicPr>
-          <p:cNvPr id="2" name="图片 1"/>
-          <p:cNvPicPr>
-            <a:picLocks noChangeAspect="1"/>
-          </p:cNvPicPr>
-          <p:nvPr/>
-        </p:nvPicPr>
-        <p:blipFill>
-          <a:blip r:embed="rId2">
-            <a:extLst>
-              <a:ext uri="{28A0092B-C50C-407E-A947-70E740481C1C}">
-                <a14:useLocalDpi xmlns:a14="http://schemas.microsoft.com/office/drawing/2010/main" val="0"/>
-              </a:ext>
-            </a:extLst>
-          </a:blip>
-          <a:stretch>
-            <a:fillRect/>
-          </a:stretch>
-        </p:blipFill>
-        <p:spPr>
-          <a:xfrm>
-            <a:off x="721792" y="1727665"/>
-            <a:ext cx="7772400" cy="4238625"/>
-          </a:xfrm>
-          <a:prstGeom prst="rect">
-            <a:avLst/>
-          </a:prstGeom>
-        </p:spPr>
-      </p:pic>
     </p:spTree>
     <p:extLst>
       <p:ext uri="{BB962C8B-B14F-4D97-AF65-F5344CB8AC3E}">
-        <p14:creationId xmlns:p14="http://schemas.microsoft.com/office/powerpoint/2010/main" val="2863977462"/>
+        <p14:creationId xmlns:p14="http://schemas.microsoft.com/office/powerpoint/2010/main" val="803925007"/>
       </p:ext>
     </p:extLst>
   </p:cSld>

--- a/PPT/Presentation - Hardware.pptx
+++ b/PPT/Presentation - Hardware.pptx
@@ -268,7 +268,7 @@
               <a:pPr>
                 <a:defRPr/>
               </a:pPr>
-              <a:t>14.10.2018</a:t>
+              <a:t>24.10.2018</a:t>
             </a:fld>
             <a:endParaRPr lang="de-DE" dirty="0"/>
           </a:p>
@@ -479,7 +479,7 @@
               <a:pPr>
                 <a:defRPr/>
               </a:pPr>
-              <a:t>14.10.2018</a:t>
+              <a:t>24.10.2018</a:t>
             </a:fld>
             <a:endParaRPr lang="de-DE" dirty="0"/>
           </a:p>
@@ -6775,46 +6775,6 @@
       </p:grpSpPr>
       <p:sp>
         <p:nvSpPr>
-          <p:cNvPr id="53" name="Textfeld 52"/>
-          <p:cNvSpPr txBox="1"/>
-          <p:nvPr/>
-        </p:nvSpPr>
-        <p:spPr>
-          <a:xfrm>
-            <a:off x="539552" y="1127500"/>
-            <a:ext cx="4284571" cy="400110"/>
-          </a:xfrm>
-          <a:prstGeom prst="rect">
-            <a:avLst/>
-          </a:prstGeom>
-          <a:noFill/>
-        </p:spPr>
-        <p:txBody>
-          <a:bodyPr wrap="none" rtlCol="0">
-            <a:spAutoFit/>
-          </a:bodyPr>
-          <a:lstStyle/>
-          <a:p>
-            <a:r>
-              <a:rPr lang="de-DE" b="1" dirty="0">
-                <a:latin typeface="+mn-lt"/>
-              </a:rPr>
-              <a:t>Distrubute System For </a:t>
-            </a:r>
-            <a:r>
-              <a:rPr lang="de-DE" b="1" dirty="0" smtClean="0">
-                <a:latin typeface="+mn-lt"/>
-              </a:rPr>
-              <a:t>Robot Structure</a:t>
-            </a:r>
-            <a:endParaRPr lang="de-DE" b="1" dirty="0" smtClean="0">
-              <a:latin typeface="+mn-lt"/>
-            </a:endParaRPr>
-          </a:p>
-        </p:txBody>
-      </p:sp>
-      <p:sp>
-        <p:nvSpPr>
           <p:cNvPr id="55" name="Textfeld 54"/>
           <p:cNvSpPr txBox="1"/>
           <p:nvPr/>
@@ -6880,7 +6840,7 @@
       </p:sp>
       <p:pic>
         <p:nvPicPr>
-          <p:cNvPr id="2" name="图片 1"/>
+          <p:cNvPr id="3" name="图片 2"/>
           <p:cNvPicPr>
             <a:picLocks noChangeAspect="1"/>
           </p:cNvPicPr>
@@ -6900,8 +6860,8 @@
         </p:blipFill>
         <p:spPr>
           <a:xfrm>
-            <a:off x="726554" y="1727665"/>
-            <a:ext cx="7762875" cy="4238625"/>
+            <a:off x="575544" y="908720"/>
+            <a:ext cx="8229600" cy="5191125"/>
           </a:xfrm>
           <a:prstGeom prst="rect">
             <a:avLst/>
